--- a/presentazione/PresentazioneSbom_Consegnata.pptx
+++ b/presentazione/PresentazioneSbom_Consegnata.pptx
@@ -17,9 +17,10 @@
     <p:sldId id="260" r:id="rId11"/>
     <p:sldId id="261" r:id="rId12"/>
     <p:sldId id="262" r:id="rId13"/>
-    <p:sldId id="263" r:id="rId14"/>
-    <p:sldId id="269" r:id="rId15"/>
-    <p:sldId id="270" r:id="rId16"/>
+    <p:sldId id="271" r:id="rId14"/>
+    <p:sldId id="263" r:id="rId15"/>
+    <p:sldId id="269" r:id="rId16"/>
+    <p:sldId id="270" r:id="rId17"/>
   </p:sldIdLst>
   <p:sldSz cx="18288000" cy="10287000"/>
   <p:notesSz cx="18288000" cy="10287000"/>
@@ -51,6 +52,8 @@
 <p1510:revInfo xmlns:a="http://schemas.openxmlformats.org/drawingml/2006/main" xmlns:r="http://schemas.openxmlformats.org/officeDocument/2006/relationships" xmlns:p1510="http://schemas.microsoft.com/office/powerpoint/2015/10/main">
   <p1510:revLst>
     <p1510:client id="{21DC5331-77B4-8539-EEE6-074DDDE8F988}" v="13" dt="2024-12-17T18:36:46.462"/>
+    <p1510:client id="{2BB5102C-D974-CD1D-2224-EFDE8387FA45}" v="229" dt="2024-12-18T23:24:05.575"/>
+    <p1510:client id="{5FD08518-F2F8-A373-5094-B58295004CD1}" v="519" dt="2024-12-18T15:40:10.700"/>
     <p1510:client id="{77BB4D0D-3C73-5B23-847D-0EA093495944}" v="557" dt="2024-12-17T17:22:08.565"/>
   </p1510:revLst>
 </p1510:revInfo>
@@ -201,7 +204,7 @@
           <a:p>
             <a:fld id="{1D8BD707-D9CF-40AE-B4C6-C98DA3205C09}" type="datetimeFigureOut">
               <a:rPr lang="en-US"/>
-              <a:t>12/17/2024</a:t>
+              <a:t>12/18/2024</a:t>
             </a:fld>
             <a:endParaRPr lang="en-US"/>
           </a:p>
@@ -372,7 +375,7 @@
           <a:p>
             <a:fld id="{1D8BD707-D9CF-40AE-B4C6-C98DA3205C09}" type="datetimeFigureOut">
               <a:rPr lang="en-US"/>
-              <a:t>12/17/2024</a:t>
+              <a:t>12/18/2024</a:t>
             </a:fld>
             <a:endParaRPr lang="en-US"/>
           </a:p>
@@ -586,7 +589,7 @@
           <a:p>
             <a:fld id="{1D8BD707-D9CF-40AE-B4C6-C98DA3205C09}" type="datetimeFigureOut">
               <a:rPr lang="en-US"/>
-              <a:t>12/17/2024</a:t>
+              <a:t>12/18/2024</a:t>
             </a:fld>
             <a:endParaRPr lang="en-US"/>
           </a:p>
@@ -734,7 +737,7 @@
           <a:p>
             <a:fld id="{1D8BD707-D9CF-40AE-B4C6-C98DA3205C09}" type="datetimeFigureOut">
               <a:rPr lang="en-US"/>
-              <a:t>12/17/2024</a:t>
+              <a:t>12/18/2024</a:t>
             </a:fld>
             <a:endParaRPr lang="en-US"/>
           </a:p>
@@ -853,7 +856,7 @@
           <a:p>
             <a:fld id="{1D8BD707-D9CF-40AE-B4C6-C98DA3205C09}" type="datetimeFigureOut">
               <a:rPr lang="en-US"/>
-              <a:t>12/17/2024</a:t>
+              <a:t>12/18/2024</a:t>
             </a:fld>
             <a:endParaRPr lang="en-US"/>
           </a:p>
@@ -1094,7 +1097,7 @@
           <a:p>
             <a:fld id="{1D8BD707-D9CF-40AE-B4C6-C98DA3205C09}" type="datetimeFigureOut">
               <a:rPr lang="en-US"/>
-              <a:t>12/17/2024</a:t>
+              <a:t>12/18/2024</a:t>
             </a:fld>
             <a:endParaRPr lang="en-US"/>
           </a:p>
@@ -1325,8 +1328,8 @@
         </p:nvSpPr>
         <p:spPr>
           <a:xfrm>
-            <a:off x="3938396" y="673379"/>
-            <a:ext cx="10228580" cy="1321435"/>
+            <a:off x="787424" y="688825"/>
+            <a:ext cx="16731322" cy="2628925"/>
           </a:xfrm>
           <a:prstGeom prst="rect">
             <a:avLst/>
@@ -1339,9 +1342,6 @@
           <a:lstStyle/>
           <a:p>
             <a:pPr marL="12700">
-              <a:lnSpc>
-                <a:spcPct val="100000"/>
-              </a:lnSpc>
               <a:spcBef>
                 <a:spcPts val="100"/>
               </a:spcBef>
@@ -1350,518 +1350,69 @@
               </a:tabLst>
             </a:pPr>
             <a:r>
-              <a:rPr sz="8500" spc="-844">
-                <a:cs typeface="Arial"/>
+              <a:rPr lang="en-US" sz="8500" spc="-810" dirty="0" err="1">
+                <a:latin typeface="Lucida Sans Unicode"/>
+                <a:ea typeface="ADLaM Display"/>
+                <a:cs typeface="Lucida Sans Unicode"/>
               </a:rPr>
               <a:t>Analisi</a:t>
             </a:r>
             <a:r>
-              <a:rPr sz="8500" spc="15">
-                <a:cs typeface="Arial"/>
-              </a:rPr>
-              <a:t> </a:t>
-            </a:r>
-            <a:r>
-              <a:rPr sz="8500" spc="-655">
-                <a:cs typeface="Arial"/>
-              </a:rPr>
-              <a:t>de</a:t>
-            </a:r>
-            <a:r>
-              <a:rPr sz="8500" b="1" spc="-655">
-                <a:cs typeface="Arial"/>
-              </a:rPr>
-              <a:t>l</a:t>
-            </a:r>
-            <a:r>
-              <a:rPr sz="8500" spc="-655">
-                <a:cs typeface="Arial"/>
-              </a:rPr>
-              <a:t>e</a:t>
-            </a:r>
-            <a:r>
-              <a:rPr sz="8500" spc="20">
-                <a:cs typeface="Arial"/>
-              </a:rPr>
-              <a:t> </a:t>
-            </a:r>
-            <a:r>
-              <a:rPr sz="8500" spc="-1115">
-                <a:cs typeface="Arial"/>
-              </a:rPr>
-              <a:t>d</a:t>
-            </a:r>
-            <a:r>
-              <a:rPr sz="8500" spc="-1130">
-                <a:cs typeface="Arial"/>
-              </a:rPr>
-              <a:t>i</a:t>
-            </a:r>
-            <a:r>
-              <a:rPr sz="8500" spc="-1105">
-                <a:cs typeface="Arial"/>
-              </a:rPr>
-              <a:t>p</a:t>
-            </a:r>
-            <a:r>
-              <a:rPr sz="8500" spc="-565">
-                <a:cs typeface="Arial"/>
-              </a:rPr>
-              <a:t>e</a:t>
-            </a:r>
-            <a:r>
-              <a:rPr sz="8500" spc="-1145">
-                <a:cs typeface="Arial"/>
-              </a:rPr>
-              <a:t>n</a:t>
-            </a:r>
-            <a:r>
-              <a:rPr sz="8500" spc="-1115">
-                <a:cs typeface="Arial"/>
-              </a:rPr>
-              <a:t>d</a:t>
-            </a:r>
-            <a:r>
-              <a:rPr sz="8500" spc="-565">
-                <a:cs typeface="Arial"/>
-              </a:rPr>
-              <a:t>e</a:t>
-            </a:r>
-            <a:r>
-              <a:rPr sz="8500" spc="-1065">
-                <a:cs typeface="Arial"/>
-              </a:rPr>
-              <a:t>n</a:t>
-            </a:r>
-            <a:r>
-              <a:rPr sz="8500" spc="-1495">
-                <a:cs typeface="Arial"/>
-              </a:rPr>
-              <a:t>z</a:t>
-            </a:r>
-            <a:r>
-              <a:rPr sz="8500" spc="-690">
-                <a:cs typeface="Arial"/>
-              </a:rPr>
-              <a:t>e</a:t>
-            </a:r>
-            <a:r>
-              <a:rPr sz="8500">
-                <a:cs typeface="Arial"/>
-              </a:rPr>
-              <a:t>	</a:t>
-            </a:r>
-            <a:r>
-              <a:rPr sz="8500" spc="-810">
-                <a:cs typeface="Arial"/>
-              </a:rPr>
-              <a:t>e</a:t>
-            </a:r>
-            <a:endParaRPr lang="en-US" sz="8500">
-              <a:cs typeface="Arial"/>
-            </a:endParaRPr>
-          </a:p>
-        </p:txBody>
-      </p:sp>
-      <p:sp>
-        <p:nvSpPr>
-          <p:cNvPr id="3" name="object 3"/>
-          <p:cNvSpPr txBox="1"/>
-          <p:nvPr/>
-        </p:nvSpPr>
-        <p:spPr>
-          <a:xfrm>
-            <a:off x="3938396" y="1515008"/>
-            <a:ext cx="10228580" cy="1321435"/>
-          </a:xfrm>
-          <a:prstGeom prst="rect">
-            <a:avLst/>
-          </a:prstGeom>
-        </p:spPr>
-        <p:txBody>
-          <a:bodyPr vert="horz" wrap="square" lIns="0" tIns="12700" rIns="0" bIns="0" rtlCol="0" anchor="t">
-            <a:spAutoFit/>
-          </a:bodyPr>
-          <a:lstStyle/>
-          <a:p>
-            <a:pPr marL="12700">
-              <a:lnSpc>
-                <a:spcPct val="100000"/>
-              </a:lnSpc>
-              <a:spcBef>
-                <a:spcPts val="100"/>
-              </a:spcBef>
-            </a:pPr>
-            <a:r>
-              <a:rPr sz="8500" spc="-905">
-                <a:solidFill>
-                  <a:srgbClr val="FFFFFF"/>
-                </a:solidFill>
-                <a:latin typeface="Arial MT"/>
-                <a:cs typeface="Arial"/>
-              </a:rPr>
-              <a:t>g</a:t>
-            </a:r>
-            <a:r>
-              <a:rPr sz="8500" spc="-350">
-                <a:solidFill>
-                  <a:srgbClr val="FFFFFF"/>
-                </a:solidFill>
-                <a:latin typeface="Arial MT"/>
-                <a:cs typeface="Arial"/>
-              </a:rPr>
-              <a:t>e</a:t>
-            </a:r>
-            <a:r>
-              <a:rPr sz="8500" spc="-950">
-                <a:solidFill>
-                  <a:srgbClr val="FFFFFF"/>
-                </a:solidFill>
-                <a:latin typeface="Arial MT"/>
-                <a:cs typeface="Arial"/>
-              </a:rPr>
-              <a:t>n</a:t>
-            </a:r>
-            <a:r>
-              <a:rPr sz="8500" spc="-240">
-                <a:solidFill>
-                  <a:srgbClr val="FFFFFF"/>
-                </a:solidFill>
-                <a:latin typeface="Arial MT"/>
-                <a:cs typeface="Arial"/>
-              </a:rPr>
-              <a:t>e</a:t>
-            </a:r>
-            <a:r>
-              <a:rPr sz="8500" spc="-1080">
-                <a:solidFill>
-                  <a:srgbClr val="FFFFFF"/>
-                </a:solidFill>
-                <a:latin typeface="Arial MT"/>
-                <a:cs typeface="Arial"/>
-              </a:rPr>
-              <a:t>r</a:t>
-            </a:r>
-            <a:r>
-              <a:rPr sz="8500" spc="-915">
-                <a:solidFill>
-                  <a:srgbClr val="FFFFFF"/>
-                </a:solidFill>
-                <a:latin typeface="Arial MT"/>
-                <a:cs typeface="Arial"/>
-              </a:rPr>
-              <a:t>a</a:t>
-            </a:r>
-            <a:r>
-              <a:rPr sz="8500" spc="-894">
-                <a:solidFill>
-                  <a:srgbClr val="FFFFFF"/>
-                </a:solidFill>
-                <a:latin typeface="Arial MT"/>
-                <a:cs typeface="Arial"/>
-              </a:rPr>
-              <a:t>z</a:t>
-            </a:r>
-            <a:r>
-              <a:rPr sz="8500" spc="-900">
-                <a:solidFill>
-                  <a:srgbClr val="FFFFFF"/>
-                </a:solidFill>
-                <a:latin typeface="Arial MT"/>
-                <a:cs typeface="Arial"/>
-              </a:rPr>
-              <a:t>i</a:t>
-            </a:r>
-            <a:r>
-              <a:rPr sz="8500" spc="-865">
-                <a:solidFill>
-                  <a:srgbClr val="FFFFFF"/>
-                </a:solidFill>
-                <a:latin typeface="Arial MT"/>
-                <a:cs typeface="Arial"/>
-              </a:rPr>
-              <a:t>o</a:t>
-            </a:r>
-            <a:r>
-              <a:rPr sz="8500" spc="-905">
-                <a:solidFill>
-                  <a:srgbClr val="FFFFFF"/>
-                </a:solidFill>
-                <a:latin typeface="Arial MT"/>
-                <a:cs typeface="Arial"/>
-              </a:rPr>
-              <a:t>n</a:t>
-            </a:r>
-            <a:r>
-              <a:rPr sz="8500" spc="-500">
-                <a:solidFill>
-                  <a:srgbClr val="FFFFFF"/>
-                </a:solidFill>
-                <a:latin typeface="Arial MT"/>
-                <a:cs typeface="Arial"/>
-              </a:rPr>
-              <a:t>e</a:t>
-            </a:r>
-            <a:r>
-              <a:rPr sz="8500" spc="-195">
-                <a:solidFill>
-                  <a:srgbClr val="FFFFFF"/>
-                </a:solidFill>
-                <a:latin typeface="Arial MT"/>
-                <a:cs typeface="Arial"/>
-              </a:rPr>
-              <a:t> </a:t>
-            </a:r>
-            <a:r>
-              <a:rPr sz="8500" spc="-375">
-                <a:solidFill>
-                  <a:srgbClr val="FFFFFF"/>
-                </a:solidFill>
-                <a:latin typeface="Arial MT"/>
-                <a:cs typeface="Arial"/>
-              </a:rPr>
-              <a:t>di</a:t>
-            </a:r>
-            <a:r>
-              <a:rPr sz="8500" spc="-445">
-                <a:solidFill>
-                  <a:srgbClr val="FFFFFF"/>
-                </a:solidFill>
-                <a:latin typeface="Arial MT"/>
-                <a:cs typeface="Arial"/>
-              </a:rPr>
-              <a:t> </a:t>
-            </a:r>
-            <a:r>
-              <a:rPr sz="8500" spc="-810">
-                <a:solidFill>
-                  <a:srgbClr val="FFFFFF"/>
-                </a:solidFill>
-                <a:latin typeface="Arial MT"/>
-                <a:cs typeface="Arial"/>
-              </a:rPr>
-              <a:t>SboM</a:t>
-            </a:r>
-            <a:r>
-              <a:rPr sz="8500" spc="-409">
-                <a:solidFill>
-                  <a:srgbClr val="FFFFFF"/>
-                </a:solidFill>
-                <a:latin typeface="Arial MT"/>
-                <a:cs typeface="Arial"/>
-              </a:rPr>
-              <a:t> </a:t>
-            </a:r>
-            <a:r>
-              <a:rPr sz="8500" spc="-894">
-                <a:solidFill>
-                  <a:srgbClr val="FFFFFF"/>
-                </a:solidFill>
-                <a:latin typeface="Arial MT"/>
-                <a:cs typeface="Arial"/>
-              </a:rPr>
-              <a:t>p</a:t>
-            </a:r>
-            <a:r>
-              <a:rPr sz="8500" spc="-200">
-                <a:solidFill>
-                  <a:srgbClr val="FFFFFF"/>
-                </a:solidFill>
-                <a:latin typeface="Arial MT"/>
-                <a:cs typeface="Arial"/>
-              </a:rPr>
-              <a:t>e</a:t>
-            </a:r>
-            <a:r>
-              <a:rPr sz="8500" spc="-530">
-                <a:solidFill>
-                  <a:srgbClr val="FFFFFF"/>
-                </a:solidFill>
-                <a:latin typeface="Arial MT"/>
-                <a:cs typeface="Arial"/>
-              </a:rPr>
-              <a:t>r</a:t>
-            </a:r>
-            <a:endParaRPr sz="8500">
-              <a:latin typeface="Arial MT"/>
-              <a:cs typeface="Arial"/>
-            </a:endParaRPr>
-          </a:p>
-        </p:txBody>
-      </p:sp>
-      <p:sp>
-        <p:nvSpPr>
-          <p:cNvPr id="4" name="object 4"/>
-          <p:cNvSpPr txBox="1"/>
-          <p:nvPr/>
-        </p:nvSpPr>
-        <p:spPr>
-          <a:xfrm>
-            <a:off x="3938396" y="2356510"/>
-            <a:ext cx="9673590" cy="1321435"/>
-          </a:xfrm>
-          <a:prstGeom prst="rect">
-            <a:avLst/>
-          </a:prstGeom>
-        </p:spPr>
-        <p:txBody>
-          <a:bodyPr vert="horz" wrap="square" lIns="0" tIns="12700" rIns="0" bIns="0" rtlCol="0" anchor="t">
-            <a:spAutoFit/>
-          </a:bodyPr>
-          <a:lstStyle/>
-          <a:p>
-            <a:pPr marL="12700">
-              <a:lnSpc>
-                <a:spcPct val="100000"/>
-              </a:lnSpc>
-              <a:spcBef>
-                <a:spcPts val="100"/>
-              </a:spcBef>
-            </a:pPr>
-            <a:r>
-              <a:rPr sz="8500" spc="-720">
-                <a:solidFill>
-                  <a:srgbClr val="FFFFFF"/>
-                </a:solidFill>
-                <a:latin typeface="Arial MT"/>
-                <a:cs typeface="Arial"/>
-              </a:rPr>
-              <a:t>applicazioni</a:t>
-            </a:r>
-            <a:r>
-              <a:rPr sz="8500" spc="-1240">
-                <a:solidFill>
-                  <a:srgbClr val="FFFFFF"/>
-                </a:solidFill>
-                <a:latin typeface="Arial MT"/>
-                <a:cs typeface="Arial"/>
-              </a:rPr>
-              <a:t> </a:t>
-            </a:r>
-            <a:r>
-              <a:rPr sz="8500" spc="-935">
-                <a:solidFill>
-                  <a:srgbClr val="FFFFFF"/>
-                </a:solidFill>
-                <a:latin typeface="Arial MT"/>
-                <a:cs typeface="Arial"/>
-              </a:rPr>
-              <a:t>R</a:t>
-            </a:r>
-            <a:r>
-              <a:rPr sz="8500" spc="-355">
-                <a:solidFill>
-                  <a:srgbClr val="FFFFFF"/>
-                </a:solidFill>
-                <a:latin typeface="Arial MT"/>
-                <a:cs typeface="Arial"/>
-              </a:rPr>
-              <a:t>e</a:t>
-            </a:r>
-            <a:r>
-              <a:rPr sz="8500" spc="-855">
-                <a:solidFill>
-                  <a:srgbClr val="FFFFFF"/>
-                </a:solidFill>
-                <a:latin typeface="Arial MT"/>
-                <a:cs typeface="Arial"/>
-              </a:rPr>
-              <a:t>a</a:t>
-            </a:r>
-            <a:r>
-              <a:rPr sz="8500" spc="-844">
-                <a:solidFill>
-                  <a:srgbClr val="FFFFFF"/>
-                </a:solidFill>
-                <a:latin typeface="Arial MT"/>
-                <a:cs typeface="Arial"/>
-              </a:rPr>
-              <a:t>c</a:t>
-            </a:r>
-            <a:r>
-              <a:rPr sz="8500" spc="-685">
-                <a:solidFill>
-                  <a:srgbClr val="FFFFFF"/>
-                </a:solidFill>
-                <a:latin typeface="Arial MT"/>
-                <a:cs typeface="Arial"/>
-              </a:rPr>
-              <a:t>t</a:t>
-            </a:r>
-            <a:r>
-              <a:rPr sz="8500" spc="-730">
-                <a:solidFill>
-                  <a:srgbClr val="FFFFFF"/>
-                </a:solidFill>
-                <a:latin typeface="Arial MT"/>
-                <a:cs typeface="Arial"/>
-              </a:rPr>
-              <a:t> </a:t>
-            </a:r>
-            <a:r>
-              <a:rPr sz="8500" spc="-1075">
-                <a:solidFill>
-                  <a:srgbClr val="FFFFFF"/>
-                </a:solidFill>
-                <a:latin typeface="Arial MT"/>
-                <a:cs typeface="Arial"/>
-              </a:rPr>
-              <a:t>N</a:t>
-            </a:r>
-            <a:r>
-              <a:rPr sz="8500" spc="-1015">
-                <a:solidFill>
-                  <a:srgbClr val="FFFFFF"/>
-                </a:solidFill>
-                <a:latin typeface="Arial MT"/>
-                <a:cs typeface="Arial"/>
-              </a:rPr>
-              <a:t>a</a:t>
-            </a:r>
-            <a:r>
-              <a:rPr sz="8500" spc="-885">
-                <a:solidFill>
-                  <a:srgbClr val="FFFFFF"/>
-                </a:solidFill>
-                <a:latin typeface="Arial MT"/>
-                <a:cs typeface="Arial"/>
-              </a:rPr>
-              <a:t>t</a:t>
-            </a:r>
-            <a:r>
-              <a:rPr sz="8500" spc="-1000">
-                <a:solidFill>
-                  <a:srgbClr val="FFFFFF"/>
-                </a:solidFill>
-                <a:latin typeface="Arial MT"/>
-                <a:cs typeface="Arial"/>
-              </a:rPr>
-              <a:t>i</a:t>
-            </a:r>
-            <a:r>
-              <a:rPr sz="8500" spc="-1190">
-                <a:solidFill>
-                  <a:srgbClr val="FFFFFF"/>
-                </a:solidFill>
-                <a:latin typeface="Arial MT"/>
-                <a:cs typeface="Arial"/>
-              </a:rPr>
-              <a:t>v</a:t>
-            </a:r>
-            <a:r>
-              <a:rPr sz="8500" spc="-585">
-                <a:solidFill>
-                  <a:srgbClr val="FFFFFF"/>
-                </a:solidFill>
-                <a:latin typeface="Arial MT"/>
-                <a:cs typeface="Arial"/>
-              </a:rPr>
-              <a:t>e</a:t>
-            </a:r>
-            <a:endParaRPr sz="8500">
-              <a:latin typeface="Arial MT"/>
-              <a:cs typeface="Arial"/>
-            </a:endParaRPr>
+              <a:rPr lang="en-US" sz="8500" spc="-810" dirty="0">
+                <a:latin typeface="Lucida Sans Unicode"/>
+                <a:ea typeface="ADLaM Display"/>
+                <a:cs typeface="Lucida Sans Unicode"/>
+              </a:rPr>
+              <a:t> </a:t>
+            </a:r>
+            <a:r>
+              <a:rPr lang="en-US" sz="8500" spc="-810" dirty="0" err="1">
+                <a:latin typeface="Lucida Sans Unicode"/>
+                <a:ea typeface="ADLaM Display"/>
+                <a:cs typeface="Lucida Sans Unicode"/>
+              </a:rPr>
+              <a:t>delle</a:t>
+            </a:r>
+            <a:r>
+              <a:rPr lang="en-US" sz="8500" spc="-810" dirty="0">
+                <a:latin typeface="Lucida Sans Unicode"/>
+                <a:ea typeface="ADLaM Display"/>
+                <a:cs typeface="Lucida Sans Unicode"/>
+              </a:rPr>
+              <a:t> </a:t>
+            </a:r>
+            <a:r>
+              <a:rPr lang="en-US" sz="8500" spc="-810" dirty="0" err="1">
+                <a:latin typeface="Lucida Sans Unicode"/>
+                <a:ea typeface="ADLaM Display"/>
+                <a:cs typeface="Lucida Sans Unicode"/>
+              </a:rPr>
+              <a:t>dipendenze</a:t>
+            </a:r>
+            <a:r>
+              <a:rPr lang="en-US" sz="8500" spc="-810" dirty="0">
+                <a:latin typeface="Lucida Sans Unicode"/>
+                <a:ea typeface="ADLaM Display"/>
+                <a:cs typeface="Lucida Sans Unicode"/>
+              </a:rPr>
+              <a:t> e </a:t>
+            </a:r>
+            <a:r>
+              <a:rPr lang="en-US" sz="8500" spc="-810" dirty="0" err="1">
+                <a:latin typeface="Lucida Sans Unicode"/>
+                <a:ea typeface="ADLaM Display"/>
+                <a:cs typeface="Lucida Sans Unicode"/>
+              </a:rPr>
+              <a:t>generazione</a:t>
+            </a:r>
+            <a:r>
+              <a:rPr lang="en-US" sz="8500" spc="-810" dirty="0">
+                <a:latin typeface="Lucida Sans Unicode"/>
+                <a:ea typeface="ADLaM Display"/>
+                <a:cs typeface="Lucida Sans Unicode"/>
+              </a:rPr>
+              <a:t> di SBOM per App react Native</a:t>
+            </a:r>
           </a:p>
         </p:txBody>
       </p:sp>
@@ -1874,14 +1425,14 @@
         <p:spPr>
           <a:xfrm>
             <a:off x="7555738" y="8225155"/>
-            <a:ext cx="3166745" cy="1007744"/>
+            <a:ext cx="3738245" cy="998991"/>
           </a:xfrm>
           <a:prstGeom prst="rect">
             <a:avLst/>
           </a:prstGeom>
         </p:spPr>
         <p:txBody>
-          <a:bodyPr vert="horz" wrap="square" lIns="0" tIns="13970" rIns="0" bIns="0" rtlCol="0">
+          <a:bodyPr vert="horz" wrap="square" lIns="0" tIns="13970" rIns="0" bIns="0" rtlCol="0" anchor="t">
             <a:spAutoFit/>
           </a:bodyPr>
           <a:lstStyle/>
@@ -1895,38 +1446,42 @@
               </a:spcBef>
             </a:pPr>
             <a:r>
-              <a:rPr sz="2400" spc="-430">
-                <a:solidFill>
-                  <a:srgbClr val="FFFFFF"/>
-                </a:solidFill>
-                <a:latin typeface="Arial MT"/>
-                <a:cs typeface="Arial" panose="020B0604020202020204" pitchFamily="34" charset="0"/>
+              <a:rPr lang="en-US" sz="2400" spc="-430" dirty="0">
+                <a:solidFill>
+                  <a:srgbClr val="FFFFFF"/>
+                </a:solidFill>
+                <a:latin typeface="Lucida Sans Unicode"/>
+                <a:ea typeface="ADLaM Display"/>
+                <a:cs typeface="Lucida Sans Unicode"/>
               </a:rPr>
               <a:t>ANDREA</a:t>
             </a:r>
             <a:r>
-              <a:rPr sz="2400" spc="250">
-                <a:solidFill>
-                  <a:srgbClr val="FFFFFF"/>
-                </a:solidFill>
-                <a:latin typeface="Arial MT"/>
-                <a:cs typeface="Arial" panose="020B0604020202020204" pitchFamily="34" charset="0"/>
-              </a:rPr>
-              <a:t> </a:t>
-            </a:r>
-            <a:r>
-              <a:rPr sz="2400" spc="-85">
-                <a:solidFill>
-                  <a:srgbClr val="FFFFFF"/>
-                </a:solidFill>
-                <a:latin typeface="Arial MT"/>
-                <a:cs typeface="Arial" panose="020B0604020202020204" pitchFamily="34" charset="0"/>
+              <a:rPr sz="2400" spc="250" dirty="0">
+                <a:solidFill>
+                  <a:srgbClr val="FFFFFF"/>
+                </a:solidFill>
+                <a:latin typeface="Lucida Sans Unicode"/>
+                <a:ea typeface="ADLaM Display"/>
+                <a:cs typeface="Lucida Sans Unicode"/>
+              </a:rPr>
+              <a:t> </a:t>
+            </a:r>
+            <a:r>
+              <a:rPr sz="2400" spc="-85" dirty="0">
+                <a:solidFill>
+                  <a:srgbClr val="FFFFFF"/>
+                </a:solidFill>
+                <a:latin typeface="Lucida Sans Unicode"/>
+                <a:ea typeface="ADLaM Display"/>
+                <a:cs typeface="Lucida Sans Unicode"/>
               </a:rPr>
               <a:t>ISERNIO</a:t>
             </a:r>
             <a:endParaRPr sz="2400">
-              <a:latin typeface="Arial MT"/>
-              <a:cs typeface="Arial" panose="020B0604020202020204" pitchFamily="34" charset="0"/>
+              <a:latin typeface="Lucida Sans Unicode"/>
+              <a:ea typeface="ADLaM Display"/>
+              <a:cs typeface="Lucida Sans Unicode"/>
             </a:endParaRPr>
           </a:p>
           <a:p>
@@ -1939,48 +1494,42 @@
               </a:spcBef>
             </a:pPr>
             <a:r>
-              <a:rPr sz="1750">
-                <a:solidFill>
-                  <a:srgbClr val="FFFFFF"/>
-                </a:solidFill>
-                <a:latin typeface="Arial MT"/>
-                <a:cs typeface="Arial" panose="020B0604020202020204" pitchFamily="34" charset="0"/>
+              <a:rPr sz="1750" dirty="0">
+                <a:solidFill>
+                  <a:srgbClr val="FFFFFF"/>
+                </a:solidFill>
+                <a:latin typeface="Lucida Sans Unicode"/>
+                <a:ea typeface="ADLaM Display"/>
+                <a:cs typeface="Lucida Sans Unicode"/>
               </a:rPr>
               <a:t>andrea.isernio</a:t>
             </a:r>
             <a:r>
-              <a:rPr sz="1550">
-                <a:solidFill>
-                  <a:srgbClr val="FFFFFF"/>
-                </a:solidFill>
-                <a:latin typeface="Arial MT"/>
-                <a:cs typeface="Arial" panose="020B0604020202020204" pitchFamily="34" charset="0"/>
+              <a:rPr sz="1550" dirty="0">
+                <a:solidFill>
+                  <a:srgbClr val="FFFFFF"/>
+                </a:solidFill>
+                <a:latin typeface="Lucida Sans Unicode"/>
+                <a:ea typeface="ADLaM Display"/>
+                <a:cs typeface="Lucida Sans Unicode"/>
               </a:rPr>
               <a:t>@</a:t>
             </a:r>
             <a:r>
-              <a:rPr sz="1550" spc="165">
-                <a:solidFill>
-                  <a:srgbClr val="FFFFFF"/>
-                </a:solidFill>
-                <a:latin typeface="Arial MT"/>
-                <a:cs typeface="Arial" panose="020B0604020202020204" pitchFamily="34" charset="0"/>
-              </a:rPr>
-              <a:t> </a:t>
-            </a:r>
-            <a:r>
-              <a:rPr sz="1750" spc="-10">
-                <a:solidFill>
-                  <a:srgbClr val="FFFFFF"/>
-                </a:solidFill>
-                <a:latin typeface="Arial MT"/>
-                <a:cs typeface="Arial" panose="020B0604020202020204" pitchFamily="34" charset="0"/>
+              <a:rPr sz="1750" spc="-10" dirty="0">
+                <a:solidFill>
+                  <a:srgbClr val="FFFFFF"/>
+                </a:solidFill>
+                <a:latin typeface="Lucida Sans Unicode"/>
+                <a:ea typeface="ADLaM Display"/>
+                <a:cs typeface="Lucida Sans Unicode"/>
               </a:rPr>
               <a:t>studio.unibo.it</a:t>
             </a:r>
-            <a:endParaRPr sz="1750">
-              <a:latin typeface="Arial MT"/>
-              <a:cs typeface="Arial" panose="020B0604020202020204" pitchFamily="34" charset="0"/>
+            <a:endParaRPr sz="1750" dirty="0">
+              <a:latin typeface="Lucida Sans Unicode"/>
+              <a:ea typeface="ADLaM Display"/>
+              <a:cs typeface="Lucida Sans Unicode"/>
             </a:endParaRPr>
           </a:p>
         </p:txBody>
@@ -2066,8 +1615,8 @@
         </p:nvSpPr>
         <p:spPr>
           <a:xfrm>
-            <a:off x="2981543" y="-4913"/>
-            <a:ext cx="12510805" cy="1551834"/>
+            <a:off x="2240138" y="-4913"/>
+            <a:ext cx="13252210" cy="1551834"/>
           </a:xfrm>
           <a:prstGeom prst="rect">
             <a:avLst/>
@@ -2086,13 +1635,15 @@
             </a:pPr>
             <a:r>
               <a:rPr lang="en-US" sz="8400" spc="-545" err="1">
+                <a:latin typeface="Lucida Sans Unicode"/>
                 <a:ea typeface="Tahoma"/>
                 <a:cs typeface="Tahoma"/>
               </a:rPr>
               <a:t>Esempio</a:t>
             </a:r>
             <a:r>
-              <a:rPr lang="en-US" sz="8400" spc="-545">
+              <a:rPr lang="en-US" sz="8400" spc="-545" dirty="0">
+                <a:latin typeface="Lucida Sans Unicode"/>
                 <a:ea typeface="Tahoma"/>
                 <a:cs typeface="Tahoma"/>
               </a:rPr>
@@ -2161,7 +1712,7 @@
         <p:spPr>
           <a:xfrm>
             <a:off x="2834586" y="-4913"/>
-            <a:ext cx="12968005" cy="1306768"/>
+            <a:ext cx="13709410" cy="1306768"/>
           </a:xfrm>
           <a:prstGeom prst="rect">
             <a:avLst/>
@@ -2183,13 +1734,15 @@
             </a:pPr>
             <a:r>
               <a:rPr lang="en-US" sz="8400" spc="-545" err="1">
+                <a:latin typeface="Lucida Sans Unicode"/>
                 <a:ea typeface="Tahoma"/>
                 <a:cs typeface="Tahoma"/>
               </a:rPr>
               <a:t>Esempio</a:t>
             </a:r>
             <a:r>
-              <a:rPr lang="en-US" sz="8400" spc="-545">
+              <a:rPr lang="en-US" sz="8400" spc="-545" dirty="0">
+                <a:latin typeface="Lucida Sans Unicode"/>
                 <a:ea typeface="Tahoma"/>
                 <a:cs typeface="Tahoma"/>
               </a:rPr>
@@ -2276,7 +1829,8 @@
               </a:spcBef>
             </a:pPr>
             <a:r>
-              <a:rPr lang="en-US" sz="8400" spc="-550">
+              <a:rPr lang="en-US" sz="8400" spc="-550" dirty="0">
+                <a:latin typeface="Lucida Sans Unicode"/>
                 <a:cs typeface="Tahoma"/>
               </a:rPr>
               <a:t>Vulnerability Report</a:t>
@@ -2343,7 +1897,137 @@
         </p:nvSpPr>
         <p:spPr>
           <a:xfrm>
-            <a:off x="4638294" y="861135"/>
+            <a:off x="6818757" y="603327"/>
+            <a:ext cx="4644516" cy="1348317"/>
+          </a:xfrm>
+          <a:prstGeom prst="rect">
+            <a:avLst/>
+          </a:prstGeom>
+        </p:spPr>
+        <p:txBody>
+          <a:bodyPr vert="horz" wrap="square" lIns="0" tIns="55117" rIns="0" bIns="0" rtlCol="0" anchor="t">
+            <a:spAutoFit/>
+          </a:bodyPr>
+          <a:lstStyle/>
+          <a:p>
+            <a:pPr marL="694055">
+              <a:spcBef>
+                <a:spcPts val="110"/>
+              </a:spcBef>
+            </a:pPr>
+            <a:r>
+              <a:rPr lang="en-US" sz="8400" spc="-550" dirty="0" err="1">
+                <a:latin typeface="Lucida Sans Unicode"/>
+                <a:cs typeface="Tahoma"/>
+              </a:rPr>
+              <a:t>Risultati</a:t>
+            </a:r>
+          </a:p>
+        </p:txBody>
+      </p:sp>
+      <p:pic>
+        <p:nvPicPr>
+          <p:cNvPr id="3" name="Picture 2">
+            <a:extLst>
+              <a:ext uri="{FF2B5EF4-FFF2-40B4-BE49-F238E27FC236}">
+                <a16:creationId xmlns:a16="http://schemas.microsoft.com/office/drawing/2014/main" id="{D7437F80-7296-8BC8-A0B7-CC4E7E0B37C7}"/>
+              </a:ext>
+            </a:extLst>
+          </p:cNvPr>
+          <p:cNvPicPr>
+            <a:picLocks noChangeAspect="1"/>
+          </p:cNvPicPr>
+          <p:nvPr/>
+        </p:nvPicPr>
+        <p:blipFill>
+          <a:blip r:embed="rId2"/>
+          <a:stretch>
+            <a:fillRect/>
+          </a:stretch>
+        </p:blipFill>
+        <p:spPr>
+          <a:xfrm>
+            <a:off x="10271760" y="2979682"/>
+            <a:ext cx="7680960" cy="4967716"/>
+          </a:xfrm>
+          <a:prstGeom prst="rect">
+            <a:avLst/>
+          </a:prstGeom>
+        </p:spPr>
+      </p:pic>
+      <p:pic>
+        <p:nvPicPr>
+          <p:cNvPr id="6" name="Picture 5" descr="A table with numbers and letters&#10;&#10;Description automatically generated">
+            <a:extLst>
+              <a:ext uri="{FF2B5EF4-FFF2-40B4-BE49-F238E27FC236}">
+                <a16:creationId xmlns:a16="http://schemas.microsoft.com/office/drawing/2014/main" id="{AD79AF99-9C61-631F-EFD2-CDD9F0B55DB8}"/>
+              </a:ext>
+            </a:extLst>
+          </p:cNvPr>
+          <p:cNvPicPr>
+            <a:picLocks noChangeAspect="1"/>
+          </p:cNvPicPr>
+          <p:nvPr/>
+        </p:nvPicPr>
+        <p:blipFill>
+          <a:blip r:embed="rId3"/>
+          <a:stretch>
+            <a:fillRect/>
+          </a:stretch>
+        </p:blipFill>
+        <p:spPr>
+          <a:xfrm>
+            <a:off x="518160" y="3186410"/>
+            <a:ext cx="9144000" cy="4737139"/>
+          </a:xfrm>
+          <a:prstGeom prst="rect">
+            <a:avLst/>
+          </a:prstGeom>
+        </p:spPr>
+      </p:pic>
+    </p:spTree>
+    <p:extLst>
+      <p:ext uri="{BB962C8B-B14F-4D97-AF65-F5344CB8AC3E}">
+        <p14:creationId xmlns:p14="http://schemas.microsoft.com/office/powerpoint/2010/main" val="2897197753"/>
+      </p:ext>
+    </p:extLst>
+  </p:cSld>
+  <p:clrMapOvr>
+    <a:masterClrMapping/>
+  </p:clrMapOvr>
+</p:sld>
+</file>
+
+<file path=ppt/slides/slide14.xml><?xml version="1.0" encoding="utf-8"?>
+<p:sld xmlns:a="http://schemas.openxmlformats.org/drawingml/2006/main" xmlns:r="http://schemas.openxmlformats.org/officeDocument/2006/relationships" xmlns:p="http://schemas.openxmlformats.org/presentationml/2006/main">
+  <p:cSld>
+    <p:spTree>
+      <p:nvGrpSpPr>
+        <p:cNvPr id="1" name=""/>
+        <p:cNvGrpSpPr/>
+        <p:nvPr/>
+      </p:nvGrpSpPr>
+      <p:grpSpPr>
+        <a:xfrm>
+          <a:off x="0" y="0"/>
+          <a:ext cx="0" cy="0"/>
+          <a:chOff x="0" y="0"/>
+          <a:chExt cx="0" cy="0"/>
+        </a:xfrm>
+      </p:grpSpPr>
+      <p:sp>
+        <p:nvSpPr>
+          <p:cNvPr id="2" name="object 2"/>
+          <p:cNvSpPr txBox="1">
+            <a:spLocks noGrp="1"/>
+          </p:cNvSpPr>
+          <p:nvPr>
+            <p:ph type="title"/>
+          </p:nvPr>
+        </p:nvSpPr>
+        <p:spPr>
+          <a:xfrm>
+            <a:off x="4576510" y="706676"/>
             <a:ext cx="10902315" cy="1306768"/>
           </a:xfrm>
           <a:prstGeom prst="rect">
@@ -2363,23 +2047,27 @@
             </a:pPr>
             <a:r>
               <a:rPr lang="en-US" sz="8400" spc="-484" err="1">
+                <a:latin typeface="Lucida Sans Unicode"/>
                 <a:cs typeface="Tahoma"/>
               </a:rPr>
               <a:t>Tecnologie</a:t>
             </a:r>
             <a:r>
-              <a:rPr lang="en-US" sz="8400" spc="-484">
+              <a:rPr lang="en-US" sz="8400" spc="-484" dirty="0">
+                <a:latin typeface="Lucida Sans Unicode"/>
                 <a:cs typeface="Tahoma"/>
               </a:rPr>
               <a:t> </a:t>
             </a:r>
             <a:r>
               <a:rPr lang="en-US" sz="8400" spc="-484" err="1">
+                <a:latin typeface="Lucida Sans Unicode"/>
                 <a:cs typeface="Tahoma"/>
               </a:rPr>
               <a:t>Utilizzate</a:t>
             </a:r>
             <a:endParaRPr lang="en-US" sz="8400" spc="-484">
+              <a:latin typeface="Lucida Sans Unicode"/>
               <a:cs typeface="Tahoma"/>
             </a:endParaRPr>
           </a:p>
@@ -2399,8 +2087,8 @@
         </p:blipFill>
         <p:spPr>
           <a:xfrm>
-            <a:off x="10996930" y="7069455"/>
-            <a:ext cx="6345555" cy="2096135"/>
+            <a:off x="11545570" y="6276975"/>
+            <a:ext cx="4471035" cy="1608455"/>
           </a:xfrm>
           <a:prstGeom prst="rect">
             <a:avLst/>
@@ -2421,8 +2109,8 @@
         </p:blipFill>
         <p:spPr>
           <a:xfrm>
-            <a:off x="11155044" y="2590164"/>
-            <a:ext cx="6362445" cy="1499869"/>
+            <a:off x="11429364" y="3001644"/>
+            <a:ext cx="4701285" cy="935989"/>
           </a:xfrm>
           <a:prstGeom prst="rect">
             <a:avLst/>
@@ -2443,8 +2131,8 @@
         </p:blipFill>
         <p:spPr>
           <a:xfrm>
-            <a:off x="1785620" y="2586354"/>
-            <a:ext cx="4138803" cy="2532380"/>
+            <a:off x="2943860" y="2906394"/>
+            <a:ext cx="2264283" cy="1633220"/>
           </a:xfrm>
           <a:prstGeom prst="rect">
             <a:avLst/>
@@ -2465,7 +2153,7 @@
         </p:blipFill>
         <p:spPr>
           <a:xfrm>
-            <a:off x="8046084" y="4531995"/>
+            <a:off x="7680324" y="4242435"/>
             <a:ext cx="2145665" cy="2145665"/>
           </a:xfrm>
           <a:prstGeom prst="rect">
@@ -2487,8 +2175,8 @@
         </p:blipFill>
         <p:spPr>
           <a:xfrm>
-            <a:off x="1147444" y="6072504"/>
-            <a:ext cx="5806821" cy="3265170"/>
+            <a:off x="2656204" y="6392544"/>
+            <a:ext cx="3094101" cy="1863090"/>
           </a:xfrm>
           <a:prstGeom prst="rect">
             <a:avLst/>
@@ -2503,7 +2191,7 @@
 </p:sld>
 </file>
 
-<file path=ppt/slides/slide14.xml><?xml version="1.0" encoding="utf-8"?>
+<file path=ppt/slides/slide15.xml><?xml version="1.0" encoding="utf-8"?>
 <p:sld xmlns:a="http://schemas.openxmlformats.org/drawingml/2006/main" xmlns:r="http://schemas.openxmlformats.org/officeDocument/2006/relationships" xmlns:p="http://schemas.openxmlformats.org/presentationml/2006/main">
   <p:cSld>
     <p:spTree>
@@ -2552,13 +2240,15 @@
             </a:pPr>
             <a:r>
               <a:rPr lang="en-US" sz="8200" spc="-459" err="1">
+                <a:latin typeface="Lucida Sans Unicode"/>
                 <a:ea typeface="Tahoma"/>
                 <a:cs typeface="Tahoma"/>
               </a:rPr>
               <a:t>Sviluppi</a:t>
             </a:r>
             <a:r>
-              <a:rPr lang="en-US" sz="8200" spc="-459">
+              <a:rPr lang="en-US" sz="8200" spc="-459" dirty="0">
+                <a:latin typeface="Lucida Sans Unicode"/>
                 <a:ea typeface="Tahoma"/>
                 <a:cs typeface="Tahoma"/>
               </a:rPr>
@@ -2566,11 +2256,17 @@
             </a:r>
             <a:r>
               <a:rPr lang="en-US" sz="8200" spc="-459" err="1">
+                <a:latin typeface="Lucida Sans Unicode"/>
                 <a:ea typeface="Tahoma"/>
                 <a:cs typeface="Tahoma"/>
               </a:rPr>
               <a:t>Futuri</a:t>
             </a:r>
+            <a:endParaRPr lang="en-US" sz="8200" spc="-459">
+              <a:latin typeface="Lucida Sans Unicode"/>
+              <a:ea typeface="Tahoma"/>
+              <a:cs typeface="Tahoma"/>
+            </a:endParaRPr>
           </a:p>
         </p:txBody>
       </p:sp>
@@ -2582,8 +2278,8 @@
         </p:nvSpPr>
         <p:spPr>
           <a:xfrm>
-            <a:off x="1766061" y="3015836"/>
-            <a:ext cx="7298508" cy="4788402"/>
+            <a:off x="1379913" y="3015836"/>
+            <a:ext cx="7746439" cy="4788402"/>
           </a:xfrm>
           <a:prstGeom prst="rect">
             <a:avLst/>
@@ -2608,107 +2304,127 @@
               </a:tabLst>
             </a:pPr>
             <a:r>
-              <a:rPr sz="4100" spc="-114">
-                <a:solidFill>
-                  <a:srgbClr val="FFFFFF"/>
-                </a:solidFill>
-                <a:latin typeface="Arial MT"/>
+              <a:rPr sz="4000" spc="-114" dirty="0">
+                <a:solidFill>
+                  <a:srgbClr val="FFFFFF"/>
+                </a:solidFill>
+                <a:latin typeface="Lucida Sans Unicode"/>
                 <a:cs typeface="Arial MT"/>
               </a:rPr>
               <a:t>Integrazione</a:t>
             </a:r>
             <a:r>
-              <a:rPr sz="4100" spc="-465">
-                <a:solidFill>
-                  <a:srgbClr val="FFFFFF"/>
-                </a:solidFill>
-                <a:latin typeface="Arial MT"/>
+              <a:rPr sz="4000" spc="-465" dirty="0">
+                <a:solidFill>
+                  <a:srgbClr val="FFFFFF"/>
+                </a:solidFill>
+                <a:latin typeface="Lucida Sans Unicode"/>
                 <a:cs typeface="Arial MT"/>
               </a:rPr>
               <a:t> </a:t>
             </a:r>
             <a:r>
-              <a:rPr sz="4100" spc="-80">
-                <a:solidFill>
-                  <a:srgbClr val="FFFFFF"/>
-                </a:solidFill>
-                <a:latin typeface="Arial MT"/>
+              <a:rPr sz="4000" spc="-80" dirty="0">
+                <a:solidFill>
+                  <a:srgbClr val="FFFFFF"/>
+                </a:solidFill>
+                <a:latin typeface="Lucida Sans Unicode"/>
                 <a:cs typeface="Arial MT"/>
               </a:rPr>
               <a:t>con</a:t>
             </a:r>
             <a:r>
-              <a:rPr sz="4100" spc="-465">
-                <a:solidFill>
-                  <a:srgbClr val="FFFFFF"/>
-                </a:solidFill>
-                <a:latin typeface="Arial MT"/>
+              <a:rPr sz="4000" spc="-465" dirty="0">
+                <a:solidFill>
+                  <a:srgbClr val="FFFFFF"/>
+                </a:solidFill>
+                <a:latin typeface="Lucida Sans Unicode"/>
                 <a:cs typeface="Arial MT"/>
               </a:rPr>
               <a:t> </a:t>
             </a:r>
             <a:r>
-              <a:rPr sz="4100" spc="-10">
-                <a:solidFill>
-                  <a:srgbClr val="FFFFFF"/>
-                </a:solidFill>
-                <a:latin typeface="Arial MT"/>
+              <a:rPr sz="4000" spc="-10" err="1">
+                <a:solidFill>
+                  <a:srgbClr val="FFFFFF"/>
+                </a:solidFill>
+                <a:latin typeface="Lucida Sans Unicode"/>
                 <a:cs typeface="Arial MT"/>
               </a:rPr>
-              <a:t>altri </a:t>
-            </a:r>
-            <a:r>
-              <a:rPr sz="4100" spc="-225">
-                <a:solidFill>
-                  <a:srgbClr val="FFFFFF"/>
-                </a:solidFill>
-                <a:latin typeface="Arial MT"/>
+              <a:t>altri</a:t>
+            </a:r>
+            <a:r>
+              <a:rPr sz="4000" spc="-10" dirty="0">
+                <a:solidFill>
+                  <a:srgbClr val="FFFFFF"/>
+                </a:solidFill>
+                <a:latin typeface="Lucida Sans Unicode"/>
                 <a:cs typeface="Arial MT"/>
               </a:rPr>
+              <a:t> </a:t>
+            </a:r>
+            <a:r>
+              <a:rPr sz="4000" spc="-225" dirty="0">
+                <a:solidFill>
+                  <a:srgbClr val="FFFFFF"/>
+                </a:solidFill>
+                <a:latin typeface="Lucida Sans Unicode"/>
+                <a:cs typeface="Arial MT"/>
+              </a:rPr>
               <a:t>database</a:t>
             </a:r>
             <a:r>
-              <a:rPr sz="4100" spc="-355">
-                <a:solidFill>
-                  <a:srgbClr val="FFFFFF"/>
-                </a:solidFill>
-                <a:latin typeface="Arial MT"/>
+              <a:rPr sz="4000" spc="-355" dirty="0">
+                <a:solidFill>
+                  <a:srgbClr val="FFFFFF"/>
+                </a:solidFill>
+                <a:latin typeface="Lucida Sans Unicode"/>
                 <a:cs typeface="Arial MT"/>
               </a:rPr>
               <a:t> </a:t>
             </a:r>
             <a:r>
-              <a:rPr sz="4100" spc="-170">
-                <a:solidFill>
-                  <a:srgbClr val="FFFFFF"/>
-                </a:solidFill>
-                <a:latin typeface="Arial MT"/>
+              <a:rPr sz="4000" spc="-170" dirty="0">
+                <a:solidFill>
+                  <a:srgbClr val="FFFFFF"/>
+                </a:solidFill>
+                <a:latin typeface="Lucida Sans Unicode"/>
                 <a:cs typeface="Arial MT"/>
               </a:rPr>
               <a:t>di</a:t>
             </a:r>
             <a:r>
-              <a:rPr sz="4100" spc="-335">
-                <a:solidFill>
-                  <a:srgbClr val="FFFFFF"/>
-                </a:solidFill>
-                <a:latin typeface="Arial MT"/>
+              <a:rPr sz="4000" spc="-335" dirty="0">
+                <a:solidFill>
+                  <a:srgbClr val="FFFFFF"/>
+                </a:solidFill>
+                <a:latin typeface="Lucida Sans Unicode"/>
                 <a:cs typeface="Arial MT"/>
               </a:rPr>
               <a:t> </a:t>
             </a:r>
             <a:r>
-              <a:rPr sz="4100" spc="-170">
-                <a:solidFill>
-                  <a:srgbClr val="FFFFFF"/>
-                </a:solidFill>
-                <a:latin typeface="Arial MT"/>
+              <a:rPr sz="4000" spc="-170" err="1">
+                <a:solidFill>
+                  <a:srgbClr val="FFFFFF"/>
+                </a:solidFill>
+                <a:latin typeface="Lucida Sans Unicode"/>
                 <a:cs typeface="Arial MT"/>
               </a:rPr>
-              <a:t>vulnerabilità.</a:t>
-            </a:r>
-            <a:endParaRPr sz="4100">
-              <a:latin typeface="Arial MT"/>
+              <a:t>vulnerabilità</a:t>
+            </a:r>
+            <a:r>
+              <a:rPr sz="4000" spc="-170" dirty="0">
+                <a:solidFill>
+                  <a:srgbClr val="FFFFFF"/>
+                </a:solidFill>
+                <a:latin typeface="Lucida Sans Unicode"/>
+                <a:cs typeface="Arial MT"/>
+              </a:rPr>
+              <a:t>.</a:t>
+            </a:r>
+            <a:endParaRPr sz="4000">
+              <a:latin typeface="Lucida Sans Unicode"/>
               <a:cs typeface="Arial MT"/>
             </a:endParaRPr>
           </a:p>
@@ -2727,80 +2443,80 @@
               </a:tabLst>
             </a:pPr>
             <a:r>
-              <a:rPr sz="4100" spc="-225" err="1">
-                <a:solidFill>
-                  <a:srgbClr val="FFFFFF"/>
-                </a:solidFill>
-                <a:latin typeface="Arial MT"/>
+              <a:rPr sz="4000" spc="-225" err="1">
+                <a:solidFill>
+                  <a:srgbClr val="FFFFFF"/>
+                </a:solidFill>
+                <a:latin typeface="Lucida Sans Unicode"/>
                 <a:cs typeface="Arial MT"/>
               </a:rPr>
               <a:t>Implementazione</a:t>
             </a:r>
             <a:r>
-              <a:rPr sz="4100">
-                <a:solidFill>
-                  <a:srgbClr val="FFFFFF"/>
-                </a:solidFill>
-                <a:latin typeface="Arial MT"/>
+              <a:rPr sz="4000" dirty="0">
+                <a:solidFill>
+                  <a:srgbClr val="FFFFFF"/>
+                </a:solidFill>
+                <a:latin typeface="Lucida Sans Unicode"/>
                 <a:cs typeface="Arial MT"/>
               </a:rPr>
               <a:t> </a:t>
             </a:r>
             <a:r>
-              <a:rPr sz="4100" spc="-25">
-                <a:solidFill>
-                  <a:srgbClr val="FFFFFF"/>
-                </a:solidFill>
-                <a:latin typeface="Arial MT"/>
+              <a:rPr sz="4000" spc="-25" dirty="0">
+                <a:solidFill>
+                  <a:srgbClr val="FFFFFF"/>
+                </a:solidFill>
+                <a:latin typeface="Lucida Sans Unicode"/>
                 <a:cs typeface="Arial MT"/>
               </a:rPr>
               <a:t>di </a:t>
             </a:r>
             <a:r>
-              <a:rPr sz="4100" spc="-185" err="1">
-                <a:solidFill>
-                  <a:srgbClr val="FFFFFF"/>
-                </a:solidFill>
-                <a:latin typeface="Arial MT"/>
+              <a:rPr sz="4000" spc="-185" err="1">
+                <a:solidFill>
+                  <a:srgbClr val="FFFFFF"/>
+                </a:solidFill>
+                <a:latin typeface="Lucida Sans Unicode"/>
                 <a:cs typeface="Arial MT"/>
               </a:rPr>
               <a:t>un'interfaccia</a:t>
             </a:r>
             <a:r>
-              <a:rPr sz="4100" spc="-305">
-                <a:solidFill>
-                  <a:srgbClr val="FFFFFF"/>
-                </a:solidFill>
-                <a:latin typeface="Arial MT"/>
+              <a:rPr sz="4000" spc="-305" dirty="0">
+                <a:solidFill>
+                  <a:srgbClr val="FFFFFF"/>
+                </a:solidFill>
+                <a:latin typeface="Lucida Sans Unicode"/>
                 <a:cs typeface="Arial MT"/>
               </a:rPr>
               <a:t> </a:t>
             </a:r>
             <a:r>
-              <a:rPr lang="en-US" sz="4100" spc="-305" err="1">
-                <a:solidFill>
-                  <a:srgbClr val="FFFFFF"/>
-                </a:solidFill>
-                <a:latin typeface="Arial MT"/>
+              <a:rPr lang="en-US" sz="4000" spc="-305" err="1">
+                <a:solidFill>
+                  <a:srgbClr val="FFFFFF"/>
+                </a:solidFill>
+                <a:latin typeface="Lucida Sans Unicode"/>
                 <a:cs typeface="Arial MT"/>
               </a:rPr>
               <a:t>grafica</a:t>
             </a:r>
             <a:r>
-              <a:rPr lang="en-US" sz="4100" spc="-305">
-                <a:solidFill>
-                  <a:srgbClr val="FFFFFF"/>
-                </a:solidFill>
-                <a:latin typeface="Arial MT"/>
+              <a:rPr lang="en-US" sz="4000" spc="-305" dirty="0">
+                <a:solidFill>
+                  <a:srgbClr val="FFFFFF"/>
+                </a:solidFill>
+                <a:latin typeface="Lucida Sans Unicode"/>
                 <a:cs typeface="Arial MT"/>
               </a:rPr>
               <a:t> .</a:t>
             </a:r>
-            <a:endParaRPr lang="en-US" sz="4100" spc="-25">
+            <a:endParaRPr lang="en-US" sz="4000" spc="-25">
               <a:solidFill>
                 <a:srgbClr val="FFFFFF"/>
               </a:solidFill>
-              <a:latin typeface="Arial MT"/>
+              <a:latin typeface="Lucida Sans Unicode"/>
               <a:cs typeface="Arial MT"/>
             </a:endParaRPr>
           </a:p>
@@ -2818,107 +2534,117 @@
               </a:tabLst>
             </a:pPr>
             <a:r>
-              <a:rPr sz="4100" spc="-225">
-                <a:solidFill>
-                  <a:srgbClr val="FFFFFF"/>
-                </a:solidFill>
-                <a:latin typeface="Arial MT"/>
+              <a:rPr sz="4000" spc="-225" err="1">
+                <a:solidFill>
+                  <a:srgbClr val="FFFFFF"/>
+                </a:solidFill>
+                <a:latin typeface="Lucida Sans Unicode"/>
                 <a:cs typeface="Arial MT"/>
               </a:rPr>
               <a:t>Supporto</a:t>
             </a:r>
             <a:r>
-              <a:rPr sz="4100" spc="-130">
-                <a:solidFill>
-                  <a:srgbClr val="FFFFFF"/>
-                </a:solidFill>
-                <a:latin typeface="Arial MT"/>
+              <a:rPr sz="4000" spc="-130" dirty="0">
+                <a:solidFill>
+                  <a:srgbClr val="FFFFFF"/>
+                </a:solidFill>
+                <a:latin typeface="Lucida Sans Unicode"/>
                 <a:cs typeface="Arial MT"/>
               </a:rPr>
               <a:t> </a:t>
             </a:r>
             <a:r>
-              <a:rPr sz="4100" spc="-210">
-                <a:solidFill>
-                  <a:srgbClr val="FFFFFF"/>
-                </a:solidFill>
-                <a:latin typeface="Arial MT"/>
+              <a:rPr sz="4000" spc="-210" dirty="0">
+                <a:solidFill>
+                  <a:srgbClr val="FFFFFF"/>
+                </a:solidFill>
+                <a:latin typeface="Lucida Sans Unicode"/>
                 <a:cs typeface="Arial MT"/>
               </a:rPr>
               <a:t>per</a:t>
             </a:r>
             <a:r>
-              <a:rPr sz="4100" spc="-130">
-                <a:solidFill>
-                  <a:srgbClr val="FFFFFF"/>
-                </a:solidFill>
-                <a:latin typeface="Arial MT"/>
+              <a:rPr sz="4000" spc="-130" dirty="0">
+                <a:solidFill>
+                  <a:srgbClr val="FFFFFF"/>
+                </a:solidFill>
+                <a:latin typeface="Lucida Sans Unicode"/>
                 <a:cs typeface="Arial MT"/>
               </a:rPr>
               <a:t> </a:t>
             </a:r>
             <a:r>
-              <a:rPr sz="4100" spc="-145">
-                <a:solidFill>
-                  <a:srgbClr val="FFFFFF"/>
-                </a:solidFill>
-                <a:latin typeface="Arial MT"/>
+              <a:rPr sz="4000" spc="-145" err="1">
+                <a:solidFill>
+                  <a:srgbClr val="FFFFFF"/>
+                </a:solidFill>
+                <a:latin typeface="Lucida Sans Unicode"/>
                 <a:cs typeface="Arial MT"/>
               </a:rPr>
               <a:t>altri</a:t>
             </a:r>
             <a:r>
-              <a:rPr sz="4100" spc="-125">
-                <a:solidFill>
-                  <a:srgbClr val="FFFFFF"/>
-                </a:solidFill>
-                <a:latin typeface="Arial MT"/>
+              <a:rPr sz="4000" spc="-125" dirty="0">
+                <a:solidFill>
+                  <a:srgbClr val="FFFFFF"/>
+                </a:solidFill>
+                <a:latin typeface="Lucida Sans Unicode"/>
                 <a:cs typeface="Arial MT"/>
               </a:rPr>
               <a:t> </a:t>
             </a:r>
             <a:r>
-              <a:rPr sz="4100" spc="-190">
-                <a:solidFill>
-                  <a:srgbClr val="FFFFFF"/>
-                </a:solidFill>
-                <a:latin typeface="Arial MT"/>
+              <a:rPr sz="4000" spc="-190" err="1">
+                <a:solidFill>
+                  <a:srgbClr val="FFFFFF"/>
+                </a:solidFill>
+                <a:latin typeface="Lucida Sans Unicode"/>
                 <a:cs typeface="Arial MT"/>
               </a:rPr>
-              <a:t>ecosistemi </a:t>
-            </a:r>
-            <a:r>
-              <a:rPr sz="4100" spc="-204">
-                <a:solidFill>
-                  <a:srgbClr val="FFFFFF"/>
-                </a:solidFill>
-                <a:latin typeface="Arial MT"/>
+              <a:t>ecosistemi</a:t>
+            </a:r>
+            <a:r>
+              <a:rPr sz="4000" spc="-190" dirty="0">
+                <a:solidFill>
+                  <a:srgbClr val="FFFFFF"/>
+                </a:solidFill>
+                <a:latin typeface="Lucida Sans Unicode"/>
                 <a:cs typeface="Arial MT"/>
               </a:rPr>
+              <a:t> </a:t>
+            </a:r>
+            <a:r>
+              <a:rPr sz="4000" spc="-204" dirty="0">
+                <a:solidFill>
+                  <a:srgbClr val="FFFFFF"/>
+                </a:solidFill>
+                <a:latin typeface="Lucida Sans Unicode"/>
+                <a:cs typeface="Arial MT"/>
+              </a:rPr>
               <a:t>(Python,</a:t>
             </a:r>
             <a:r>
-              <a:rPr sz="4100" spc="-400">
-                <a:solidFill>
-                  <a:srgbClr val="FFFFFF"/>
-                </a:solidFill>
-                <a:latin typeface="Arial MT"/>
+              <a:rPr sz="4000" spc="-400" dirty="0">
+                <a:solidFill>
+                  <a:srgbClr val="FFFFFF"/>
+                </a:solidFill>
+                <a:latin typeface="Lucida Sans Unicode"/>
                 <a:cs typeface="Arial MT"/>
               </a:rPr>
               <a:t> </a:t>
             </a:r>
             <a:r>
-              <a:rPr sz="4100" spc="-30">
-                <a:solidFill>
-                  <a:srgbClr val="FFFFFF"/>
-                </a:solidFill>
-                <a:latin typeface="Arial MT"/>
+              <a:rPr sz="4000" spc="-30" dirty="0">
+                <a:solidFill>
+                  <a:srgbClr val="FFFFFF"/>
+                </a:solidFill>
+                <a:latin typeface="Lucida Sans Unicode"/>
                 <a:cs typeface="Arial MT"/>
               </a:rPr>
               <a:t>Java).</a:t>
             </a:r>
-            <a:endParaRPr sz="4100">
-              <a:latin typeface="Arial MT"/>
+            <a:endParaRPr sz="4000">
+              <a:latin typeface="Lucida Sans Unicode"/>
               <a:cs typeface="Arial MT"/>
             </a:endParaRPr>
           </a:p>
@@ -2932,7 +2658,7 @@
         </p:nvGrpSpPr>
         <p:grpSpPr>
           <a:xfrm>
-            <a:off x="9812019" y="3017520"/>
+            <a:off x="9564884" y="3017520"/>
             <a:ext cx="4018915" cy="1305560"/>
             <a:chOff x="9812019" y="3017520"/>
             <a:chExt cx="4018915" cy="1305560"/>
@@ -3035,7 +2761,7 @@
 </p:sld>
 </file>
 
-<file path=ppt/slides/slide15.xml><?xml version="1.0" encoding="utf-8"?>
+<file path=ppt/slides/slide16.xml><?xml version="1.0" encoding="utf-8"?>
 <p:sld xmlns:a="http://schemas.openxmlformats.org/drawingml/2006/main" xmlns:r="http://schemas.openxmlformats.org/officeDocument/2006/relationships" xmlns:p="http://schemas.openxmlformats.org/presentationml/2006/main">
   <p:cSld>
     <p:spTree>
@@ -3060,8 +2786,8 @@
         </p:nvSpPr>
         <p:spPr>
           <a:xfrm>
-            <a:off x="4514537" y="3867497"/>
-            <a:ext cx="9250860" cy="2550698"/>
+            <a:off x="4560874" y="3867497"/>
+            <a:ext cx="9760577" cy="2550698"/>
           </a:xfrm>
           <a:prstGeom prst="rect">
             <a:avLst/>
@@ -3079,36 +2805,47 @@
               </a:spcBef>
             </a:pPr>
             <a:r>
-              <a:rPr lang="en-US" sz="8200" spc="-765">
-                <a:solidFill>
-                  <a:srgbClr val="FFFFFF"/>
-                </a:solidFill>
-                <a:latin typeface="Arial MT"/>
-                <a:cs typeface="Tahoma"/>
+              <a:rPr lang="en-US" sz="8200" spc="-765" dirty="0">
+                <a:solidFill>
+                  <a:srgbClr val="FFFFFF"/>
+                </a:solidFill>
+                <a:latin typeface="Lucida Sans Unicode"/>
+                <a:cs typeface="Lucida Sans Unicode"/>
               </a:rPr>
               <a:t>Grazie </a:t>
             </a:r>
             <a:r>
-              <a:rPr lang="en-US" sz="8200" spc="-765">
-                <a:solidFill>
-                  <a:srgbClr val="FFFFFF"/>
-                </a:solidFill>
-                <a:latin typeface="Tahoma"/>
+              <a:rPr lang="en-US" sz="8200" spc="-765" dirty="0">
+                <a:solidFill>
+                  <a:srgbClr val="FFFFFF"/>
+                </a:solidFill>
+                <a:latin typeface="Lucida Sans Unicode"/>
                 <a:ea typeface="Tahoma"/>
-                <a:cs typeface="Tahoma"/>
+                <a:cs typeface="Lucida Sans Unicode"/>
               </a:rPr>
               <a:t>dell' </a:t>
             </a:r>
             <a:r>
-              <a:rPr lang="en-US" sz="8200" spc="-765" err="1">
-                <a:solidFill>
-                  <a:srgbClr val="FFFFFF"/>
-                </a:solidFill>
-                <a:latin typeface="Tahoma"/>
+              <a:rPr lang="en-US" sz="8200" spc="-765" dirty="0" err="1">
+                <a:solidFill>
+                  <a:srgbClr val="FFFFFF"/>
+                </a:solidFill>
+                <a:latin typeface="Lucida Sans Unicode"/>
                 <a:ea typeface="Tahoma"/>
-                <a:cs typeface="Tahoma"/>
+                <a:cs typeface="Lucida Sans Unicode"/>
               </a:rPr>
               <a:t>attenzione</a:t>
+            </a:r>
+            <a:r>
+              <a:rPr lang="en-US" sz="8200" spc="-765" dirty="0">
+                <a:solidFill>
+                  <a:srgbClr val="FFFFFF"/>
+                </a:solidFill>
+                <a:latin typeface="Lucida Sans Unicode"/>
+                <a:ea typeface="Tahoma"/>
+                <a:cs typeface="Lucida Sans Unicode"/>
+              </a:rPr>
+              <a:t> !</a:t>
             </a:r>
           </a:p>
           <a:p>
@@ -3121,8 +2858,8 @@
               <a:solidFill>
                 <a:srgbClr val="FFFFFF"/>
               </a:solidFill>
-              <a:latin typeface="Arial MT"/>
-              <a:cs typeface="Tahoma"/>
+              <a:latin typeface="Lucida Sans Unicode"/>
+              <a:cs typeface="Lucida Sans Unicode"/>
             </a:endParaRPr>
           </a:p>
         </p:txBody>
@@ -3164,8 +2901,8 @@
         </p:nvSpPr>
         <p:spPr>
           <a:xfrm>
-            <a:off x="5538978" y="833399"/>
-            <a:ext cx="7948422" cy="1304203"/>
+            <a:off x="4797573" y="833399"/>
+            <a:ext cx="8689827" cy="1304203"/>
           </a:xfrm>
           <a:prstGeom prst="rect">
             <a:avLst/>
@@ -3186,132 +2923,154 @@
               </a:spcBef>
             </a:pPr>
             <a:r>
-              <a:rPr sz="8400" spc="-960">
+              <a:rPr sz="8400" spc="-960" dirty="0">
+                <a:latin typeface="Lucida Sans Unicode"/>
                 <a:cs typeface="Arial"/>
               </a:rPr>
               <a:t>I</a:t>
             </a:r>
             <a:r>
-              <a:rPr sz="8400" spc="-790">
+              <a:rPr sz="8400" spc="-790" dirty="0">
+                <a:latin typeface="Lucida Sans Unicode"/>
                 <a:cs typeface="Arial"/>
               </a:rPr>
               <a:t>d</a:t>
             </a:r>
             <a:r>
-              <a:rPr sz="8400" spc="-900">
+              <a:rPr sz="8400" spc="-900" dirty="0">
+                <a:latin typeface="Lucida Sans Unicode"/>
                 <a:cs typeface="Arial"/>
               </a:rPr>
               <a:t>e</a:t>
             </a:r>
             <a:r>
-              <a:rPr sz="8400" spc="-345">
+              <a:rPr sz="8400" spc="-345" dirty="0">
+                <a:latin typeface="Lucida Sans Unicode"/>
                 <a:cs typeface="Arial"/>
               </a:rPr>
               <a:t>a</a:t>
             </a:r>
             <a:r>
-              <a:rPr sz="8400" spc="-1205">
-                <a:cs typeface="Arial"/>
-              </a:rPr>
-              <a:t> </a:t>
-            </a:r>
-            <a:r>
-              <a:rPr sz="8400" spc="-795">
+              <a:rPr sz="8400" spc="-1205" dirty="0">
+                <a:latin typeface="Lucida Sans Unicode"/>
+                <a:cs typeface="Arial"/>
+              </a:rPr>
+              <a:t> </a:t>
+            </a:r>
+            <a:r>
+              <a:rPr sz="8400" spc="-795" err="1">
+                <a:latin typeface="Lucida Sans Unicode"/>
                 <a:cs typeface="Arial"/>
               </a:rPr>
               <a:t>I</a:t>
             </a:r>
             <a:r>
-              <a:rPr sz="8400" spc="-840">
+              <a:rPr sz="8400" spc="-840" err="1">
+                <a:latin typeface="Lucida Sans Unicode"/>
                 <a:cs typeface="Arial"/>
               </a:rPr>
               <a:t>n</a:t>
             </a:r>
             <a:r>
-              <a:rPr sz="8400" spc="-815">
+              <a:rPr sz="8400" spc="-815" err="1">
+                <a:latin typeface="Lucida Sans Unicode"/>
                 <a:cs typeface="Arial"/>
               </a:rPr>
               <a:t>iz</a:t>
             </a:r>
             <a:r>
-              <a:rPr sz="8400" spc="-860">
+              <a:rPr sz="8400" spc="-860" err="1">
+                <a:latin typeface="Lucida Sans Unicode"/>
                 <a:cs typeface="Arial"/>
               </a:rPr>
               <a:t>i</a:t>
             </a:r>
             <a:r>
-              <a:rPr sz="8400" spc="-795">
+              <a:rPr sz="8400" spc="-795" err="1">
+                <a:latin typeface="Lucida Sans Unicode"/>
                 <a:cs typeface="Arial"/>
               </a:rPr>
               <a:t>a</a:t>
             </a:r>
             <a:r>
-              <a:rPr sz="8400" spc="-860">
+              <a:rPr sz="8400" spc="-860" err="1">
+                <a:latin typeface="Lucida Sans Unicode"/>
                 <a:cs typeface="Arial"/>
               </a:rPr>
               <a:t>l</a:t>
             </a:r>
             <a:r>
-              <a:rPr sz="8400" spc="335">
+              <a:rPr sz="8400" spc="335" err="1">
+                <a:latin typeface="Lucida Sans Unicode"/>
                 <a:cs typeface="Arial"/>
               </a:rPr>
               <a:t>e</a:t>
             </a:r>
             <a:r>
-              <a:rPr sz="8400" spc="-855">
+              <a:rPr sz="8400" spc="-855" dirty="0">
+                <a:latin typeface="Lucida Sans Unicode"/>
                 <a:cs typeface="Arial"/>
               </a:rPr>
               <a:t>(</a:t>
             </a:r>
             <a:r>
               <a:rPr sz="8400" spc="-965" err="1">
+                <a:latin typeface="Lucida Sans Unicode"/>
                 <a:cs typeface="Arial"/>
               </a:rPr>
               <a:t>p</a:t>
             </a:r>
             <a:r>
               <a:rPr sz="8400" spc="-944" err="1">
+                <a:latin typeface="Lucida Sans Unicode"/>
                 <a:cs typeface="Arial"/>
               </a:rPr>
               <a:t>a</a:t>
             </a:r>
             <a:r>
               <a:rPr sz="8400" spc="-990" err="1">
+                <a:latin typeface="Lucida Sans Unicode"/>
                 <a:cs typeface="Arial"/>
               </a:rPr>
               <a:t>r</a:t>
             </a:r>
             <a:r>
               <a:rPr sz="8400" spc="-894" err="1">
+                <a:latin typeface="Lucida Sans Unicode"/>
                 <a:cs typeface="Arial"/>
               </a:rPr>
               <a:t>t</a:t>
             </a:r>
             <a:r>
               <a:rPr sz="8400" spc="-395" err="1">
+                <a:latin typeface="Lucida Sans Unicode"/>
                 <a:cs typeface="Arial"/>
               </a:rPr>
               <a:t>e</a:t>
             </a:r>
             <a:r>
-              <a:rPr sz="8400" spc="-1170">
-                <a:cs typeface="Arial"/>
-              </a:rPr>
-              <a:t> </a:t>
-            </a:r>
-            <a:r>
-              <a:rPr sz="8400" spc="-800">
+              <a:rPr sz="8400" spc="-1170" dirty="0">
+                <a:latin typeface="Lucida Sans Unicode"/>
+                <a:cs typeface="Arial"/>
+              </a:rPr>
+              <a:t> </a:t>
+            </a:r>
+            <a:r>
+              <a:rPr sz="8400" spc="-800" dirty="0">
+                <a:latin typeface="Lucida Sans Unicode"/>
                 <a:cs typeface="Arial"/>
               </a:rPr>
               <a:t>1</a:t>
             </a:r>
             <a:r>
-              <a:rPr lang="it-IT" sz="8400" spc="-800">
+              <a:rPr lang="it-IT" sz="8400" spc="-800" dirty="0">
+                <a:latin typeface="Lucida Sans Unicode"/>
                 <a:cs typeface="Arial"/>
               </a:rPr>
               <a:t>)</a:t>
             </a:r>
-            <a:endParaRPr lang="en-US" sz="8400">
+            <a:endParaRPr lang="en-US" sz="8400" dirty="0">
+              <a:latin typeface="Lucida Sans Unicode"/>
               <a:cs typeface="Arial"/>
             </a:endParaRPr>
           </a:p>
@@ -3325,295 +3084,293 @@
         </p:nvSpPr>
         <p:spPr>
           <a:xfrm>
-            <a:off x="1151889" y="3238500"/>
-            <a:ext cx="6252210" cy="3498778"/>
+            <a:off x="1136443" y="2574324"/>
+            <a:ext cx="7348872" cy="4429802"/>
           </a:xfrm>
           <a:prstGeom prst="rect">
             <a:avLst/>
           </a:prstGeom>
         </p:spPr>
         <p:txBody>
-          <a:bodyPr vert="horz" wrap="square" lIns="0" tIns="12065" rIns="0" bIns="0" rtlCol="0">
+          <a:bodyPr vert="horz" wrap="square" lIns="0" tIns="12065" rIns="0" bIns="0" rtlCol="0" anchor="t">
             <a:spAutoFit/>
           </a:bodyPr>
           <a:lstStyle/>
           <a:p>
-            <a:pPr marL="327660" marR="106680" indent="-315595">
+            <a:pPr marL="12065" marR="106680">
               <a:lnSpc>
                 <a:spcPct val="108800"/>
               </a:lnSpc>
               <a:spcBef>
                 <a:spcPts val="95"/>
               </a:spcBef>
-              <a:buFont typeface="Arial MT"/>
-              <a:buChar char="•"/>
               <a:tabLst>
                 <a:tab pos="327660" algn="l"/>
               </a:tabLst>
             </a:pPr>
             <a:r>
-              <a:rPr sz="2600" spc="-200">
-                <a:solidFill>
-                  <a:srgbClr val="FFFFFF"/>
-                </a:solidFill>
-                <a:latin typeface="Arial" panose="020B0604020202020204" pitchFamily="34" charset="0"/>
-                <a:cs typeface="Arial" panose="020B0604020202020204" pitchFamily="34" charset="0"/>
-              </a:rPr>
-              <a:t>Ide</a:t>
-            </a:r>
-            <a:r>
-              <a:rPr sz="2600" spc="-509">
-                <a:solidFill>
-                  <a:srgbClr val="FFFFFF"/>
-                </a:solidFill>
-                <a:latin typeface="Arial" panose="020B0604020202020204" pitchFamily="34" charset="0"/>
-                <a:cs typeface="Arial" panose="020B0604020202020204" pitchFamily="34" charset="0"/>
-              </a:rPr>
-              <a:t> </a:t>
-            </a:r>
-            <a:r>
-              <a:rPr sz="2600" spc="-260">
-                <a:solidFill>
-                  <a:srgbClr val="FFFFFF"/>
-                </a:solidFill>
-                <a:latin typeface="Arial" panose="020B0604020202020204" pitchFamily="34" charset="0"/>
-                <a:cs typeface="Arial" panose="020B0604020202020204" pitchFamily="34" charset="0"/>
-              </a:rPr>
-              <a:t>a</a:t>
-            </a:r>
-            <a:r>
-              <a:rPr sz="2600" spc="-130">
-                <a:solidFill>
-                  <a:srgbClr val="FFFFFF"/>
-                </a:solidFill>
-                <a:latin typeface="Arial" panose="020B0604020202020204" pitchFamily="34" charset="0"/>
-                <a:cs typeface="Arial" panose="020B0604020202020204" pitchFamily="34" charset="0"/>
-              </a:rPr>
-              <a:t> </a:t>
-            </a:r>
-            <a:r>
-              <a:rPr sz="2600" spc="-120">
-                <a:solidFill>
-                  <a:srgbClr val="FFFFFF"/>
-                </a:solidFill>
-                <a:latin typeface="Arial" panose="020B0604020202020204" pitchFamily="34" charset="0"/>
-                <a:cs typeface="Arial" panose="020B0604020202020204" pitchFamily="34" charset="0"/>
-              </a:rPr>
-              <a:t>Iniziale</a:t>
-            </a:r>
-            <a:r>
-              <a:rPr sz="2600" spc="-500">
-                <a:solidFill>
-                  <a:srgbClr val="FFFFFF"/>
-                </a:solidFill>
-                <a:latin typeface="Arial" panose="020B0604020202020204" pitchFamily="34" charset="0"/>
-                <a:cs typeface="Arial" panose="020B0604020202020204" pitchFamily="34" charset="0"/>
-              </a:rPr>
-              <a:t> </a:t>
-            </a:r>
-            <a:r>
-              <a:rPr sz="2600">
-                <a:solidFill>
-                  <a:srgbClr val="FFFFFF"/>
-                </a:solidFill>
-                <a:latin typeface="Arial" panose="020B0604020202020204" pitchFamily="34" charset="0"/>
-                <a:cs typeface="Arial" panose="020B0604020202020204" pitchFamily="34" charset="0"/>
+              <a:rPr lang="en-US" sz="2600" spc="-200" dirty="0">
+                <a:solidFill>
+                  <a:srgbClr val="FFFFFF"/>
+                </a:solidFill>
+                <a:latin typeface="Lucida Sans Unicode"/>
+                <a:cs typeface="Arial"/>
+              </a:rPr>
+              <a:t>IDEA INIZIALE</a:t>
+            </a:r>
+            <a:r>
+              <a:rPr sz="2600" spc="-500" dirty="0">
+                <a:solidFill>
+                  <a:srgbClr val="FFFFFF"/>
+                </a:solidFill>
+                <a:latin typeface="Lucida Sans Unicode"/>
+                <a:cs typeface="Arial"/>
+              </a:rPr>
+              <a:t> </a:t>
+            </a:r>
+            <a:r>
+              <a:rPr sz="2600" dirty="0">
+                <a:solidFill>
+                  <a:srgbClr val="FFFFFF"/>
+                </a:solidFill>
+                <a:latin typeface="Lucida Sans Unicode"/>
+                <a:cs typeface="Arial"/>
               </a:rPr>
               <a:t>:</a:t>
             </a:r>
-            <a:r>
-              <a:rPr sz="2600" spc="-150">
-                <a:solidFill>
-                  <a:srgbClr val="FFFFFF"/>
-                </a:solidFill>
-                <a:latin typeface="Arial" panose="020B0604020202020204" pitchFamily="34" charset="0"/>
-                <a:cs typeface="Arial" panose="020B0604020202020204" pitchFamily="34" charset="0"/>
-              </a:rPr>
-              <a:t> </a:t>
-            </a:r>
-            <a:r>
-              <a:rPr sz="2600" spc="-114">
-                <a:solidFill>
-                  <a:srgbClr val="FFFFFF"/>
-                </a:solidFill>
-                <a:latin typeface="Arial" panose="020B0604020202020204" pitchFamily="34" charset="0"/>
-                <a:cs typeface="Arial" panose="020B0604020202020204" pitchFamily="34" charset="0"/>
+            <a:endParaRPr lang="en-US" sz="2600" dirty="0">
+              <a:solidFill>
+                <a:srgbClr val="000000"/>
+              </a:solidFill>
+              <a:latin typeface="Lucida Sans Unicode"/>
+              <a:cs typeface="Arial"/>
+            </a:endParaRPr>
+          </a:p>
+          <a:p>
+            <a:pPr marL="12065" marR="106680">
+              <a:lnSpc>
+                <a:spcPct val="108800"/>
+              </a:lnSpc>
+              <a:spcBef>
+                <a:spcPts val="95"/>
+              </a:spcBef>
+              <a:tabLst>
+                <a:tab pos="327660" algn="l"/>
+              </a:tabLst>
+            </a:pPr>
+            <a:endParaRPr lang="en-US" sz="2600" dirty="0">
+              <a:solidFill>
+                <a:srgbClr val="FFFFFF"/>
+              </a:solidFill>
+              <a:latin typeface="Lucida Sans Unicode"/>
+              <a:cs typeface="Arial"/>
+            </a:endParaRPr>
+          </a:p>
+          <a:p>
+            <a:pPr marL="12065" marR="106680">
+              <a:lnSpc>
+                <a:spcPct val="108800"/>
+              </a:lnSpc>
+              <a:spcBef>
+                <a:spcPts val="95"/>
+              </a:spcBef>
+              <a:tabLst>
+                <a:tab pos="327660" algn="l"/>
+              </a:tabLst>
+            </a:pPr>
+            <a:r>
+              <a:rPr sz="2600" spc="-114" err="1">
+                <a:solidFill>
+                  <a:srgbClr val="FFFFFF"/>
+                </a:solidFill>
+                <a:latin typeface="Lucida Sans Unicode"/>
+                <a:cs typeface="Arial"/>
               </a:rPr>
               <a:t>Analizzare</a:t>
             </a:r>
             <a:r>
-              <a:rPr sz="2600" spc="10">
-                <a:solidFill>
-                  <a:srgbClr val="FFFFFF"/>
-                </a:solidFill>
-                <a:latin typeface="Arial" panose="020B0604020202020204" pitchFamily="34" charset="0"/>
-                <a:cs typeface="Arial" panose="020B0604020202020204" pitchFamily="34" charset="0"/>
-              </a:rPr>
-              <a:t> </a:t>
-            </a:r>
-            <a:r>
-              <a:rPr sz="2600" spc="-120">
-                <a:solidFill>
-                  <a:srgbClr val="FFFFFF"/>
-                </a:solidFill>
-                <a:latin typeface="Arial" panose="020B0604020202020204" pitchFamily="34" charset="0"/>
-                <a:cs typeface="Arial" panose="020B0604020202020204" pitchFamily="34" charset="0"/>
+              <a:rPr sz="2600" spc="10" dirty="0">
+                <a:solidFill>
+                  <a:srgbClr val="FFFFFF"/>
+                </a:solidFill>
+                <a:latin typeface="Lucida Sans Unicode"/>
+                <a:cs typeface="Arial"/>
+              </a:rPr>
+              <a:t> </a:t>
+            </a:r>
+            <a:r>
+              <a:rPr sz="2600" spc="-120" dirty="0">
+                <a:solidFill>
+                  <a:srgbClr val="FFFFFF"/>
+                </a:solidFill>
+                <a:latin typeface="Lucida Sans Unicode"/>
+                <a:cs typeface="Arial"/>
               </a:rPr>
               <a:t>le</a:t>
             </a:r>
             <a:r>
-              <a:rPr sz="2600" spc="-45">
-                <a:solidFill>
-                  <a:srgbClr val="FFFFFF"/>
-                </a:solidFill>
-                <a:latin typeface="Arial" panose="020B0604020202020204" pitchFamily="34" charset="0"/>
-                <a:cs typeface="Arial" panose="020B0604020202020204" pitchFamily="34" charset="0"/>
-              </a:rPr>
-              <a:t> </a:t>
-            </a:r>
-            <a:r>
-              <a:rPr sz="2600" spc="-95">
-                <a:solidFill>
-                  <a:srgbClr val="FFFFFF"/>
-                </a:solidFill>
-                <a:latin typeface="Arial" panose="020B0604020202020204" pitchFamily="34" charset="0"/>
-                <a:cs typeface="Arial" panose="020B0604020202020204" pitchFamily="34" charset="0"/>
+              <a:rPr sz="2600" spc="-45" dirty="0">
+                <a:solidFill>
+                  <a:srgbClr val="FFFFFF"/>
+                </a:solidFill>
+                <a:latin typeface="Lucida Sans Unicode"/>
+                <a:cs typeface="Arial"/>
+              </a:rPr>
+              <a:t> </a:t>
+            </a:r>
+            <a:r>
+              <a:rPr sz="2600" spc="-95" err="1">
+                <a:solidFill>
+                  <a:srgbClr val="FFFFFF"/>
+                </a:solidFill>
+                <a:latin typeface="Lucida Sans Unicode"/>
+                <a:cs typeface="Arial"/>
               </a:rPr>
               <a:t>applicazioni</a:t>
             </a:r>
             <a:r>
-              <a:rPr sz="2600" spc="65">
-                <a:solidFill>
-                  <a:srgbClr val="FFFFFF"/>
-                </a:solidFill>
-                <a:latin typeface="Arial" panose="020B0604020202020204" pitchFamily="34" charset="0"/>
-                <a:cs typeface="Arial" panose="020B0604020202020204" pitchFamily="34" charset="0"/>
-              </a:rPr>
-              <a:t> </a:t>
-            </a:r>
-            <a:r>
-              <a:rPr sz="2600" spc="-110">
-                <a:solidFill>
-                  <a:srgbClr val="FFFFFF"/>
-                </a:solidFill>
-                <a:latin typeface="Arial" panose="020B0604020202020204" pitchFamily="34" charset="0"/>
-                <a:cs typeface="Arial" panose="020B0604020202020204" pitchFamily="34" charset="0"/>
+              <a:rPr sz="2600" spc="65" dirty="0">
+                <a:solidFill>
+                  <a:srgbClr val="FFFFFF"/>
+                </a:solidFill>
+                <a:latin typeface="Lucida Sans Unicode"/>
+                <a:cs typeface="Arial"/>
+              </a:rPr>
+              <a:t> </a:t>
+            </a:r>
+            <a:r>
+              <a:rPr sz="2600" spc="-110" dirty="0">
+                <a:solidFill>
+                  <a:srgbClr val="FFFFFF"/>
+                </a:solidFill>
+                <a:latin typeface="Lucida Sans Unicode"/>
+                <a:cs typeface="Arial"/>
               </a:rPr>
               <a:t>React </a:t>
             </a:r>
             <a:r>
-              <a:rPr sz="2600" spc="-60">
-                <a:solidFill>
-                  <a:srgbClr val="FFFFFF"/>
-                </a:solidFill>
-                <a:latin typeface="Arial" panose="020B0604020202020204" pitchFamily="34" charset="0"/>
-                <a:cs typeface="Arial" panose="020B0604020202020204" pitchFamily="34" charset="0"/>
+              <a:rPr sz="2600" spc="-60" dirty="0">
+                <a:solidFill>
+                  <a:srgbClr val="FFFFFF"/>
+                </a:solidFill>
+                <a:latin typeface="Lucida Sans Unicode"/>
+                <a:cs typeface="Arial"/>
               </a:rPr>
               <a:t>Native</a:t>
             </a:r>
             <a:r>
-              <a:rPr sz="2600" spc="-110">
-                <a:solidFill>
-                  <a:srgbClr val="FFFFFF"/>
-                </a:solidFill>
-                <a:latin typeface="Arial" panose="020B0604020202020204" pitchFamily="34" charset="0"/>
-                <a:cs typeface="Arial" panose="020B0604020202020204" pitchFamily="34" charset="0"/>
-              </a:rPr>
-              <a:t> </a:t>
-            </a:r>
-            <a:r>
-              <a:rPr sz="2600" spc="-85">
-                <a:solidFill>
-                  <a:srgbClr val="FFFFFF"/>
-                </a:solidFill>
-                <a:latin typeface="Arial" panose="020B0604020202020204" pitchFamily="34" charset="0"/>
-                <a:cs typeface="Arial" panose="020B0604020202020204" pitchFamily="34" charset="0"/>
+              <a:rPr sz="2600" spc="-110" dirty="0">
+                <a:solidFill>
+                  <a:srgbClr val="FFFFFF"/>
+                </a:solidFill>
+                <a:latin typeface="Lucida Sans Unicode"/>
+                <a:cs typeface="Arial"/>
+              </a:rPr>
+              <a:t> </a:t>
+            </a:r>
+            <a:r>
+              <a:rPr sz="2600" spc="-85" dirty="0">
+                <a:solidFill>
+                  <a:srgbClr val="FFFFFF"/>
+                </a:solidFill>
+                <a:latin typeface="Lucida Sans Unicode"/>
+                <a:cs typeface="Arial"/>
               </a:rPr>
               <a:t>senza</a:t>
             </a:r>
             <a:r>
-              <a:rPr sz="2600" spc="-60">
-                <a:solidFill>
-                  <a:srgbClr val="FFFFFF"/>
-                </a:solidFill>
-                <a:latin typeface="Arial" panose="020B0604020202020204" pitchFamily="34" charset="0"/>
-                <a:cs typeface="Arial" panose="020B0604020202020204" pitchFamily="34" charset="0"/>
-              </a:rPr>
-              <a:t> </a:t>
-            </a:r>
-            <a:r>
-              <a:rPr sz="2600" spc="-75">
-                <a:solidFill>
-                  <a:srgbClr val="FFFFFF"/>
-                </a:solidFill>
-                <a:latin typeface="Arial" panose="020B0604020202020204" pitchFamily="34" charset="0"/>
-                <a:cs typeface="Arial" panose="020B0604020202020204" pitchFamily="34" charset="0"/>
+              <a:rPr sz="2600" spc="-60" dirty="0">
+                <a:solidFill>
+                  <a:srgbClr val="FFFFFF"/>
+                </a:solidFill>
+                <a:latin typeface="Lucida Sans Unicode"/>
+                <a:cs typeface="Arial"/>
+              </a:rPr>
+              <a:t> </a:t>
+            </a:r>
+            <a:r>
+              <a:rPr sz="2600" spc="-75" dirty="0">
+                <a:solidFill>
+                  <a:srgbClr val="FFFFFF"/>
+                </a:solidFill>
+                <a:latin typeface="Lucida Sans Unicode"/>
+                <a:cs typeface="Arial"/>
               </a:rPr>
               <a:t>accesso</a:t>
             </a:r>
             <a:r>
-              <a:rPr sz="2600" spc="-55">
-                <a:solidFill>
-                  <a:srgbClr val="FFFFFF"/>
-                </a:solidFill>
-                <a:latin typeface="Arial" panose="020B0604020202020204" pitchFamily="34" charset="0"/>
-                <a:cs typeface="Arial" panose="020B0604020202020204" pitchFamily="34" charset="0"/>
-              </a:rPr>
-              <a:t> </a:t>
-            </a:r>
-            <a:r>
-              <a:rPr sz="2600" spc="-105">
-                <a:solidFill>
-                  <a:srgbClr val="FFFFFF"/>
-                </a:solidFill>
-                <a:latin typeface="Arial" panose="020B0604020202020204" pitchFamily="34" charset="0"/>
-                <a:cs typeface="Arial" panose="020B0604020202020204" pitchFamily="34" charset="0"/>
+              <a:rPr sz="2600" spc="-55" dirty="0">
+                <a:solidFill>
+                  <a:srgbClr val="FFFFFF"/>
+                </a:solidFill>
+                <a:latin typeface="Lucida Sans Unicode"/>
+                <a:cs typeface="Arial"/>
+              </a:rPr>
+              <a:t> </a:t>
+            </a:r>
+            <a:r>
+              <a:rPr sz="2600" spc="-105" dirty="0">
+                <a:solidFill>
+                  <a:srgbClr val="FFFFFF"/>
+                </a:solidFill>
+                <a:latin typeface="Lucida Sans Unicode"/>
+                <a:cs typeface="Arial"/>
               </a:rPr>
               <a:t>al</a:t>
             </a:r>
             <a:r>
-              <a:rPr sz="2600" spc="-70">
-                <a:solidFill>
-                  <a:srgbClr val="FFFFFF"/>
-                </a:solidFill>
-                <a:latin typeface="Arial" panose="020B0604020202020204" pitchFamily="34" charset="0"/>
-                <a:cs typeface="Arial" panose="020B0604020202020204" pitchFamily="34" charset="0"/>
-              </a:rPr>
-              <a:t> </a:t>
-            </a:r>
-            <a:r>
-              <a:rPr sz="2600" spc="-50">
-                <a:solidFill>
-                  <a:srgbClr val="FFFFFF"/>
-                </a:solidFill>
-                <a:latin typeface="Arial" panose="020B0604020202020204" pitchFamily="34" charset="0"/>
-                <a:cs typeface="Arial" panose="020B0604020202020204" pitchFamily="34" charset="0"/>
+              <a:rPr sz="2600" spc="-70" dirty="0">
+                <a:solidFill>
+                  <a:srgbClr val="FFFFFF"/>
+                </a:solidFill>
+                <a:latin typeface="Lucida Sans Unicode"/>
+                <a:cs typeface="Arial"/>
+              </a:rPr>
+              <a:t> </a:t>
+            </a:r>
+            <a:r>
+              <a:rPr sz="2600" spc="-50" err="1">
+                <a:solidFill>
+                  <a:srgbClr val="FFFFFF"/>
+                </a:solidFill>
+                <a:latin typeface="Lucida Sans Unicode"/>
+                <a:cs typeface="Arial"/>
               </a:rPr>
               <a:t>codice</a:t>
             </a:r>
             <a:r>
-              <a:rPr sz="2600" spc="-55">
-                <a:solidFill>
-                  <a:srgbClr val="FFFFFF"/>
-                </a:solidFill>
-                <a:latin typeface="Arial" panose="020B0604020202020204" pitchFamily="34" charset="0"/>
-                <a:cs typeface="Arial" panose="020B0604020202020204" pitchFamily="34" charset="0"/>
-              </a:rPr>
-              <a:t> </a:t>
-            </a:r>
-            <a:r>
-              <a:rPr sz="2600" spc="-10">
-                <a:solidFill>
-                  <a:srgbClr val="FFFFFF"/>
-                </a:solidFill>
-                <a:latin typeface="Arial" panose="020B0604020202020204" pitchFamily="34" charset="0"/>
-                <a:cs typeface="Arial" panose="020B0604020202020204" pitchFamily="34" charset="0"/>
-              </a:rPr>
-              <a:t>sorgente.</a:t>
+              <a:rPr sz="2600" spc="-55" dirty="0">
+                <a:solidFill>
+                  <a:srgbClr val="FFFFFF"/>
+                </a:solidFill>
+                <a:latin typeface="Lucida Sans Unicode"/>
+                <a:cs typeface="Arial"/>
+              </a:rPr>
+              <a:t> </a:t>
+            </a:r>
+            <a:r>
+              <a:rPr sz="2600" spc="-10" err="1">
+                <a:solidFill>
+                  <a:srgbClr val="FFFFFF"/>
+                </a:solidFill>
+                <a:latin typeface="Lucida Sans Unicode"/>
+                <a:cs typeface="Arial"/>
+              </a:rPr>
+              <a:t>sorgente</a:t>
+            </a:r>
+            <a:r>
+              <a:rPr sz="2600" spc="-10" dirty="0">
+                <a:solidFill>
+                  <a:srgbClr val="FFFFFF"/>
+                </a:solidFill>
+                <a:latin typeface="Lucida Sans Unicode"/>
+                <a:cs typeface="Arial"/>
+              </a:rPr>
+              <a:t>.</a:t>
             </a:r>
             <a:endParaRPr sz="2600">
-              <a:latin typeface="Arial" panose="020B0604020202020204" pitchFamily="34" charset="0"/>
-              <a:cs typeface="Arial" panose="020B0604020202020204" pitchFamily="34" charset="0"/>
+              <a:latin typeface="Lucida Sans Unicode"/>
+              <a:cs typeface="Arial"/>
             </a:endParaRPr>
           </a:p>
           <a:p>
@@ -3624,12 +3381,10 @@
               <a:buClr>
                 <a:srgbClr val="FFFFFF"/>
               </a:buClr>
-              <a:buFont typeface="Arial MT"/>
-              <a:buChar char="•"/>
             </a:pPr>
-            <a:endParaRPr sz="2600">
-              <a:latin typeface="Arial" panose="020B0604020202020204" pitchFamily="34" charset="0"/>
-              <a:cs typeface="Arial" panose="020B0604020202020204" pitchFamily="34" charset="0"/>
+            <a:endParaRPr sz="2600" dirty="0">
+              <a:latin typeface="Lucida Sans Unicode"/>
+              <a:cs typeface="Arial"/>
             </a:endParaRPr>
           </a:p>
           <a:p>
@@ -3643,241 +3398,307 @@
               <a:buClr>
                 <a:srgbClr val="FFFFFF"/>
               </a:buClr>
-              <a:buFont typeface="Arial MT"/>
-              <a:buChar char="•"/>
             </a:pPr>
-            <a:endParaRPr sz="2600">
-              <a:latin typeface="Arial" panose="020B0604020202020204" pitchFamily="34" charset="0"/>
-              <a:cs typeface="Arial" panose="020B0604020202020204" pitchFamily="34" charset="0"/>
+            <a:endParaRPr sz="2600" dirty="0">
+              <a:latin typeface="Lucida Sans Unicode"/>
+              <a:cs typeface="Arial"/>
             </a:endParaRPr>
           </a:p>
           <a:p>
-            <a:pPr marL="327660" marR="5080" indent="-315595">
+            <a:pPr marL="12065" marR="5080">
               <a:lnSpc>
                 <a:spcPct val="108700"/>
               </a:lnSpc>
               <a:spcBef>
                 <a:spcPts val="5"/>
               </a:spcBef>
-              <a:buFont typeface="Arial MT"/>
-              <a:buChar char="•"/>
               <a:tabLst>
                 <a:tab pos="327660" algn="l"/>
               </a:tabLst>
             </a:pPr>
             <a:r>
-              <a:rPr sz="2600" spc="-85">
-                <a:solidFill>
-                  <a:srgbClr val="FFFFFF"/>
-                </a:solidFill>
-                <a:latin typeface="Arial" panose="020B0604020202020204" pitchFamily="34" charset="0"/>
-                <a:cs typeface="Arial" panose="020B0604020202020204" pitchFamily="34" charset="0"/>
-              </a:rPr>
-              <a:t>Approccio: </a:t>
-            </a:r>
-            <a:r>
-              <a:rPr sz="2600" spc="-55">
-                <a:solidFill>
-                  <a:srgbClr val="FFFFFF"/>
-                </a:solidFill>
-                <a:latin typeface="Arial" panose="020B0604020202020204" pitchFamily="34" charset="0"/>
-                <a:cs typeface="Arial" panose="020B0604020202020204" pitchFamily="34" charset="0"/>
+              <a:rPr lang="en-US" sz="2600" spc="-85" dirty="0">
+                <a:solidFill>
+                  <a:srgbClr val="FFFFFF"/>
+                </a:solidFill>
+                <a:latin typeface="Lucida Sans Unicode"/>
+                <a:cs typeface="Arial"/>
+              </a:rPr>
+              <a:t>APPROCCIO</a:t>
+            </a:r>
+            <a:r>
+              <a:rPr sz="2600" spc="-85" dirty="0">
+                <a:solidFill>
+                  <a:srgbClr val="FFFFFF"/>
+                </a:solidFill>
+                <a:latin typeface="Lucida Sans Unicode"/>
+                <a:cs typeface="Arial"/>
+              </a:rPr>
+              <a:t>:</a:t>
+            </a:r>
+            <a:endParaRPr lang="en-US" sz="2600" dirty="0">
+              <a:solidFill>
+                <a:srgbClr val="000000"/>
+              </a:solidFill>
+              <a:latin typeface="Lucida Sans Unicode"/>
+              <a:cs typeface="Arial"/>
+            </a:endParaRPr>
+          </a:p>
+          <a:p>
+            <a:pPr marL="12065" marR="5080">
+              <a:lnSpc>
+                <a:spcPct val="108700"/>
+              </a:lnSpc>
+              <a:spcBef>
+                <a:spcPts val="5"/>
+              </a:spcBef>
+              <a:tabLst>
+                <a:tab pos="327660" algn="l"/>
+              </a:tabLst>
+            </a:pPr>
+            <a:endParaRPr lang="en-US" sz="2600" spc="-85" dirty="0">
+              <a:solidFill>
+                <a:srgbClr val="FFFFFF"/>
+              </a:solidFill>
+              <a:latin typeface="Lucida Sans Unicode"/>
+              <a:cs typeface="Arial"/>
+            </a:endParaRPr>
+          </a:p>
+          <a:p>
+            <a:pPr marL="12065" marR="5080">
+              <a:lnSpc>
+                <a:spcPct val="108700"/>
+              </a:lnSpc>
+              <a:spcBef>
+                <a:spcPts val="5"/>
+              </a:spcBef>
+              <a:tabLst>
+                <a:tab pos="327660" algn="l"/>
+              </a:tabLst>
+            </a:pPr>
+            <a:r>
+              <a:rPr sz="2600" spc="-55" dirty="0" err="1">
+                <a:solidFill>
+                  <a:srgbClr val="FFFFFF"/>
+                </a:solidFill>
+                <a:latin typeface="Lucida Sans Unicode"/>
+                <a:cs typeface="Arial"/>
               </a:rPr>
               <a:t>Partire</a:t>
             </a:r>
             <a:r>
-              <a:rPr sz="2600" spc="-110">
-                <a:solidFill>
-                  <a:srgbClr val="FFFFFF"/>
-                </a:solidFill>
-                <a:latin typeface="Arial" panose="020B0604020202020204" pitchFamily="34" charset="0"/>
-                <a:cs typeface="Arial" panose="020B0604020202020204" pitchFamily="34" charset="0"/>
-              </a:rPr>
-              <a:t> </a:t>
-            </a:r>
-            <a:r>
-              <a:rPr sz="2600" spc="-50">
-                <a:solidFill>
-                  <a:srgbClr val="FFFFFF"/>
-                </a:solidFill>
-                <a:latin typeface="Arial" panose="020B0604020202020204" pitchFamily="34" charset="0"/>
-                <a:cs typeface="Arial" panose="020B0604020202020204" pitchFamily="34" charset="0"/>
+              <a:rPr sz="2600" spc="-110" dirty="0">
+                <a:solidFill>
+                  <a:srgbClr val="FFFFFF"/>
+                </a:solidFill>
+                <a:latin typeface="Lucida Sans Unicode"/>
+                <a:cs typeface="Arial"/>
+              </a:rPr>
+              <a:t> </a:t>
+            </a:r>
+            <a:r>
+              <a:rPr sz="2600" spc="-50" dirty="0" err="1">
+                <a:solidFill>
+                  <a:srgbClr val="FFFFFF"/>
+                </a:solidFill>
+                <a:latin typeface="Lucida Sans Unicode"/>
+                <a:cs typeface="Arial"/>
               </a:rPr>
               <a:t>direttamente</a:t>
             </a:r>
             <a:r>
-              <a:rPr sz="2600" spc="-30">
-                <a:solidFill>
-                  <a:srgbClr val="FFFFFF"/>
-                </a:solidFill>
-                <a:latin typeface="Arial" panose="020B0604020202020204" pitchFamily="34" charset="0"/>
-                <a:cs typeface="Arial" panose="020B0604020202020204" pitchFamily="34" charset="0"/>
-              </a:rPr>
-              <a:t> </a:t>
-            </a:r>
-            <a:r>
-              <a:rPr sz="2600" spc="-70">
-                <a:solidFill>
-                  <a:srgbClr val="FFFFFF"/>
-                </a:solidFill>
-                <a:latin typeface="Arial" panose="020B0604020202020204" pitchFamily="34" charset="0"/>
-                <a:cs typeface="Arial" panose="020B0604020202020204" pitchFamily="34" charset="0"/>
+              <a:rPr sz="2600" spc="-30" dirty="0">
+                <a:solidFill>
+                  <a:srgbClr val="FFFFFF"/>
+                </a:solidFill>
+                <a:latin typeface="Lucida Sans Unicode"/>
+                <a:cs typeface="Arial"/>
+              </a:rPr>
+              <a:t> </a:t>
+            </a:r>
+            <a:r>
+              <a:rPr sz="2600" spc="-70" dirty="0" err="1">
+                <a:solidFill>
+                  <a:srgbClr val="FFFFFF"/>
+                </a:solidFill>
+                <a:latin typeface="Lucida Sans Unicode"/>
+                <a:cs typeface="Arial"/>
               </a:rPr>
               <a:t>dai</a:t>
             </a:r>
             <a:r>
-              <a:rPr sz="2600" spc="-80">
-                <a:solidFill>
-                  <a:srgbClr val="FFFFFF"/>
-                </a:solidFill>
-                <a:latin typeface="Arial" panose="020B0604020202020204" pitchFamily="34" charset="0"/>
-                <a:cs typeface="Arial" panose="020B0604020202020204" pitchFamily="34" charset="0"/>
-              </a:rPr>
-              <a:t> </a:t>
-            </a:r>
-            <a:r>
-              <a:rPr sz="2600">
-                <a:solidFill>
-                  <a:srgbClr val="FFFFFF"/>
-                </a:solidFill>
-                <a:latin typeface="Arial" panose="020B0604020202020204" pitchFamily="34" charset="0"/>
-                <a:cs typeface="Arial" panose="020B0604020202020204" pitchFamily="34" charset="0"/>
+              <a:rPr sz="2600" spc="-80" dirty="0">
+                <a:solidFill>
+                  <a:srgbClr val="FFFFFF"/>
+                </a:solidFill>
+                <a:latin typeface="Lucida Sans Unicode"/>
+                <a:cs typeface="Arial"/>
+              </a:rPr>
+              <a:t> </a:t>
+            </a:r>
+            <a:r>
+              <a:rPr sz="2600" dirty="0">
+                <a:solidFill>
+                  <a:srgbClr val="FFFFFF"/>
+                </a:solidFill>
+                <a:latin typeface="Lucida Sans Unicode"/>
+                <a:cs typeface="Arial"/>
               </a:rPr>
               <a:t>file</a:t>
             </a:r>
             <a:r>
-              <a:rPr sz="2600" spc="-50">
-                <a:solidFill>
-                  <a:srgbClr val="FFFFFF"/>
-                </a:solidFill>
-                <a:latin typeface="Arial" panose="020B0604020202020204" pitchFamily="34" charset="0"/>
-                <a:cs typeface="Arial" panose="020B0604020202020204" pitchFamily="34" charset="0"/>
-              </a:rPr>
-              <a:t> </a:t>
-            </a:r>
-            <a:r>
-              <a:rPr sz="2600" spc="-145">
-                <a:solidFill>
-                  <a:srgbClr val="FFFFFF"/>
-                </a:solidFill>
-                <a:latin typeface="Arial" panose="020B0604020202020204" pitchFamily="34" charset="0"/>
-                <a:cs typeface="Arial" panose="020B0604020202020204" pitchFamily="34" charset="0"/>
+              <a:rPr sz="2600" spc="-50" dirty="0">
+                <a:solidFill>
+                  <a:srgbClr val="FFFFFF"/>
+                </a:solidFill>
+                <a:latin typeface="Lucida Sans Unicode"/>
+                <a:cs typeface="Arial"/>
+              </a:rPr>
+              <a:t> </a:t>
+            </a:r>
+            <a:r>
+              <a:rPr sz="2600" spc="-145" dirty="0">
+                <a:solidFill>
+                  <a:srgbClr val="FFFFFF"/>
+                </a:solidFill>
+                <a:latin typeface="Lucida Sans Unicode"/>
+                <a:cs typeface="Arial"/>
               </a:rPr>
               <a:t>APK</a:t>
             </a:r>
             <a:r>
-              <a:rPr sz="2600" spc="-25">
-                <a:solidFill>
-                  <a:srgbClr val="FFFFFF"/>
-                </a:solidFill>
-                <a:latin typeface="Arial" panose="020B0604020202020204" pitchFamily="34" charset="0"/>
-                <a:cs typeface="Arial" panose="020B0604020202020204" pitchFamily="34" charset="0"/>
-              </a:rPr>
-              <a:t> </a:t>
-            </a:r>
-            <a:r>
-              <a:rPr sz="2600" spc="-50">
-                <a:solidFill>
-                  <a:srgbClr val="FFFFFF"/>
-                </a:solidFill>
-                <a:latin typeface="Arial" panose="020B0604020202020204" pitchFamily="34" charset="0"/>
-                <a:cs typeface="Arial" panose="020B0604020202020204" pitchFamily="34" charset="0"/>
-              </a:rPr>
-              <a:t>e </a:t>
-            </a:r>
-            <a:r>
-              <a:rPr sz="2600" spc="-40">
-                <a:solidFill>
-                  <a:srgbClr val="FFFFFF"/>
-                </a:solidFill>
-                <a:latin typeface="Arial" panose="020B0604020202020204" pitchFamily="34" charset="0"/>
-                <a:cs typeface="Arial" panose="020B0604020202020204" pitchFamily="34" charset="0"/>
+              <a:rPr sz="2600" spc="-25" dirty="0">
+                <a:solidFill>
+                  <a:srgbClr val="FFFFFF"/>
+                </a:solidFill>
+                <a:latin typeface="Lucida Sans Unicode"/>
+                <a:cs typeface="Arial"/>
+              </a:rPr>
+              <a:t> </a:t>
+            </a:r>
+            <a:r>
+              <a:rPr sz="2600" spc="-50" dirty="0">
+                <a:solidFill>
+                  <a:srgbClr val="FFFFFF"/>
+                </a:solidFill>
+                <a:latin typeface="Lucida Sans Unicode"/>
+                <a:cs typeface="Arial"/>
+              </a:rPr>
+              <a:t>e</a:t>
+            </a:r>
+            <a:r>
+              <a:rPr lang="en-US" sz="2600" spc="-50" dirty="0">
+                <a:solidFill>
+                  <a:srgbClr val="FFFFFF"/>
+                </a:solidFill>
+                <a:latin typeface="Lucida Sans Unicode"/>
+                <a:cs typeface="Arial"/>
+              </a:rPr>
+              <a:t> </a:t>
+            </a:r>
+            <a:r>
+              <a:rPr lang="en-US" sz="2600" spc="-40" dirty="0" err="1">
+                <a:solidFill>
+                  <a:srgbClr val="FFFFFF"/>
+                </a:solidFill>
+                <a:latin typeface="Lucida Sans Unicode"/>
+                <a:cs typeface="Arial"/>
               </a:rPr>
               <a:t>decompilarli</a:t>
             </a:r>
             <a:r>
-              <a:rPr sz="2600" spc="-130">
-                <a:solidFill>
-                  <a:srgbClr val="FFFFFF"/>
-                </a:solidFill>
-                <a:latin typeface="Arial" panose="020B0604020202020204" pitchFamily="34" charset="0"/>
-                <a:cs typeface="Arial" panose="020B0604020202020204" pitchFamily="34" charset="0"/>
-              </a:rPr>
-              <a:t> </a:t>
-            </a:r>
-            <a:r>
-              <a:rPr sz="2600" spc="-40">
-                <a:solidFill>
-                  <a:srgbClr val="FFFFFF"/>
-                </a:solidFill>
-                <a:latin typeface="Arial" panose="020B0604020202020204" pitchFamily="34" charset="0"/>
-                <a:cs typeface="Arial" panose="020B0604020202020204" pitchFamily="34" charset="0"/>
+              <a:rPr sz="2600" spc="-130" dirty="0">
+                <a:solidFill>
+                  <a:srgbClr val="FFFFFF"/>
+                </a:solidFill>
+                <a:latin typeface="Lucida Sans Unicode"/>
+                <a:cs typeface="Arial"/>
+              </a:rPr>
+              <a:t> </a:t>
+            </a:r>
+            <a:r>
+              <a:rPr sz="2600" spc="-40" dirty="0">
+                <a:solidFill>
+                  <a:srgbClr val="FFFFFF"/>
+                </a:solidFill>
+                <a:latin typeface="Lucida Sans Unicode"/>
+                <a:cs typeface="Arial"/>
               </a:rPr>
               <a:t>per</a:t>
             </a:r>
             <a:r>
-              <a:rPr sz="2600" spc="-100">
-                <a:solidFill>
-                  <a:srgbClr val="FFFFFF"/>
-                </a:solidFill>
-                <a:latin typeface="Arial" panose="020B0604020202020204" pitchFamily="34" charset="0"/>
-                <a:cs typeface="Arial" panose="020B0604020202020204" pitchFamily="34" charset="0"/>
-              </a:rPr>
-              <a:t> </a:t>
-            </a:r>
-            <a:r>
-              <a:rPr sz="2600" spc="-25">
-                <a:solidFill>
-                  <a:srgbClr val="FFFFFF"/>
-                </a:solidFill>
-                <a:latin typeface="Arial" panose="020B0604020202020204" pitchFamily="34" charset="0"/>
-                <a:cs typeface="Arial" panose="020B0604020202020204" pitchFamily="34" charset="0"/>
+              <a:rPr sz="2600" spc="-100" dirty="0">
+                <a:solidFill>
+                  <a:srgbClr val="FFFFFF"/>
+                </a:solidFill>
+                <a:latin typeface="Lucida Sans Unicode"/>
+                <a:cs typeface="Arial"/>
+              </a:rPr>
+              <a:t> </a:t>
+            </a:r>
+            <a:r>
+              <a:rPr sz="2600" spc="-25" dirty="0" err="1">
+                <a:solidFill>
+                  <a:srgbClr val="FFFFFF"/>
+                </a:solidFill>
+                <a:latin typeface="Lucida Sans Unicode"/>
+                <a:cs typeface="Arial"/>
               </a:rPr>
               <a:t>identificare</a:t>
             </a:r>
             <a:r>
-              <a:rPr sz="2600" spc="-40">
-                <a:solidFill>
-                  <a:srgbClr val="FFFFFF"/>
-                </a:solidFill>
-                <a:latin typeface="Arial" panose="020B0604020202020204" pitchFamily="34" charset="0"/>
-                <a:cs typeface="Arial" panose="020B0604020202020204" pitchFamily="34" charset="0"/>
-              </a:rPr>
-              <a:t> </a:t>
-            </a:r>
-            <a:r>
-              <a:rPr sz="2600" spc="-110">
-                <a:solidFill>
-                  <a:srgbClr val="FFFFFF"/>
-                </a:solidFill>
-                <a:latin typeface="Arial" panose="020B0604020202020204" pitchFamily="34" charset="0"/>
-                <a:cs typeface="Arial" panose="020B0604020202020204" pitchFamily="34" charset="0"/>
+              <a:rPr sz="2600" spc="-40" dirty="0">
+                <a:solidFill>
+                  <a:srgbClr val="FFFFFF"/>
+                </a:solidFill>
+                <a:latin typeface="Lucida Sans Unicode"/>
+                <a:cs typeface="Arial"/>
+              </a:rPr>
+              <a:t> </a:t>
+            </a:r>
+            <a:r>
+              <a:rPr sz="2600" spc="-110" dirty="0">
+                <a:solidFill>
+                  <a:srgbClr val="FFFFFF"/>
+                </a:solidFill>
+                <a:latin typeface="Lucida Sans Unicode"/>
+                <a:cs typeface="Arial"/>
               </a:rPr>
               <a:t>le</a:t>
             </a:r>
             <a:r>
-              <a:rPr sz="2600" spc="-75">
-                <a:solidFill>
-                  <a:srgbClr val="FFFFFF"/>
-                </a:solidFill>
-                <a:latin typeface="Arial" panose="020B0604020202020204" pitchFamily="34" charset="0"/>
-                <a:cs typeface="Arial" panose="020B0604020202020204" pitchFamily="34" charset="0"/>
-              </a:rPr>
-              <a:t> </a:t>
-            </a:r>
-            <a:r>
-              <a:rPr sz="2600" spc="-10">
-                <a:solidFill>
-                  <a:srgbClr val="FFFFFF"/>
-                </a:solidFill>
-                <a:latin typeface="Arial" panose="020B0604020202020204" pitchFamily="34" charset="0"/>
-                <a:cs typeface="Arial" panose="020B0604020202020204" pitchFamily="34" charset="0"/>
-              </a:rPr>
-              <a:t>dipendenze.</a:t>
+              <a:rPr sz="2600" spc="-75" dirty="0">
+                <a:solidFill>
+                  <a:srgbClr val="FFFFFF"/>
+                </a:solidFill>
+                <a:latin typeface="Lucida Sans Unicode"/>
+                <a:cs typeface="Arial"/>
+              </a:rPr>
+              <a:t> </a:t>
+            </a:r>
+            <a:r>
+              <a:rPr sz="2600" spc="-10" dirty="0" err="1">
+                <a:solidFill>
+                  <a:srgbClr val="FFFFFF"/>
+                </a:solidFill>
+                <a:latin typeface="Lucida Sans Unicode"/>
+                <a:cs typeface="Arial"/>
+              </a:rPr>
+              <a:t>dipendenze</a:t>
+            </a:r>
+            <a:r>
+              <a:rPr sz="2600" spc="-10" dirty="0">
+                <a:solidFill>
+                  <a:srgbClr val="FFFFFF"/>
+                </a:solidFill>
+                <a:latin typeface="Lucida Sans Unicode"/>
+                <a:cs typeface="Arial"/>
+              </a:rPr>
+              <a:t>.</a:t>
             </a:r>
             <a:endParaRPr sz="2600">
-              <a:latin typeface="Arial" panose="020B0604020202020204" pitchFamily="34" charset="0"/>
-              <a:cs typeface="Arial" panose="020B0604020202020204" pitchFamily="34" charset="0"/>
+              <a:latin typeface="Lucida Sans Unicode"/>
+              <a:cs typeface="Arial"/>
             </a:endParaRPr>
           </a:p>
         </p:txBody>
@@ -3890,8 +3711,8 @@
         </p:nvSpPr>
         <p:spPr>
           <a:xfrm>
-            <a:off x="9144000" y="3238500"/>
-            <a:ext cx="6278245" cy="3478196"/>
+            <a:off x="9144000" y="2574324"/>
+            <a:ext cx="7622042" cy="3079176"/>
           </a:xfrm>
           <a:prstGeom prst="rect">
             <a:avLst/>
@@ -3904,9 +3725,6 @@
           <a:lstStyle/>
           <a:p>
             <a:pPr marL="12700">
-              <a:lnSpc>
-                <a:spcPct val="100000"/>
-              </a:lnSpc>
               <a:spcBef>
                 <a:spcPts val="110"/>
               </a:spcBef>
@@ -3915,78 +3733,28 @@
               </a:tabLst>
             </a:pPr>
             <a:r>
-              <a:rPr sz="2600" spc="-200">
-                <a:solidFill>
-                  <a:srgbClr val="FFFFFF"/>
-                </a:solidFill>
-                <a:latin typeface="Arial" panose="020B0604020202020204" pitchFamily="34" charset="0"/>
-                <a:cs typeface="Arial" panose="020B0604020202020204" pitchFamily="34" charset="0"/>
-              </a:rPr>
-              <a:t>Strume</a:t>
-            </a:r>
-            <a:r>
-              <a:rPr sz="2600" spc="-445">
-                <a:solidFill>
-                  <a:srgbClr val="FFFFFF"/>
-                </a:solidFill>
-                <a:latin typeface="Arial" panose="020B0604020202020204" pitchFamily="34" charset="0"/>
-                <a:cs typeface="Arial" panose="020B0604020202020204" pitchFamily="34" charset="0"/>
-              </a:rPr>
-              <a:t> </a:t>
-            </a:r>
-            <a:r>
-              <a:rPr sz="2600" spc="-140">
-                <a:solidFill>
-                  <a:srgbClr val="FFFFFF"/>
-                </a:solidFill>
-                <a:latin typeface="Arial" panose="020B0604020202020204" pitchFamily="34" charset="0"/>
-                <a:cs typeface="Arial" panose="020B0604020202020204" pitchFamily="34" charset="0"/>
-              </a:rPr>
-              <a:t>nti</a:t>
-            </a:r>
-            <a:r>
-              <a:rPr sz="2600" spc="-35">
-                <a:solidFill>
-                  <a:srgbClr val="FFFFFF"/>
-                </a:solidFill>
-                <a:latin typeface="Arial" panose="020B0604020202020204" pitchFamily="34" charset="0"/>
-                <a:cs typeface="Arial" panose="020B0604020202020204" pitchFamily="34" charset="0"/>
-              </a:rPr>
-              <a:t> </a:t>
-            </a:r>
-            <a:r>
-              <a:rPr sz="2600" spc="-175">
-                <a:solidFill>
-                  <a:srgbClr val="FFFFFF"/>
-                </a:solidFill>
-                <a:latin typeface="Arial" panose="020B0604020202020204" pitchFamily="34" charset="0"/>
-                <a:cs typeface="Arial" panose="020B0604020202020204" pitchFamily="34" charset="0"/>
-              </a:rPr>
-              <a:t>Conside</a:t>
-            </a:r>
-            <a:r>
-              <a:rPr sz="2600" spc="-445">
-                <a:solidFill>
-                  <a:srgbClr val="FFFFFF"/>
-                </a:solidFill>
-                <a:latin typeface="Arial" panose="020B0604020202020204" pitchFamily="34" charset="0"/>
-                <a:cs typeface="Arial" panose="020B0604020202020204" pitchFamily="34" charset="0"/>
-              </a:rPr>
-              <a:t> </a:t>
-            </a:r>
-            <a:r>
-              <a:rPr sz="2600" spc="-20">
-                <a:solidFill>
-                  <a:srgbClr val="FFFFFF"/>
-                </a:solidFill>
-                <a:latin typeface="Arial" panose="020B0604020202020204" pitchFamily="34" charset="0"/>
-                <a:cs typeface="Arial" panose="020B0604020202020204" pitchFamily="34" charset="0"/>
-              </a:rPr>
-              <a:t>rati:</a:t>
-            </a:r>
-            <a:endParaRPr sz="2600">
-              <a:latin typeface="Arial" panose="020B0604020202020204" pitchFamily="34" charset="0"/>
-              <a:cs typeface="Arial" panose="020B0604020202020204" pitchFamily="34" charset="0"/>
+              <a:rPr lang="en-US" sz="2600" spc="-20" dirty="0">
+                <a:solidFill>
+                  <a:srgbClr val="FFFFFF"/>
+                </a:solidFill>
+                <a:latin typeface="Lucida Sans Unicode"/>
+                <a:cs typeface="Arial"/>
+              </a:rPr>
+              <a:t>STRUMENTI CONSIDERATI</a:t>
+            </a:r>
+            <a:r>
+              <a:rPr sz="2600" spc="-20" dirty="0">
+                <a:solidFill>
+                  <a:srgbClr val="FFFFFF"/>
+                </a:solidFill>
+                <a:latin typeface="Lucida Sans Unicode"/>
+                <a:cs typeface="Arial"/>
+              </a:rPr>
+              <a:t>:</a:t>
+            </a:r>
+            <a:endParaRPr sz="2600" dirty="0">
+              <a:latin typeface="Lucida Sans Unicode"/>
+              <a:cs typeface="Arial"/>
             </a:endParaRPr>
           </a:p>
           <a:p>
@@ -4003,9 +3771,9 @@
               <a:buFont typeface="Calibri"/>
               <a:buChar char="-"/>
             </a:pPr>
-            <a:endParaRPr sz="2600">
-              <a:latin typeface="Arial" panose="020B0604020202020204" pitchFamily="34" charset="0"/>
-              <a:cs typeface="Arial" panose="020B0604020202020204" pitchFamily="34" charset="0"/>
+            <a:endParaRPr sz="2600" dirty="0">
+              <a:latin typeface="Lucida Sans Unicode"/>
+              <a:cs typeface="Arial"/>
             </a:endParaRPr>
           </a:p>
           <a:p>
@@ -4020,21 +3788,31 @@
               </a:tabLst>
             </a:pPr>
             <a:r>
-              <a:rPr sz="2600" spc="-165">
-                <a:solidFill>
-                  <a:srgbClr val="FFFFFF"/>
-                </a:solidFill>
-                <a:latin typeface="Arial"/>
-                <a:cs typeface="Arial"/>
-              </a:rPr>
-              <a:t>JADX:</a:t>
-            </a:r>
-            <a:r>
-              <a:rPr sz="2600" spc="-155">
-                <a:solidFill>
-                  <a:srgbClr val="FFFFFF"/>
-                </a:solidFill>
-                <a:latin typeface="Arial"/>
+              <a:rPr sz="2600" b="1" spc="-165" dirty="0">
+                <a:solidFill>
+                  <a:srgbClr val="FFFFFF"/>
+                </a:solidFill>
+                <a:latin typeface="Lucida Sans Unicode"/>
+                <a:cs typeface="Arial"/>
+              </a:rPr>
+              <a:t>JADX</a:t>
+            </a:r>
+            <a:r>
+              <a:rPr sz="2600" spc="-165" dirty="0">
+                <a:solidFill>
+                  <a:srgbClr val="FFFFFF"/>
+                </a:solidFill>
+                <a:latin typeface="Lucida Sans Unicode"/>
+                <a:cs typeface="Arial"/>
+              </a:rPr>
+              <a:t>:</a:t>
+            </a:r>
+            <a:r>
+              <a:rPr sz="2600" spc="-155" dirty="0">
+                <a:solidFill>
+                  <a:srgbClr val="FFFFFF"/>
+                </a:solidFill>
+                <a:latin typeface="Lucida Sans Unicode"/>
                 <a:cs typeface="Arial"/>
               </a:rPr>
               <a:t> </a:t>
@@ -4044,223 +3822,243 @@
                 <a:solidFill>
                   <a:srgbClr val="FFFFFF"/>
                 </a:solidFill>
-                <a:latin typeface="Arial"/>
+                <a:latin typeface="Lucida Sans Unicode"/>
                 <a:cs typeface="Arial"/>
               </a:rPr>
               <a:t>Decompilatore</a:t>
             </a:r>
             <a:r>
-              <a:rPr sz="2600" spc="-105">
-                <a:solidFill>
-                  <a:srgbClr val="FFFFFF"/>
-                </a:solidFill>
-                <a:latin typeface="Arial"/>
-                <a:cs typeface="Arial"/>
-              </a:rPr>
-              <a:t> </a:t>
-            </a:r>
-            <a:r>
-              <a:rPr sz="2600" spc="-90">
-                <a:solidFill>
-                  <a:srgbClr val="FFFFFF"/>
-                </a:solidFill>
-                <a:latin typeface="Arial"/>
+              <a:rPr sz="2600" spc="-105" dirty="0">
+                <a:solidFill>
+                  <a:srgbClr val="FFFFFF"/>
+                </a:solidFill>
+                <a:latin typeface="Lucida Sans Unicode"/>
+                <a:cs typeface="Arial"/>
+              </a:rPr>
+              <a:t> </a:t>
+            </a:r>
+            <a:r>
+              <a:rPr sz="2600" spc="-90" dirty="0">
+                <a:solidFill>
+                  <a:srgbClr val="FFFFFF"/>
+                </a:solidFill>
+                <a:latin typeface="Lucida Sans Unicode"/>
                 <a:cs typeface="Arial"/>
               </a:rPr>
               <a:t>per</a:t>
             </a:r>
             <a:r>
-              <a:rPr sz="2600" spc="-135">
-                <a:solidFill>
-                  <a:srgbClr val="FFFFFF"/>
-                </a:solidFill>
-                <a:latin typeface="Arial"/>
-                <a:cs typeface="Arial"/>
-              </a:rPr>
-              <a:t> </a:t>
-            </a:r>
-            <a:r>
-              <a:rPr sz="2600" spc="-45">
-                <a:solidFill>
-                  <a:srgbClr val="FFFFFF"/>
-                </a:solidFill>
-                <a:latin typeface="Arial"/>
+              <a:rPr sz="2600" spc="-135" dirty="0">
+                <a:solidFill>
+                  <a:srgbClr val="FFFFFF"/>
+                </a:solidFill>
+                <a:latin typeface="Lucida Sans Unicode"/>
+                <a:cs typeface="Arial"/>
+              </a:rPr>
+              <a:t> </a:t>
+            </a:r>
+            <a:r>
+              <a:rPr sz="2600" spc="-45" dirty="0">
+                <a:solidFill>
+                  <a:srgbClr val="FFFFFF"/>
+                </a:solidFill>
+                <a:latin typeface="Lucida Sans Unicode"/>
                 <a:cs typeface="Arial"/>
               </a:rPr>
               <a:t>file</a:t>
             </a:r>
             <a:r>
-              <a:rPr sz="2600" spc="-120">
-                <a:solidFill>
-                  <a:srgbClr val="FFFFFF"/>
-                </a:solidFill>
-                <a:latin typeface="Arial"/>
-                <a:cs typeface="Arial"/>
-              </a:rPr>
-              <a:t> </a:t>
-            </a:r>
-            <a:r>
-              <a:rPr sz="2600" spc="-25">
-                <a:solidFill>
-                  <a:srgbClr val="FFFFFF"/>
-                </a:solidFill>
-                <a:latin typeface="Arial"/>
+              <a:rPr sz="2600" spc="-120" dirty="0">
+                <a:solidFill>
+                  <a:srgbClr val="FFFFFF"/>
+                </a:solidFill>
+                <a:latin typeface="Lucida Sans Unicode"/>
+                <a:cs typeface="Arial"/>
+              </a:rPr>
+              <a:t> </a:t>
+            </a:r>
+            <a:r>
+              <a:rPr sz="2600" spc="-25" dirty="0">
+                <a:solidFill>
+                  <a:srgbClr val="FFFFFF"/>
+                </a:solidFill>
+                <a:latin typeface="Lucida Sans Unicode"/>
                 <a:cs typeface="Arial"/>
               </a:rPr>
               <a:t>APK,</a:t>
             </a:r>
             <a:r>
-              <a:rPr sz="2600" spc="35">
-                <a:solidFill>
-                  <a:srgbClr val="FFFFFF"/>
-                </a:solidFill>
-                <a:latin typeface="Arial"/>
-                <a:cs typeface="Arial"/>
-              </a:rPr>
-              <a:t> </a:t>
-            </a:r>
-            <a:r>
-              <a:rPr sz="2600" spc="-85">
-                <a:solidFill>
-                  <a:srgbClr val="FFFFFF"/>
-                </a:solidFill>
-                <a:latin typeface="Arial"/>
+              <a:rPr sz="2600" spc="35" dirty="0">
+                <a:solidFill>
+                  <a:srgbClr val="FFFFFF"/>
+                </a:solidFill>
+                <a:latin typeface="Lucida Sans Unicode"/>
+                <a:cs typeface="Arial"/>
+              </a:rPr>
+              <a:t> </a:t>
+            </a:r>
+            <a:r>
+              <a:rPr sz="2600" spc="-85" err="1">
+                <a:solidFill>
+                  <a:srgbClr val="FFFFFF"/>
+                </a:solidFill>
+                <a:latin typeface="Lucida Sans Unicode"/>
                 <a:cs typeface="Arial"/>
               </a:rPr>
               <a:t>usato</a:t>
             </a:r>
             <a:r>
-              <a:rPr sz="2600" spc="-100">
-                <a:solidFill>
-                  <a:srgbClr val="FFFFFF"/>
-                </a:solidFill>
-                <a:latin typeface="Arial"/>
-                <a:cs typeface="Arial"/>
-              </a:rPr>
-              <a:t> </a:t>
-            </a:r>
-            <a:r>
-              <a:rPr sz="2600" spc="-25">
-                <a:solidFill>
-                  <a:srgbClr val="FFFFFF"/>
-                </a:solidFill>
-                <a:latin typeface="Arial"/>
+              <a:rPr sz="2600" spc="-100" dirty="0">
+                <a:solidFill>
+                  <a:srgbClr val="FFFFFF"/>
+                </a:solidFill>
+                <a:latin typeface="Lucida Sans Unicode"/>
+                <a:cs typeface="Arial"/>
+              </a:rPr>
+              <a:t> </a:t>
+            </a:r>
+            <a:r>
+              <a:rPr sz="2600" spc="-25" dirty="0">
+                <a:solidFill>
+                  <a:srgbClr val="FFFFFF"/>
+                </a:solidFill>
+                <a:latin typeface="Lucida Sans Unicode"/>
                 <a:cs typeface="Arial"/>
               </a:rPr>
               <a:t>per </a:t>
             </a:r>
             <a:r>
-              <a:rPr sz="2600" spc="-10">
-                <a:solidFill>
-                  <a:srgbClr val="FFFFFF"/>
-                </a:solidFill>
-                <a:latin typeface="Arial"/>
+              <a:rPr sz="2600" spc="-10" err="1">
+                <a:solidFill>
+                  <a:srgbClr val="FFFFFF"/>
+                </a:solidFill>
+                <a:latin typeface="Lucida Sans Unicode"/>
                 <a:cs typeface="Arial"/>
               </a:rPr>
               <a:t>convertire</a:t>
             </a:r>
             <a:r>
-              <a:rPr sz="2600" spc="-125">
-                <a:solidFill>
-                  <a:srgbClr val="FFFFFF"/>
-                </a:solidFill>
-                <a:latin typeface="Arial"/>
-                <a:cs typeface="Arial"/>
-              </a:rPr>
-              <a:t> </a:t>
-            </a:r>
-            <a:r>
-              <a:rPr sz="2600">
-                <a:solidFill>
-                  <a:srgbClr val="FFFFFF"/>
-                </a:solidFill>
-                <a:latin typeface="Arial"/>
+              <a:rPr sz="2600" spc="-125" dirty="0">
+                <a:solidFill>
+                  <a:srgbClr val="FFFFFF"/>
+                </a:solidFill>
+                <a:latin typeface="Lucida Sans Unicode"/>
+                <a:cs typeface="Arial"/>
+              </a:rPr>
+              <a:t> </a:t>
+            </a:r>
+            <a:r>
+              <a:rPr sz="2600" dirty="0">
+                <a:solidFill>
+                  <a:srgbClr val="FFFFFF"/>
+                </a:solidFill>
+                <a:latin typeface="Lucida Sans Unicode"/>
                 <a:cs typeface="Arial"/>
               </a:rPr>
               <a:t>file</a:t>
             </a:r>
             <a:r>
-              <a:rPr sz="2600" spc="-120">
-                <a:solidFill>
-                  <a:srgbClr val="FFFFFF"/>
-                </a:solidFill>
-                <a:latin typeface="Arial"/>
-                <a:cs typeface="Arial"/>
-              </a:rPr>
-              <a:t> </a:t>
-            </a:r>
-            <a:r>
-              <a:rPr sz="2600">
-                <a:solidFill>
-                  <a:srgbClr val="FFFFFF"/>
-                </a:solidFill>
-                <a:latin typeface="Arial"/>
-                <a:cs typeface="Arial"/>
-              </a:rPr>
-              <a:t>.dex</a:t>
-            </a:r>
-            <a:r>
-              <a:rPr sz="2600" spc="-130">
-                <a:solidFill>
-                  <a:srgbClr val="FFFFFF"/>
-                </a:solidFill>
-                <a:latin typeface="Arial"/>
-                <a:cs typeface="Arial"/>
-              </a:rPr>
-              <a:t> </a:t>
-            </a:r>
-            <a:r>
-              <a:rPr sz="2600">
-                <a:solidFill>
-                  <a:srgbClr val="FFFFFF"/>
-                </a:solidFill>
-                <a:latin typeface="Arial"/>
+              <a:rPr sz="2600" spc="-120" dirty="0">
+                <a:solidFill>
+                  <a:srgbClr val="FFFFFF"/>
+                </a:solidFill>
+                <a:latin typeface="Lucida Sans Unicode"/>
+                <a:cs typeface="Arial"/>
+              </a:rPr>
+              <a:t> </a:t>
+            </a:r>
+            <a:r>
+              <a:rPr sz="2600" dirty="0">
+                <a:solidFill>
+                  <a:srgbClr val="FFFFFF"/>
+                </a:solidFill>
+                <a:latin typeface="Lucida Sans Unicode"/>
+                <a:cs typeface="Arial"/>
+              </a:rPr>
+              <a:t>.</a:t>
+            </a:r>
+            <a:r>
+              <a:rPr sz="2600" err="1">
+                <a:solidFill>
+                  <a:srgbClr val="FFFFFF"/>
+                </a:solidFill>
+                <a:latin typeface="Lucida Sans Unicode"/>
+                <a:cs typeface="Arial"/>
+              </a:rPr>
+              <a:t>dex</a:t>
+            </a:r>
+            <a:r>
+              <a:rPr sz="2600" spc="-130" dirty="0">
+                <a:solidFill>
+                  <a:srgbClr val="FFFFFF"/>
+                </a:solidFill>
+                <a:latin typeface="Lucida Sans Unicode"/>
+                <a:cs typeface="Arial"/>
+              </a:rPr>
+              <a:t> </a:t>
+            </a:r>
+            <a:r>
+              <a:rPr sz="2600" dirty="0">
+                <a:solidFill>
+                  <a:srgbClr val="FFFFFF"/>
+                </a:solidFill>
+                <a:latin typeface="Lucida Sans Unicode"/>
                 <a:cs typeface="Arial"/>
               </a:rPr>
               <a:t>in</a:t>
             </a:r>
             <a:r>
-              <a:rPr sz="2600" spc="-125">
-                <a:solidFill>
-                  <a:srgbClr val="FFFFFF"/>
-                </a:solidFill>
-                <a:latin typeface="Arial"/>
-                <a:cs typeface="Arial"/>
-              </a:rPr>
-              <a:t> </a:t>
-            </a:r>
-            <a:r>
-              <a:rPr sz="2600" spc="-10">
-                <a:solidFill>
-                  <a:srgbClr val="FFFFFF"/>
-                </a:solidFill>
-                <a:latin typeface="Arial"/>
+              <a:rPr sz="2600" spc="-125" dirty="0">
+                <a:solidFill>
+                  <a:srgbClr val="FFFFFF"/>
+                </a:solidFill>
+                <a:latin typeface="Lucida Sans Unicode"/>
+                <a:cs typeface="Arial"/>
+              </a:rPr>
+              <a:t> </a:t>
+            </a:r>
+            <a:r>
+              <a:rPr sz="2600" spc="-10" err="1">
+                <a:solidFill>
+                  <a:srgbClr val="FFFFFF"/>
+                </a:solidFill>
+                <a:latin typeface="Lucida Sans Unicode"/>
                 <a:cs typeface="Arial"/>
               </a:rPr>
               <a:t>codice</a:t>
             </a:r>
             <a:r>
-              <a:rPr sz="2600" spc="-114">
-                <a:solidFill>
-                  <a:srgbClr val="FFFFFF"/>
-                </a:solidFill>
-                <a:latin typeface="Arial"/>
-                <a:cs typeface="Arial"/>
-              </a:rPr>
-              <a:t> </a:t>
-            </a:r>
-            <a:r>
-              <a:rPr sz="2600" spc="-10">
-                <a:solidFill>
-                  <a:srgbClr val="FFFFFF"/>
-                </a:solidFill>
-                <a:latin typeface="Arial"/>
-                <a:cs typeface="Arial"/>
-              </a:rPr>
-              <a:t>leggibile.</a:t>
-            </a:r>
-            <a:endParaRPr sz="2600">
-              <a:latin typeface="Arial"/>
+              <a:rPr sz="2600" spc="-114" dirty="0">
+                <a:solidFill>
+                  <a:srgbClr val="FFFFFF"/>
+                </a:solidFill>
+                <a:latin typeface="Lucida Sans Unicode"/>
+                <a:cs typeface="Arial"/>
+              </a:rPr>
+              <a:t> </a:t>
+            </a:r>
+            <a:r>
+              <a:rPr sz="2600" spc="-10" err="1">
+                <a:solidFill>
+                  <a:srgbClr val="FFFFFF"/>
+                </a:solidFill>
+                <a:latin typeface="Lucida Sans Unicode"/>
+                <a:cs typeface="Arial"/>
+              </a:rPr>
+              <a:t>leggibile</a:t>
+            </a:r>
+            <a:r>
+              <a:rPr sz="2600" spc="-10" dirty="0">
+                <a:solidFill>
+                  <a:srgbClr val="FFFFFF"/>
+                </a:solidFill>
+                <a:latin typeface="Lucida Sans Unicode"/>
+                <a:cs typeface="Arial"/>
+              </a:rPr>
+              <a:t>.</a:t>
+            </a:r>
+            <a:endParaRPr sz="2600" dirty="0">
+              <a:latin typeface="Lucida Sans Unicode"/>
               <a:cs typeface="Arial"/>
             </a:endParaRPr>
           </a:p>
@@ -4278,9 +4076,9 @@
               <a:buFont typeface="Calibri"/>
               <a:buChar char="-"/>
             </a:pPr>
-            <a:endParaRPr sz="2600">
-              <a:latin typeface="Arial" panose="020B0604020202020204" pitchFamily="34" charset="0"/>
-              <a:cs typeface="Arial" panose="020B0604020202020204" pitchFamily="34" charset="0"/>
+            <a:endParaRPr sz="2600" dirty="0">
+              <a:latin typeface="Lucida Sans Unicode"/>
+              <a:cs typeface="Arial"/>
             </a:endParaRPr>
           </a:p>
           <a:p>
@@ -4295,197 +4093,217 @@
               </a:tabLst>
             </a:pPr>
             <a:r>
-              <a:rPr sz="2600" spc="-285">
-                <a:solidFill>
-                  <a:srgbClr val="FFFFFF"/>
-                </a:solidFill>
-                <a:latin typeface="Arial"/>
+              <a:rPr sz="2600" b="1" spc="-285" dirty="0">
+                <a:solidFill>
+                  <a:srgbClr val="FFFFFF"/>
+                </a:solidFill>
+                <a:latin typeface="Lucida Sans Unicode"/>
                 <a:cs typeface="Arial"/>
               </a:rPr>
               <a:t>He</a:t>
             </a:r>
             <a:r>
-              <a:rPr sz="2600" spc="-409">
-                <a:solidFill>
-                  <a:srgbClr val="FFFFFF"/>
-                </a:solidFill>
-                <a:latin typeface="Arial"/>
-                <a:cs typeface="Arial"/>
-              </a:rPr>
-              <a:t> </a:t>
-            </a:r>
-            <a:r>
-              <a:rPr sz="2600" spc="-235" err="1">
-                <a:solidFill>
-                  <a:srgbClr val="FFFFFF"/>
-                </a:solidFill>
-                <a:latin typeface="Arial"/>
+              <a:rPr sz="2600" b="1" spc="-409" dirty="0">
+                <a:solidFill>
+                  <a:srgbClr val="FFFFFF"/>
+                </a:solidFill>
+                <a:latin typeface="Lucida Sans Unicode"/>
+                <a:cs typeface="Arial"/>
+              </a:rPr>
+              <a:t> </a:t>
+            </a:r>
+            <a:r>
+              <a:rPr sz="2600" b="1" spc="-235" err="1">
+                <a:solidFill>
+                  <a:srgbClr val="FFFFFF"/>
+                </a:solidFill>
+                <a:latin typeface="Lucida Sans Unicode"/>
                 <a:cs typeface="Arial"/>
               </a:rPr>
               <a:t>rme</a:t>
             </a:r>
             <a:r>
-              <a:rPr sz="2600" spc="-370">
-                <a:solidFill>
-                  <a:srgbClr val="FFFFFF"/>
-                </a:solidFill>
-                <a:latin typeface="Arial"/>
-                <a:cs typeface="Arial"/>
-              </a:rPr>
-              <a:t> </a:t>
-            </a:r>
-            <a:r>
-              <a:rPr sz="2600" spc="-110">
-                <a:solidFill>
-                  <a:srgbClr val="FFFFFF"/>
-                </a:solidFill>
-                <a:latin typeface="Arial"/>
+              <a:rPr sz="2600" b="1" spc="-370" dirty="0">
+                <a:solidFill>
+                  <a:srgbClr val="FFFFFF"/>
+                </a:solidFill>
+                <a:latin typeface="Lucida Sans Unicode"/>
+                <a:cs typeface="Arial"/>
+              </a:rPr>
+              <a:t> </a:t>
+            </a:r>
+            <a:r>
+              <a:rPr sz="2600" b="1" spc="-110" dirty="0">
+                <a:solidFill>
+                  <a:srgbClr val="FFFFFF"/>
+                </a:solidFill>
+                <a:latin typeface="Lucida Sans Unicode"/>
                 <a:cs typeface="Arial"/>
               </a:rPr>
               <a:t>s-</a:t>
             </a:r>
             <a:r>
-              <a:rPr sz="2600" spc="-290">
-                <a:solidFill>
-                  <a:srgbClr val="FFFFFF"/>
-                </a:solidFill>
-                <a:latin typeface="Arial"/>
+              <a:rPr sz="2600" b="1" spc="-290" dirty="0">
+                <a:solidFill>
+                  <a:srgbClr val="FFFFFF"/>
+                </a:solidFill>
+                <a:latin typeface="Lucida Sans Unicode"/>
                 <a:cs typeface="Arial"/>
               </a:rPr>
               <a:t>De</a:t>
             </a:r>
             <a:r>
-              <a:rPr sz="2600" spc="-409">
-                <a:solidFill>
-                  <a:srgbClr val="FFFFFF"/>
-                </a:solidFill>
-                <a:latin typeface="Arial"/>
-                <a:cs typeface="Arial"/>
-              </a:rPr>
-              <a:t> </a:t>
-            </a:r>
-            <a:r>
-              <a:rPr sz="2600" spc="-170">
-                <a:solidFill>
-                  <a:srgbClr val="FFFFFF"/>
-                </a:solidFill>
-                <a:latin typeface="Arial"/>
+              <a:rPr sz="2600" b="1" spc="-409" dirty="0">
+                <a:solidFill>
+                  <a:srgbClr val="FFFFFF"/>
+                </a:solidFill>
+                <a:latin typeface="Lucida Sans Unicode"/>
+                <a:cs typeface="Arial"/>
+              </a:rPr>
+              <a:t> </a:t>
+            </a:r>
+            <a:r>
+              <a:rPr sz="2600" b="1" spc="-170" dirty="0">
+                <a:solidFill>
+                  <a:srgbClr val="FFFFFF"/>
+                </a:solidFill>
+                <a:latin typeface="Lucida Sans Unicode"/>
                 <a:cs typeface="Arial"/>
               </a:rPr>
               <a:t>c:</a:t>
             </a:r>
             <a:r>
-              <a:rPr sz="2600" spc="-75">
-                <a:solidFill>
-                  <a:srgbClr val="FFFFFF"/>
-                </a:solidFill>
-                <a:latin typeface="Arial"/>
-                <a:cs typeface="Arial"/>
-              </a:rPr>
-              <a:t> </a:t>
-            </a:r>
-            <a:r>
-              <a:rPr sz="2600" spc="-100">
-                <a:solidFill>
-                  <a:srgbClr val="FFFFFF"/>
-                </a:solidFill>
-                <a:latin typeface="Arial"/>
+              <a:rPr sz="2600" spc="-75" dirty="0">
+                <a:solidFill>
+                  <a:srgbClr val="FFFFFF"/>
+                </a:solidFill>
+                <a:latin typeface="Lucida Sans Unicode"/>
+                <a:cs typeface="Arial"/>
+              </a:rPr>
+              <a:t> </a:t>
+            </a:r>
+            <a:r>
+              <a:rPr sz="2600" spc="-100" err="1">
+                <a:solidFill>
+                  <a:srgbClr val="FFFFFF"/>
+                </a:solidFill>
+                <a:latin typeface="Lucida Sans Unicode"/>
                 <a:cs typeface="Arial"/>
               </a:rPr>
               <a:t>Interpretazione</a:t>
             </a:r>
             <a:r>
-              <a:rPr sz="2600" spc="5">
-                <a:solidFill>
-                  <a:srgbClr val="FFFFFF"/>
-                </a:solidFill>
-                <a:latin typeface="Arial"/>
-                <a:cs typeface="Arial"/>
-              </a:rPr>
-              <a:t> </a:t>
-            </a:r>
-            <a:r>
-              <a:rPr sz="2600" spc="-150">
-                <a:solidFill>
-                  <a:srgbClr val="FFFFFF"/>
-                </a:solidFill>
-                <a:latin typeface="Arial"/>
+              <a:rPr sz="2600" spc="5" dirty="0">
+                <a:solidFill>
+                  <a:srgbClr val="FFFFFF"/>
+                </a:solidFill>
+                <a:latin typeface="Lucida Sans Unicode"/>
+                <a:cs typeface="Arial"/>
+              </a:rPr>
+              <a:t> </a:t>
+            </a:r>
+            <a:r>
+              <a:rPr sz="2600" spc="-150" dirty="0">
+                <a:solidFill>
+                  <a:srgbClr val="FFFFFF"/>
+                </a:solidFill>
+                <a:latin typeface="Lucida Sans Unicode"/>
                 <a:cs typeface="Arial"/>
               </a:rPr>
               <a:t>del</a:t>
             </a:r>
             <a:r>
-              <a:rPr sz="2600" spc="-15">
-                <a:solidFill>
-                  <a:srgbClr val="FFFFFF"/>
-                </a:solidFill>
-                <a:latin typeface="Arial"/>
-                <a:cs typeface="Arial"/>
-              </a:rPr>
-              <a:t> </a:t>
-            </a:r>
-            <a:r>
-              <a:rPr sz="2600" spc="-125">
-                <a:solidFill>
-                  <a:srgbClr val="FFFFFF"/>
-                </a:solidFill>
-                <a:latin typeface="Arial"/>
+              <a:rPr sz="2600" spc="-15" dirty="0">
+                <a:solidFill>
+                  <a:srgbClr val="FFFFFF"/>
+                </a:solidFill>
+                <a:latin typeface="Lucida Sans Unicode"/>
+                <a:cs typeface="Arial"/>
+              </a:rPr>
+              <a:t> </a:t>
+            </a:r>
+            <a:r>
+              <a:rPr sz="2600" spc="-125" dirty="0">
+                <a:solidFill>
+                  <a:srgbClr val="FFFFFF"/>
+                </a:solidFill>
+                <a:latin typeface="Lucida Sans Unicode"/>
                 <a:cs typeface="Arial"/>
               </a:rPr>
               <a:t>bundle</a:t>
             </a:r>
             <a:r>
-              <a:rPr sz="2600" spc="30">
-                <a:solidFill>
-                  <a:srgbClr val="FFFFFF"/>
-                </a:solidFill>
-                <a:latin typeface="Arial"/>
-                <a:cs typeface="Arial"/>
-              </a:rPr>
-              <a:t> </a:t>
-            </a:r>
-            <a:r>
-              <a:rPr sz="2600" spc="-90">
-                <a:solidFill>
-                  <a:srgbClr val="FFFFFF"/>
-                </a:solidFill>
-                <a:latin typeface="Arial"/>
+              <a:rPr sz="2600" spc="30" dirty="0">
+                <a:solidFill>
+                  <a:srgbClr val="FFFFFF"/>
+                </a:solidFill>
+                <a:latin typeface="Lucida Sans Unicode"/>
+                <a:cs typeface="Arial"/>
+              </a:rPr>
+              <a:t> </a:t>
+            </a:r>
+            <a:r>
+              <a:rPr sz="2600" spc="-90" dirty="0">
+                <a:solidFill>
+                  <a:srgbClr val="FFFFFF"/>
+                </a:solidFill>
+                <a:latin typeface="Lucida Sans Unicode"/>
                 <a:cs typeface="Arial"/>
               </a:rPr>
               <a:t>React </a:t>
             </a:r>
             <a:r>
-              <a:rPr sz="2600" spc="-40">
-                <a:solidFill>
-                  <a:srgbClr val="FFFFFF"/>
-                </a:solidFill>
-                <a:latin typeface="Arial"/>
+              <a:rPr sz="2600" spc="-40" dirty="0">
+                <a:solidFill>
+                  <a:srgbClr val="FFFFFF"/>
+                </a:solidFill>
+                <a:latin typeface="Lucida Sans Unicode"/>
                 <a:cs typeface="Arial"/>
               </a:rPr>
               <a:t>Native</a:t>
             </a:r>
             <a:r>
-              <a:rPr sz="2600" spc="-120">
-                <a:solidFill>
-                  <a:srgbClr val="FFFFFF"/>
-                </a:solidFill>
-                <a:latin typeface="Arial"/>
-                <a:cs typeface="Arial"/>
-              </a:rPr>
-              <a:t> </a:t>
-            </a:r>
-            <a:r>
-              <a:rPr sz="2600" spc="-10">
-                <a:solidFill>
-                  <a:srgbClr val="FFFFFF"/>
-                </a:solidFill>
-                <a:latin typeface="Arial"/>
-                <a:cs typeface="Arial"/>
-              </a:rPr>
-              <a:t>(index.android.bundle).</a:t>
-            </a:r>
-            <a:endParaRPr sz="2600">
-              <a:latin typeface="Arial"/>
+              <a:rPr sz="2600" spc="-120" dirty="0">
+                <a:solidFill>
+                  <a:srgbClr val="FFFFFF"/>
+                </a:solidFill>
+                <a:latin typeface="Lucida Sans Unicode"/>
+                <a:cs typeface="Arial"/>
+              </a:rPr>
+              <a:t> </a:t>
+            </a:r>
+            <a:r>
+              <a:rPr sz="2600" spc="-10" dirty="0">
+                <a:solidFill>
+                  <a:srgbClr val="FFFFFF"/>
+                </a:solidFill>
+                <a:latin typeface="Lucida Sans Unicode"/>
+                <a:cs typeface="Arial"/>
+              </a:rPr>
+              <a:t>(</a:t>
+            </a:r>
+            <a:r>
+              <a:rPr sz="2600" spc="-10" err="1">
+                <a:solidFill>
+                  <a:srgbClr val="FFFFFF"/>
+                </a:solidFill>
+                <a:latin typeface="Lucida Sans Unicode"/>
+                <a:cs typeface="Arial"/>
+              </a:rPr>
+              <a:t>index.android.bundle</a:t>
+            </a:r>
+            <a:r>
+              <a:rPr sz="2600" spc="-10" dirty="0">
+                <a:solidFill>
+                  <a:srgbClr val="FFFFFF"/>
+                </a:solidFill>
+                <a:latin typeface="Lucida Sans Unicode"/>
+                <a:cs typeface="Arial"/>
+              </a:rPr>
+              <a:t>).</a:t>
+            </a:r>
+            <a:endParaRPr sz="2600" dirty="0">
+              <a:latin typeface="Lucida Sans Unicode"/>
               <a:cs typeface="Arial"/>
             </a:endParaRPr>
           </a:p>
@@ -4505,7 +4323,7 @@
         </p:blipFill>
         <p:spPr>
           <a:xfrm>
-            <a:off x="2879089" y="6887082"/>
+            <a:off x="4099318" y="7211447"/>
             <a:ext cx="1398905" cy="1649983"/>
           </a:xfrm>
           <a:prstGeom prst="rect">
@@ -4527,7 +4345,7 @@
         </p:blipFill>
         <p:spPr>
           <a:xfrm>
-            <a:off x="10925809" y="6858000"/>
+            <a:off x="12578525" y="7136027"/>
             <a:ext cx="1800225" cy="1800098"/>
           </a:xfrm>
           <a:prstGeom prst="rect">
@@ -4572,8 +4390,8 @@
         </p:nvSpPr>
         <p:spPr>
           <a:xfrm>
-            <a:off x="5525260" y="833399"/>
-            <a:ext cx="8038339" cy="1304925"/>
+            <a:off x="4969206" y="833399"/>
+            <a:ext cx="8640730" cy="1304203"/>
           </a:xfrm>
           <a:prstGeom prst="rect">
             <a:avLst/>
@@ -4594,132 +4412,154 @@
               </a:spcBef>
             </a:pPr>
             <a:r>
-              <a:rPr sz="8400" spc="-960">
+              <a:rPr sz="8400" spc="-960" dirty="0">
+                <a:latin typeface="Lucida Sans Unicode"/>
                 <a:cs typeface="Arial"/>
               </a:rPr>
               <a:t>I</a:t>
             </a:r>
             <a:r>
-              <a:rPr sz="8400" spc="-790">
+              <a:rPr sz="8400" spc="-790" dirty="0">
+                <a:latin typeface="Lucida Sans Unicode"/>
                 <a:cs typeface="Arial"/>
               </a:rPr>
               <a:t>d</a:t>
             </a:r>
             <a:r>
-              <a:rPr sz="8400" spc="-900">
+              <a:rPr sz="8400" spc="-900" dirty="0">
+                <a:latin typeface="Lucida Sans Unicode"/>
                 <a:cs typeface="Arial"/>
               </a:rPr>
               <a:t>e</a:t>
             </a:r>
             <a:r>
-              <a:rPr sz="8400" spc="-345">
+              <a:rPr sz="8400" spc="-345" dirty="0">
+                <a:latin typeface="Lucida Sans Unicode"/>
                 <a:cs typeface="Arial"/>
               </a:rPr>
               <a:t>a</a:t>
             </a:r>
             <a:r>
-              <a:rPr sz="8400" spc="-1205">
-                <a:cs typeface="Arial"/>
-              </a:rPr>
-              <a:t> </a:t>
-            </a:r>
-            <a:r>
-              <a:rPr sz="8400" spc="-795">
+              <a:rPr sz="8400" spc="-1205" dirty="0">
+                <a:latin typeface="Lucida Sans Unicode"/>
+                <a:cs typeface="Arial"/>
+              </a:rPr>
+              <a:t> </a:t>
+            </a:r>
+            <a:r>
+              <a:rPr sz="8400" spc="-795" err="1">
+                <a:latin typeface="Lucida Sans Unicode"/>
                 <a:cs typeface="Arial"/>
               </a:rPr>
               <a:t>I</a:t>
             </a:r>
             <a:r>
-              <a:rPr sz="8400" spc="-840">
+              <a:rPr sz="8400" spc="-840" err="1">
+                <a:latin typeface="Lucida Sans Unicode"/>
                 <a:cs typeface="Arial"/>
               </a:rPr>
               <a:t>n</a:t>
             </a:r>
             <a:r>
-              <a:rPr sz="8400" spc="-815">
+              <a:rPr sz="8400" spc="-815" err="1">
+                <a:latin typeface="Lucida Sans Unicode"/>
                 <a:cs typeface="Arial"/>
               </a:rPr>
               <a:t>iz</a:t>
             </a:r>
             <a:r>
-              <a:rPr sz="8400" spc="-860">
+              <a:rPr sz="8400" spc="-860" err="1">
+                <a:latin typeface="Lucida Sans Unicode"/>
                 <a:cs typeface="Arial"/>
               </a:rPr>
               <a:t>i</a:t>
             </a:r>
             <a:r>
-              <a:rPr sz="8400" spc="-795">
+              <a:rPr sz="8400" spc="-795" err="1">
+                <a:latin typeface="Lucida Sans Unicode"/>
                 <a:cs typeface="Arial"/>
               </a:rPr>
               <a:t>a</a:t>
             </a:r>
             <a:r>
-              <a:rPr sz="8400" spc="-860">
+              <a:rPr sz="8400" spc="-860" err="1">
+                <a:latin typeface="Lucida Sans Unicode"/>
                 <a:cs typeface="Arial"/>
               </a:rPr>
               <a:t>l</a:t>
             </a:r>
             <a:r>
-              <a:rPr sz="8400" spc="335">
+              <a:rPr sz="8400" spc="335" err="1">
+                <a:latin typeface="Lucida Sans Unicode"/>
                 <a:cs typeface="Arial"/>
               </a:rPr>
               <a:t>e</a:t>
             </a:r>
             <a:r>
-              <a:rPr sz="8400" spc="-855">
+              <a:rPr sz="8400" spc="-855" dirty="0">
+                <a:latin typeface="Lucida Sans Unicode"/>
                 <a:cs typeface="Arial"/>
               </a:rPr>
               <a:t>(</a:t>
             </a:r>
             <a:r>
               <a:rPr sz="8400" spc="-965" err="1">
+                <a:latin typeface="Lucida Sans Unicode"/>
                 <a:cs typeface="Arial"/>
               </a:rPr>
               <a:t>p</a:t>
             </a:r>
             <a:r>
               <a:rPr sz="8400" spc="-944" err="1">
+                <a:latin typeface="Lucida Sans Unicode"/>
                 <a:cs typeface="Arial"/>
               </a:rPr>
               <a:t>a</a:t>
             </a:r>
             <a:r>
               <a:rPr sz="8400" spc="-990" err="1">
+                <a:latin typeface="Lucida Sans Unicode"/>
                 <a:cs typeface="Arial"/>
               </a:rPr>
               <a:t>r</a:t>
             </a:r>
             <a:r>
               <a:rPr sz="8400" spc="-894" err="1">
+                <a:latin typeface="Lucida Sans Unicode"/>
                 <a:cs typeface="Arial"/>
               </a:rPr>
               <a:t>t</a:t>
             </a:r>
             <a:r>
               <a:rPr sz="8400" spc="-395" err="1">
+                <a:latin typeface="Lucida Sans Unicode"/>
                 <a:cs typeface="Arial"/>
               </a:rPr>
               <a:t>e</a:t>
             </a:r>
             <a:r>
-              <a:rPr sz="8400" spc="-1170">
-                <a:cs typeface="Arial"/>
-              </a:rPr>
-              <a:t> </a:t>
-            </a:r>
-            <a:r>
-              <a:rPr sz="8400" spc="-565">
+              <a:rPr sz="8400" spc="-1170" dirty="0">
+                <a:latin typeface="Lucida Sans Unicode"/>
+                <a:cs typeface="Arial"/>
+              </a:rPr>
+              <a:t> </a:t>
+            </a:r>
+            <a:r>
+              <a:rPr sz="8400" spc="-565" dirty="0">
+                <a:latin typeface="Lucida Sans Unicode"/>
                 <a:cs typeface="Arial"/>
               </a:rPr>
               <a:t>2</a:t>
             </a:r>
             <a:r>
-              <a:rPr lang="it-IT" sz="8400" spc="-565">
+              <a:rPr lang="it-IT" sz="8400" spc="-565" dirty="0">
+                <a:latin typeface="Lucida Sans Unicode"/>
                 <a:cs typeface="Arial"/>
               </a:rPr>
               <a:t>)</a:t>
             </a:r>
-            <a:endParaRPr lang="en-US" sz="8400">
+            <a:endParaRPr lang="en-US" sz="8400" dirty="0">
+              <a:latin typeface="Lucida Sans Unicode"/>
               <a:cs typeface="Arial"/>
             </a:endParaRPr>
           </a:p>
@@ -4734,14 +4574,14 @@
         <p:spPr>
           <a:xfrm>
             <a:off x="1203756" y="3692093"/>
-            <a:ext cx="6537325" cy="4898905"/>
+            <a:ext cx="6537325" cy="5301451"/>
           </a:xfrm>
           <a:prstGeom prst="rect">
             <a:avLst/>
           </a:prstGeom>
         </p:spPr>
         <p:txBody>
-          <a:bodyPr vert="horz" wrap="square" lIns="0" tIns="13335" rIns="0" bIns="0" rtlCol="0">
+          <a:bodyPr vert="horz" wrap="square" lIns="0" tIns="13335" rIns="0" bIns="0" rtlCol="0" anchor="t">
             <a:spAutoFit/>
           </a:bodyPr>
           <a:lstStyle/>
@@ -4762,51 +4602,41 @@
               </a:tabLst>
             </a:pPr>
             <a:r>
-              <a:rPr sz="4000" spc="-155">
-                <a:solidFill>
-                  <a:srgbClr val="FFFFFF"/>
-                </a:solidFill>
-                <a:latin typeface="Arial" panose="020B0604020202020204" pitchFamily="34" charset="0"/>
-                <a:cs typeface="Arial" panose="020B0604020202020204" pitchFamily="34" charset="0"/>
+              <a:rPr sz="4000" spc="-155" dirty="0">
+                <a:solidFill>
+                  <a:srgbClr val="FFFFFF"/>
+                </a:solidFill>
+                <a:latin typeface="Lucida Sans Unicode"/>
+                <a:cs typeface="Arial"/>
               </a:rPr>
               <a:t>Limitazioni</a:t>
             </a:r>
             <a:r>
-              <a:rPr sz="4000" spc="-305">
-                <a:solidFill>
-                  <a:srgbClr val="FFFFFF"/>
-                </a:solidFill>
-                <a:latin typeface="Arial" panose="020B0604020202020204" pitchFamily="34" charset="0"/>
-                <a:cs typeface="Arial" panose="020B0604020202020204" pitchFamily="34" charset="0"/>
-              </a:rPr>
-              <a:t> </a:t>
-            </a:r>
-            <a:r>
-              <a:rPr sz="4000" spc="-10" err="1">
-                <a:solidFill>
-                  <a:srgbClr val="FFFFFF"/>
-                </a:solidFill>
-                <a:latin typeface="Arial" panose="020B0604020202020204" pitchFamily="34" charset="0"/>
-                <a:cs typeface="Arial" panose="020B0604020202020204" pitchFamily="34" charset="0"/>
-              </a:rPr>
-              <a:t>Riscontrate</a:t>
-            </a:r>
-            <a:r>
-              <a:rPr sz="4000" spc="-10">
-                <a:solidFill>
-                  <a:srgbClr val="FFFFFF"/>
-                </a:solidFill>
-                <a:latin typeface="Arial" panose="020B0604020202020204" pitchFamily="34" charset="0"/>
-                <a:cs typeface="Arial" panose="020B0604020202020204" pitchFamily="34" charset="0"/>
-              </a:rPr>
-              <a:t>:</a:t>
-            </a:r>
-            <a:endParaRPr lang="it-IT" sz="4000" spc="-10">
+              <a:rPr sz="4000" spc="-305" dirty="0">
+                <a:solidFill>
+                  <a:srgbClr val="FFFFFF"/>
+                </a:solidFill>
+                <a:latin typeface="Lucida Sans Unicode"/>
+                <a:cs typeface="Arial"/>
+              </a:rPr>
+              <a:t> </a:t>
+            </a:r>
+            <a:r>
+              <a:rPr sz="4000" spc="-10" dirty="0">
+                <a:solidFill>
+                  <a:srgbClr val="FFFFFF"/>
+                </a:solidFill>
+                <a:latin typeface="Lucida Sans Unicode"/>
+                <a:cs typeface="Arial"/>
+              </a:rPr>
+              <a:t>Riscontrate:</a:t>
+            </a:r>
+            <a:endParaRPr lang="it-IT" sz="4000" spc="-10" dirty="0">
               <a:solidFill>
                 <a:srgbClr val="FFFFFF"/>
               </a:solidFill>
-              <a:latin typeface="Arial" panose="020B0604020202020204" pitchFamily="34" charset="0"/>
-              <a:cs typeface="Arial" panose="020B0604020202020204" pitchFamily="34" charset="0"/>
+              <a:latin typeface="Lucida Sans Unicode"/>
+              <a:cs typeface="Arial"/>
             </a:endParaRPr>
           </a:p>
           <a:p>
@@ -4842,118 +4672,118 @@
               </a:tabLst>
             </a:pPr>
             <a:r>
-              <a:rPr sz="2400" spc="-60">
-                <a:solidFill>
-                  <a:srgbClr val="FFFFFF"/>
-                </a:solidFill>
-                <a:latin typeface="Arial" panose="020B0604020202020204" pitchFamily="34" charset="0"/>
-                <a:cs typeface="Arial" panose="020B0604020202020204" pitchFamily="34" charset="0"/>
+              <a:rPr sz="2400" spc="-60" err="1">
+                <a:solidFill>
+                  <a:srgbClr val="FFFFFF"/>
+                </a:solidFill>
+                <a:latin typeface="Lucida Sans Unicode"/>
+                <a:cs typeface="Arial"/>
               </a:rPr>
               <a:t>Complessità</a:t>
             </a:r>
             <a:r>
-              <a:rPr sz="2400" spc="-100">
-                <a:solidFill>
-                  <a:srgbClr val="FFFFFF"/>
-                </a:solidFill>
-                <a:latin typeface="Arial" panose="020B0604020202020204" pitchFamily="34" charset="0"/>
-                <a:cs typeface="Arial" panose="020B0604020202020204" pitchFamily="34" charset="0"/>
-              </a:rPr>
-              <a:t> </a:t>
-            </a:r>
-            <a:r>
-              <a:rPr sz="2400" spc="-45">
-                <a:solidFill>
-                  <a:srgbClr val="FFFFFF"/>
-                </a:solidFill>
-                <a:latin typeface="Arial" panose="020B0604020202020204" pitchFamily="34" charset="0"/>
-                <a:cs typeface="Arial" panose="020B0604020202020204" pitchFamily="34" charset="0"/>
+              <a:rPr sz="2400" spc="-100" dirty="0">
+                <a:solidFill>
+                  <a:srgbClr val="FFFFFF"/>
+                </a:solidFill>
+                <a:latin typeface="Lucida Sans Unicode"/>
+                <a:cs typeface="Arial"/>
+              </a:rPr>
+              <a:t> </a:t>
+            </a:r>
+            <a:r>
+              <a:rPr sz="2400" spc="-45" err="1">
+                <a:solidFill>
+                  <a:srgbClr val="FFFFFF"/>
+                </a:solidFill>
+                <a:latin typeface="Lucida Sans Unicode"/>
+                <a:cs typeface="Arial"/>
               </a:rPr>
               <a:t>dell'analisi</a:t>
             </a:r>
             <a:r>
-              <a:rPr sz="2400" spc="-105">
-                <a:solidFill>
-                  <a:srgbClr val="FFFFFF"/>
-                </a:solidFill>
-                <a:latin typeface="Arial" panose="020B0604020202020204" pitchFamily="34" charset="0"/>
-                <a:cs typeface="Arial" panose="020B0604020202020204" pitchFamily="34" charset="0"/>
-              </a:rPr>
-              <a:t> </a:t>
-            </a:r>
-            <a:r>
-              <a:rPr sz="2400" spc="-45">
-                <a:solidFill>
-                  <a:srgbClr val="FFFFFF"/>
-                </a:solidFill>
-                <a:latin typeface="Arial" panose="020B0604020202020204" pitchFamily="34" charset="0"/>
-                <a:cs typeface="Arial" panose="020B0604020202020204" pitchFamily="34" charset="0"/>
+              <a:rPr sz="2400" spc="-105" dirty="0">
+                <a:solidFill>
+                  <a:srgbClr val="FFFFFF"/>
+                </a:solidFill>
+                <a:latin typeface="Lucida Sans Unicode"/>
+                <a:cs typeface="Arial"/>
+              </a:rPr>
+              <a:t> </a:t>
+            </a:r>
+            <a:r>
+              <a:rPr sz="2400" spc="-45" err="1">
+                <a:solidFill>
+                  <a:srgbClr val="FFFFFF"/>
+                </a:solidFill>
+                <a:latin typeface="Lucida Sans Unicode"/>
+                <a:cs typeface="Arial"/>
               </a:rPr>
               <a:t>binaria</a:t>
             </a:r>
             <a:r>
-              <a:rPr sz="2400" spc="-80">
-                <a:solidFill>
-                  <a:srgbClr val="FFFFFF"/>
-                </a:solidFill>
-                <a:latin typeface="Arial" panose="020B0604020202020204" pitchFamily="34" charset="0"/>
-                <a:cs typeface="Arial" panose="020B0604020202020204" pitchFamily="34" charset="0"/>
-              </a:rPr>
-              <a:t> </a:t>
-            </a:r>
-            <a:r>
-              <a:rPr sz="2400" spc="-65">
-                <a:solidFill>
-                  <a:srgbClr val="FFFFFF"/>
-                </a:solidFill>
-                <a:latin typeface="Arial" panose="020B0604020202020204" pitchFamily="34" charset="0"/>
-                <a:cs typeface="Arial" panose="020B0604020202020204" pitchFamily="34" charset="0"/>
+              <a:rPr sz="2400" spc="-80" dirty="0">
+                <a:solidFill>
+                  <a:srgbClr val="FFFFFF"/>
+                </a:solidFill>
+                <a:latin typeface="Lucida Sans Unicode"/>
+                <a:cs typeface="Arial"/>
+              </a:rPr>
+              <a:t> </a:t>
+            </a:r>
+            <a:r>
+              <a:rPr sz="2400" spc="-65" err="1">
+                <a:solidFill>
+                  <a:srgbClr val="FFFFFF"/>
+                </a:solidFill>
+                <a:latin typeface="Lucida Sans Unicode"/>
+                <a:cs typeface="Arial"/>
               </a:rPr>
               <a:t>dei</a:t>
             </a:r>
             <a:r>
-              <a:rPr sz="2400" spc="-105">
-                <a:solidFill>
-                  <a:srgbClr val="FFFFFF"/>
-                </a:solidFill>
-                <a:latin typeface="Arial" panose="020B0604020202020204" pitchFamily="34" charset="0"/>
-                <a:cs typeface="Arial" panose="020B0604020202020204" pitchFamily="34" charset="0"/>
-              </a:rPr>
-              <a:t> </a:t>
-            </a:r>
-            <a:r>
-              <a:rPr sz="2400" spc="-20">
-                <a:solidFill>
-                  <a:srgbClr val="FFFFFF"/>
-                </a:solidFill>
-                <a:latin typeface="Arial" panose="020B0604020202020204" pitchFamily="34" charset="0"/>
-                <a:cs typeface="Arial" panose="020B0604020202020204" pitchFamily="34" charset="0"/>
+              <a:rPr sz="2400" spc="-105" dirty="0">
+                <a:solidFill>
+                  <a:srgbClr val="FFFFFF"/>
+                </a:solidFill>
+                <a:latin typeface="Lucida Sans Unicode"/>
+                <a:cs typeface="Arial"/>
+              </a:rPr>
+              <a:t> </a:t>
+            </a:r>
+            <a:r>
+              <a:rPr sz="2400" spc="-20" dirty="0">
+                <a:solidFill>
+                  <a:srgbClr val="FFFFFF"/>
+                </a:solidFill>
+                <a:latin typeface="Lucida Sans Unicode"/>
+                <a:cs typeface="Arial"/>
               </a:rPr>
               <a:t>file</a:t>
             </a:r>
             <a:r>
-              <a:rPr sz="2400" spc="-90">
-                <a:solidFill>
-                  <a:srgbClr val="FFFFFF"/>
-                </a:solidFill>
-                <a:latin typeface="Arial" panose="020B0604020202020204" pitchFamily="34" charset="0"/>
-                <a:cs typeface="Arial" panose="020B0604020202020204" pitchFamily="34" charset="0"/>
-              </a:rPr>
-              <a:t> </a:t>
-            </a:r>
-            <a:r>
-              <a:rPr sz="2400" spc="-20">
-                <a:solidFill>
-                  <a:srgbClr val="FFFFFF"/>
-                </a:solidFill>
-                <a:latin typeface="Arial" panose="020B0604020202020204" pitchFamily="34" charset="0"/>
-                <a:cs typeface="Arial" panose="020B0604020202020204" pitchFamily="34" charset="0"/>
+              <a:rPr sz="2400" spc="-90" dirty="0">
+                <a:solidFill>
+                  <a:srgbClr val="FFFFFF"/>
+                </a:solidFill>
+                <a:latin typeface="Lucida Sans Unicode"/>
+                <a:cs typeface="Arial"/>
+              </a:rPr>
+              <a:t> </a:t>
+            </a:r>
+            <a:r>
+              <a:rPr sz="2400" spc="-20" dirty="0">
+                <a:solidFill>
+                  <a:srgbClr val="FFFFFF"/>
+                </a:solidFill>
+                <a:latin typeface="Lucida Sans Unicode"/>
+                <a:cs typeface="Arial"/>
               </a:rPr>
               <a:t>APK.</a:t>
             </a:r>
             <a:endParaRPr sz="2400">
-              <a:latin typeface="Arial" panose="020B0604020202020204" pitchFamily="34" charset="0"/>
-              <a:cs typeface="Arial" panose="020B0604020202020204" pitchFamily="34" charset="0"/>
+              <a:latin typeface="Lucida Sans Unicode"/>
+              <a:cs typeface="Arial"/>
             </a:endParaRPr>
           </a:p>
           <a:p>
@@ -4968,9 +4798,9 @@
                 <a:srgbClr val="FFFFFF"/>
               </a:buClr>
             </a:pPr>
-            <a:endParaRPr sz="2400">
-              <a:latin typeface="Arial" panose="020B0604020202020204" pitchFamily="34" charset="0"/>
-              <a:cs typeface="Arial" panose="020B0604020202020204" pitchFamily="34" charset="0"/>
+            <a:endParaRPr sz="2400" dirty="0">
+              <a:latin typeface="Lucida Sans Unicode"/>
+              <a:cs typeface="Arial"/>
             </a:endParaRPr>
           </a:p>
           <a:p>
@@ -4985,138 +4815,148 @@
               </a:tabLst>
             </a:pPr>
             <a:r>
-              <a:rPr sz="2050">
-                <a:solidFill>
-                  <a:srgbClr val="FFFFFF"/>
-                </a:solidFill>
-                <a:latin typeface="Arial" panose="020B0604020202020204" pitchFamily="34" charset="0"/>
-                <a:cs typeface="Arial" panose="020B0604020202020204" pitchFamily="34" charset="0"/>
+              <a:rPr sz="2050" dirty="0">
+                <a:solidFill>
+                  <a:srgbClr val="FFFFFF"/>
+                </a:solidFill>
+                <a:latin typeface="Lucida Sans Unicode"/>
+                <a:cs typeface="Arial"/>
               </a:rPr>
               <a:t>	</a:t>
             </a:r>
             <a:r>
-              <a:rPr sz="2400" spc="-50">
-                <a:solidFill>
-                  <a:srgbClr val="FFFFFF"/>
-                </a:solidFill>
-                <a:latin typeface="Arial" panose="020B0604020202020204" pitchFamily="34" charset="0"/>
-                <a:cs typeface="Arial" panose="020B0604020202020204" pitchFamily="34" charset="0"/>
+              <a:rPr sz="2400" spc="-50" err="1">
+                <a:solidFill>
+                  <a:srgbClr val="FFFFFF"/>
+                </a:solidFill>
+                <a:latin typeface="Lucida Sans Unicode"/>
+                <a:cs typeface="Arial"/>
               </a:rPr>
               <a:t>Necessità</a:t>
             </a:r>
             <a:r>
-              <a:rPr sz="2400" spc="-120">
-                <a:solidFill>
-                  <a:srgbClr val="FFFFFF"/>
-                </a:solidFill>
-                <a:latin typeface="Arial" panose="020B0604020202020204" pitchFamily="34" charset="0"/>
-                <a:cs typeface="Arial" panose="020B0604020202020204" pitchFamily="34" charset="0"/>
-              </a:rPr>
-              <a:t> </a:t>
-            </a:r>
-            <a:r>
-              <a:rPr sz="2400" spc="-100">
-                <a:solidFill>
-                  <a:srgbClr val="FFFFFF"/>
-                </a:solidFill>
-                <a:latin typeface="Arial" panose="020B0604020202020204" pitchFamily="34" charset="0"/>
-                <a:cs typeface="Arial" panose="020B0604020202020204" pitchFamily="34" charset="0"/>
+              <a:rPr sz="2400" spc="-120" dirty="0">
+                <a:solidFill>
+                  <a:srgbClr val="FFFFFF"/>
+                </a:solidFill>
+                <a:latin typeface="Lucida Sans Unicode"/>
+                <a:cs typeface="Arial"/>
+              </a:rPr>
+              <a:t> </a:t>
+            </a:r>
+            <a:r>
+              <a:rPr sz="2400" spc="-100" dirty="0">
+                <a:solidFill>
+                  <a:srgbClr val="FFFFFF"/>
+                </a:solidFill>
+                <a:latin typeface="Lucida Sans Unicode"/>
+                <a:cs typeface="Arial"/>
               </a:rPr>
               <a:t>di</a:t>
             </a:r>
             <a:r>
-              <a:rPr sz="2400" spc="-105">
-                <a:solidFill>
-                  <a:srgbClr val="FFFFFF"/>
-                </a:solidFill>
-                <a:latin typeface="Arial" panose="020B0604020202020204" pitchFamily="34" charset="0"/>
-                <a:cs typeface="Arial" panose="020B0604020202020204" pitchFamily="34" charset="0"/>
-              </a:rPr>
-              <a:t> </a:t>
-            </a:r>
-            <a:r>
-              <a:rPr sz="2400" spc="-65">
-                <a:solidFill>
-                  <a:srgbClr val="FFFFFF"/>
-                </a:solidFill>
-                <a:latin typeface="Arial" panose="020B0604020202020204" pitchFamily="34" charset="0"/>
-                <a:cs typeface="Arial" panose="020B0604020202020204" pitchFamily="34" charset="0"/>
+              <a:rPr sz="2400" spc="-105" dirty="0">
+                <a:solidFill>
+                  <a:srgbClr val="FFFFFF"/>
+                </a:solidFill>
+                <a:latin typeface="Lucida Sans Unicode"/>
+                <a:cs typeface="Arial"/>
+              </a:rPr>
+              <a:t> </a:t>
+            </a:r>
+            <a:r>
+              <a:rPr sz="2400" spc="-65" err="1">
+                <a:solidFill>
+                  <a:srgbClr val="FFFFFF"/>
+                </a:solidFill>
+                <a:latin typeface="Lucida Sans Unicode"/>
+                <a:cs typeface="Arial"/>
               </a:rPr>
               <a:t>maggiore</a:t>
             </a:r>
             <a:r>
-              <a:rPr sz="2400" spc="-40">
-                <a:solidFill>
-                  <a:srgbClr val="FFFFFF"/>
-                </a:solidFill>
-                <a:latin typeface="Arial" panose="020B0604020202020204" pitchFamily="34" charset="0"/>
-                <a:cs typeface="Arial" panose="020B0604020202020204" pitchFamily="34" charset="0"/>
-              </a:rPr>
-              <a:t> </a:t>
-            </a:r>
-            <a:r>
-              <a:rPr sz="2400" spc="-60">
-                <a:solidFill>
-                  <a:srgbClr val="FFFFFF"/>
-                </a:solidFill>
-                <a:latin typeface="Arial" panose="020B0604020202020204" pitchFamily="34" charset="0"/>
-                <a:cs typeface="Arial" panose="020B0604020202020204" pitchFamily="34" charset="0"/>
+              <a:rPr sz="2400" spc="-40" dirty="0">
+                <a:solidFill>
+                  <a:srgbClr val="FFFFFF"/>
+                </a:solidFill>
+                <a:latin typeface="Lucida Sans Unicode"/>
+                <a:cs typeface="Arial"/>
+              </a:rPr>
+              <a:t> </a:t>
+            </a:r>
+            <a:r>
+              <a:rPr sz="2400" spc="-60" err="1">
+                <a:solidFill>
+                  <a:srgbClr val="FFFFFF"/>
+                </a:solidFill>
+                <a:latin typeface="Lucida Sans Unicode"/>
+                <a:cs typeface="Arial"/>
               </a:rPr>
               <a:t>esperienza</a:t>
             </a:r>
             <a:r>
-              <a:rPr sz="2400" spc="-35">
-                <a:solidFill>
-                  <a:srgbClr val="FFFFFF"/>
-                </a:solidFill>
-                <a:latin typeface="Arial" panose="020B0604020202020204" pitchFamily="34" charset="0"/>
-                <a:cs typeface="Arial" panose="020B0604020202020204" pitchFamily="34" charset="0"/>
-              </a:rPr>
-              <a:t> </a:t>
-            </a:r>
-            <a:r>
-              <a:rPr sz="2400" spc="-140">
-                <a:solidFill>
-                  <a:srgbClr val="FFFFFF"/>
-                </a:solidFill>
-                <a:latin typeface="Arial" panose="020B0604020202020204" pitchFamily="34" charset="0"/>
-                <a:cs typeface="Arial" panose="020B0604020202020204" pitchFamily="34" charset="0"/>
+              <a:rPr sz="2400" spc="-35" dirty="0">
+                <a:solidFill>
+                  <a:srgbClr val="FFFFFF"/>
+                </a:solidFill>
+                <a:latin typeface="Lucida Sans Unicode"/>
+                <a:cs typeface="Arial"/>
+              </a:rPr>
+              <a:t> </a:t>
+            </a:r>
+            <a:r>
+              <a:rPr sz="2400" spc="-140" dirty="0">
+                <a:solidFill>
+                  <a:srgbClr val="FFFFFF"/>
+                </a:solidFill>
+                <a:latin typeface="Lucida Sans Unicode"/>
+                <a:cs typeface="Arial"/>
               </a:rPr>
               <a:t>e</a:t>
             </a:r>
             <a:r>
-              <a:rPr sz="2400" spc="-75">
-                <a:solidFill>
-                  <a:srgbClr val="FFFFFF"/>
-                </a:solidFill>
-                <a:latin typeface="Arial" panose="020B0604020202020204" pitchFamily="34" charset="0"/>
-                <a:cs typeface="Arial" panose="020B0604020202020204" pitchFamily="34" charset="0"/>
-              </a:rPr>
-              <a:t> </a:t>
-            </a:r>
-            <a:r>
-              <a:rPr sz="2400" spc="-70">
-                <a:solidFill>
-                  <a:srgbClr val="FFFFFF"/>
-                </a:solidFill>
-                <a:latin typeface="Arial" panose="020B0604020202020204" pitchFamily="34" charset="0"/>
-                <a:cs typeface="Arial" panose="020B0604020202020204" pitchFamily="34" charset="0"/>
-              </a:rPr>
-              <a:t>conoscenze </a:t>
-            </a:r>
-            <a:r>
-              <a:rPr sz="2400" spc="-10">
-                <a:solidFill>
-                  <a:srgbClr val="FFFFFF"/>
-                </a:solidFill>
-                <a:latin typeface="Arial" panose="020B0604020202020204" pitchFamily="34" charset="0"/>
-                <a:cs typeface="Arial" panose="020B0604020202020204" pitchFamily="34" charset="0"/>
+              <a:rPr sz="2400" spc="-75" dirty="0">
+                <a:solidFill>
+                  <a:srgbClr val="FFFFFF"/>
+                </a:solidFill>
+                <a:latin typeface="Lucida Sans Unicode"/>
+                <a:cs typeface="Arial"/>
+              </a:rPr>
+              <a:t> </a:t>
+            </a:r>
+            <a:r>
+              <a:rPr sz="2400" spc="-70" err="1">
+                <a:solidFill>
+                  <a:srgbClr val="FFFFFF"/>
+                </a:solidFill>
+                <a:latin typeface="Lucida Sans Unicode"/>
+                <a:cs typeface="Arial"/>
+              </a:rPr>
+              <a:t>conoscenze</a:t>
+            </a:r>
+            <a:r>
+              <a:rPr sz="2400" spc="-70" dirty="0">
+                <a:solidFill>
+                  <a:srgbClr val="FFFFFF"/>
+                </a:solidFill>
+                <a:latin typeface="Lucida Sans Unicode"/>
+                <a:cs typeface="Arial"/>
+              </a:rPr>
+              <a:t> </a:t>
+            </a:r>
+            <a:r>
+              <a:rPr sz="2400" spc="-10" err="1">
+                <a:solidFill>
+                  <a:srgbClr val="FFFFFF"/>
+                </a:solidFill>
+                <a:latin typeface="Lucida Sans Unicode"/>
+                <a:cs typeface="Arial"/>
               </a:rPr>
               <a:t>avanzate</a:t>
             </a:r>
             <a:endParaRPr sz="2400">
-              <a:latin typeface="Arial" panose="020B0604020202020204" pitchFamily="34" charset="0"/>
-              <a:cs typeface="Arial" panose="020B0604020202020204" pitchFamily="34" charset="0"/>
+              <a:latin typeface="Lucida Sans Unicode"/>
+              <a:cs typeface="Arial"/>
             </a:endParaRPr>
           </a:p>
           <a:p>
@@ -5133,13 +4973,13 @@
               <a:buFont typeface="Arial MT"/>
               <a:buChar char="•"/>
             </a:pPr>
-            <a:endParaRPr sz="2400">
-              <a:latin typeface="Arial" panose="020B0604020202020204" pitchFamily="34" charset="0"/>
-              <a:cs typeface="Arial" panose="020B0604020202020204" pitchFamily="34" charset="0"/>
+            <a:endParaRPr sz="2400" dirty="0">
+              <a:latin typeface="Lucida Sans Unicode"/>
+              <a:cs typeface="Arial"/>
             </a:endParaRPr>
           </a:p>
           <a:p>
-            <a:pPr marL="227329" marR="633095" indent="-215265">
+            <a:pPr marL="226695" marR="633095" indent="-215265">
               <a:lnSpc>
                 <a:spcPct val="108700"/>
               </a:lnSpc>
@@ -5150,238 +4990,238 @@
               </a:tabLst>
             </a:pPr>
             <a:r>
-              <a:rPr sz="2050">
-                <a:solidFill>
-                  <a:srgbClr val="FFFFFF"/>
-                </a:solidFill>
-                <a:latin typeface="Arial" panose="020B0604020202020204" pitchFamily="34" charset="0"/>
-                <a:cs typeface="Arial" panose="020B0604020202020204" pitchFamily="34" charset="0"/>
+              <a:rPr sz="2050" dirty="0">
+                <a:solidFill>
+                  <a:srgbClr val="FFFFFF"/>
+                </a:solidFill>
+                <a:latin typeface="Lucida Sans Unicode"/>
+                <a:cs typeface="Arial"/>
               </a:rPr>
               <a:t>	</a:t>
             </a:r>
             <a:r>
-              <a:rPr sz="2400" spc="-145">
-                <a:solidFill>
-                  <a:srgbClr val="FFFFFF"/>
-                </a:solidFill>
-                <a:latin typeface="Arial" panose="020B0604020202020204" pitchFamily="34" charset="0"/>
-                <a:cs typeface="Arial" panose="020B0604020202020204" pitchFamily="34" charset="0"/>
+              <a:rPr sz="2400" spc="-145" dirty="0">
+                <a:solidFill>
+                  <a:srgbClr val="FFFFFF"/>
+                </a:solidFill>
+                <a:latin typeface="Lucida Sans Unicode"/>
+                <a:cs typeface="Arial"/>
               </a:rPr>
               <a:t>Tempi</a:t>
             </a:r>
             <a:r>
-              <a:rPr sz="2400" spc="-75">
-                <a:solidFill>
-                  <a:srgbClr val="FFFFFF"/>
-                </a:solidFill>
-                <a:latin typeface="Arial" panose="020B0604020202020204" pitchFamily="34" charset="0"/>
-                <a:cs typeface="Arial" panose="020B0604020202020204" pitchFamily="34" charset="0"/>
-              </a:rPr>
-              <a:t> </a:t>
-            </a:r>
-            <a:r>
-              <a:rPr sz="2400" spc="-114">
-                <a:solidFill>
-                  <a:srgbClr val="FFFFFF"/>
-                </a:solidFill>
-                <a:latin typeface="Arial" panose="020B0604020202020204" pitchFamily="34" charset="0"/>
-                <a:cs typeface="Arial" panose="020B0604020202020204" pitchFamily="34" charset="0"/>
+              <a:rPr sz="2400" spc="-75" dirty="0">
+                <a:solidFill>
+                  <a:srgbClr val="FFFFFF"/>
+                </a:solidFill>
+                <a:latin typeface="Lucida Sans Unicode"/>
+                <a:cs typeface="Arial"/>
+              </a:rPr>
+              <a:t> </a:t>
+            </a:r>
+            <a:r>
+              <a:rPr sz="2400" spc="-114" dirty="0">
+                <a:solidFill>
+                  <a:srgbClr val="FFFFFF"/>
+                </a:solidFill>
+                <a:latin typeface="Lucida Sans Unicode"/>
+                <a:cs typeface="Arial"/>
               </a:rPr>
               <a:t>di</a:t>
             </a:r>
             <a:r>
-              <a:rPr sz="2400" spc="-100">
-                <a:solidFill>
-                  <a:srgbClr val="FFFFFF"/>
-                </a:solidFill>
-                <a:latin typeface="Arial" panose="020B0604020202020204" pitchFamily="34" charset="0"/>
-                <a:cs typeface="Arial" panose="020B0604020202020204" pitchFamily="34" charset="0"/>
-              </a:rPr>
-              <a:t> </a:t>
-            </a:r>
-            <a:r>
-              <a:rPr sz="2400" spc="-35">
-                <a:solidFill>
-                  <a:srgbClr val="FFFFFF"/>
-                </a:solidFill>
-                <a:latin typeface="Arial" panose="020B0604020202020204" pitchFamily="34" charset="0"/>
-                <a:cs typeface="Arial" panose="020B0604020202020204" pitchFamily="34" charset="0"/>
+              <a:rPr sz="2400" spc="-100" dirty="0">
+                <a:solidFill>
+                  <a:srgbClr val="FFFFFF"/>
+                </a:solidFill>
+                <a:latin typeface="Lucida Sans Unicode"/>
+                <a:cs typeface="Arial"/>
+              </a:rPr>
+              <a:t> </a:t>
+            </a:r>
+            <a:r>
+              <a:rPr sz="2400" spc="-35" err="1">
+                <a:solidFill>
+                  <a:srgbClr val="FFFFFF"/>
+                </a:solidFill>
+                <a:latin typeface="Lucida Sans Unicode"/>
+                <a:cs typeface="Arial"/>
               </a:rPr>
               <a:t>sviluppo</a:t>
             </a:r>
             <a:r>
-              <a:rPr sz="2400" spc="-135">
-                <a:solidFill>
-                  <a:srgbClr val="FFFFFF"/>
-                </a:solidFill>
-                <a:latin typeface="Arial" panose="020B0604020202020204" pitchFamily="34" charset="0"/>
-                <a:cs typeface="Arial" panose="020B0604020202020204" pitchFamily="34" charset="0"/>
-              </a:rPr>
-              <a:t> </a:t>
-            </a:r>
-            <a:r>
-              <a:rPr sz="2400" spc="-40">
-                <a:solidFill>
-                  <a:srgbClr val="FFFFFF"/>
-                </a:solidFill>
-                <a:latin typeface="Arial" panose="020B0604020202020204" pitchFamily="34" charset="0"/>
-                <a:cs typeface="Arial" panose="020B0604020202020204" pitchFamily="34" charset="0"/>
+              <a:rPr sz="2400" spc="-135" dirty="0">
+                <a:solidFill>
+                  <a:srgbClr val="FFFFFF"/>
+                </a:solidFill>
+                <a:latin typeface="Lucida Sans Unicode"/>
+                <a:cs typeface="Arial"/>
+              </a:rPr>
+              <a:t> </a:t>
+            </a:r>
+            <a:r>
+              <a:rPr sz="2400" spc="-40" err="1">
+                <a:solidFill>
+                  <a:srgbClr val="FFFFFF"/>
+                </a:solidFill>
+                <a:latin typeface="Lucida Sans Unicode"/>
+                <a:cs typeface="Arial"/>
               </a:rPr>
               <a:t>più</a:t>
             </a:r>
             <a:r>
-              <a:rPr sz="2400" spc="-125">
-                <a:solidFill>
-                  <a:srgbClr val="FFFFFF"/>
-                </a:solidFill>
-                <a:latin typeface="Arial" panose="020B0604020202020204" pitchFamily="34" charset="0"/>
-                <a:cs typeface="Arial" panose="020B0604020202020204" pitchFamily="34" charset="0"/>
-              </a:rPr>
-              <a:t> </a:t>
-            </a:r>
-            <a:r>
-              <a:rPr sz="2400" spc="-35">
-                <a:solidFill>
-                  <a:srgbClr val="FFFFFF"/>
-                </a:solidFill>
-                <a:latin typeface="Arial" panose="020B0604020202020204" pitchFamily="34" charset="0"/>
-                <a:cs typeface="Arial" panose="020B0604020202020204" pitchFamily="34" charset="0"/>
+              <a:rPr sz="2400" spc="-125" dirty="0">
+                <a:solidFill>
+                  <a:srgbClr val="FFFFFF"/>
+                </a:solidFill>
+                <a:latin typeface="Lucida Sans Unicode"/>
+                <a:cs typeface="Arial"/>
+              </a:rPr>
+              <a:t> </a:t>
+            </a:r>
+            <a:r>
+              <a:rPr sz="2400" spc="-35" err="1">
+                <a:solidFill>
+                  <a:srgbClr val="FFFFFF"/>
+                </a:solidFill>
+                <a:latin typeface="Lucida Sans Unicode"/>
+                <a:cs typeface="Arial"/>
               </a:rPr>
               <a:t>lunghi</a:t>
             </a:r>
             <a:r>
-              <a:rPr sz="2400" spc="-90">
-                <a:solidFill>
-                  <a:srgbClr val="FFFFFF"/>
-                </a:solidFill>
-                <a:latin typeface="Arial" panose="020B0604020202020204" pitchFamily="34" charset="0"/>
-                <a:cs typeface="Arial" panose="020B0604020202020204" pitchFamily="34" charset="0"/>
-              </a:rPr>
-              <a:t> </a:t>
-            </a:r>
-            <a:r>
-              <a:rPr sz="2400" spc="-55">
-                <a:solidFill>
-                  <a:srgbClr val="FFFFFF"/>
-                </a:solidFill>
-                <a:latin typeface="Arial" panose="020B0604020202020204" pitchFamily="34" charset="0"/>
-                <a:cs typeface="Arial" panose="020B0604020202020204" pitchFamily="34" charset="0"/>
+              <a:rPr sz="2400" spc="-90" dirty="0">
+                <a:solidFill>
+                  <a:srgbClr val="FFFFFF"/>
+                </a:solidFill>
+                <a:latin typeface="Lucida Sans Unicode"/>
+                <a:cs typeface="Arial"/>
+              </a:rPr>
+              <a:t> </a:t>
+            </a:r>
+            <a:r>
+              <a:rPr sz="2400" spc="-55" dirty="0">
+                <a:solidFill>
+                  <a:srgbClr val="FFFFFF"/>
+                </a:solidFill>
+                <a:latin typeface="Lucida Sans Unicode"/>
+                <a:cs typeface="Arial"/>
               </a:rPr>
               <a:t>per</a:t>
             </a:r>
             <a:r>
-              <a:rPr sz="2400" spc="-110">
-                <a:solidFill>
-                  <a:srgbClr val="FFFFFF"/>
-                </a:solidFill>
-                <a:latin typeface="Arial" panose="020B0604020202020204" pitchFamily="34" charset="0"/>
-                <a:cs typeface="Arial" panose="020B0604020202020204" pitchFamily="34" charset="0"/>
-              </a:rPr>
-              <a:t> </a:t>
-            </a:r>
-            <a:r>
-              <a:rPr sz="2400" spc="-45">
-                <a:solidFill>
-                  <a:srgbClr val="FFFFFF"/>
-                </a:solidFill>
-                <a:latin typeface="Arial" panose="020B0604020202020204" pitchFamily="34" charset="0"/>
-                <a:cs typeface="Arial" panose="020B0604020202020204" pitchFamily="34" charset="0"/>
+              <a:rPr sz="2400" spc="-110" dirty="0">
+                <a:solidFill>
+                  <a:srgbClr val="FFFFFF"/>
+                </a:solidFill>
+                <a:latin typeface="Lucida Sans Unicode"/>
+                <a:cs typeface="Arial"/>
+              </a:rPr>
+              <a:t> </a:t>
+            </a:r>
+            <a:r>
+              <a:rPr sz="2400" spc="-45" err="1">
+                <a:solidFill>
+                  <a:srgbClr val="FFFFFF"/>
+                </a:solidFill>
+                <a:latin typeface="Lucida Sans Unicode"/>
+                <a:cs typeface="Arial"/>
               </a:rPr>
               <a:t>ottenere</a:t>
             </a:r>
             <a:r>
-              <a:rPr sz="2400" spc="-35">
-                <a:solidFill>
-                  <a:srgbClr val="FFFFFF"/>
-                </a:solidFill>
-                <a:latin typeface="Arial" panose="020B0604020202020204" pitchFamily="34" charset="0"/>
-                <a:cs typeface="Arial" panose="020B0604020202020204" pitchFamily="34" charset="0"/>
-              </a:rPr>
-              <a:t> </a:t>
-            </a:r>
-            <a:r>
-              <a:rPr sz="2400" spc="-25">
-                <a:solidFill>
-                  <a:srgbClr val="FFFFFF"/>
-                </a:solidFill>
-                <a:latin typeface="Arial" panose="020B0604020202020204" pitchFamily="34" charset="0"/>
-                <a:cs typeface="Arial" panose="020B0604020202020204" pitchFamily="34" charset="0"/>
+              <a:rPr sz="2400" spc="-35" dirty="0">
+                <a:solidFill>
+                  <a:srgbClr val="FFFFFF"/>
+                </a:solidFill>
+                <a:latin typeface="Lucida Sans Unicode"/>
+                <a:cs typeface="Arial"/>
+              </a:rPr>
+              <a:t> </a:t>
+            </a:r>
+            <a:r>
+              <a:rPr sz="2400" spc="-25" dirty="0">
+                <a:solidFill>
+                  <a:srgbClr val="FFFFFF"/>
+                </a:solidFill>
+                <a:latin typeface="Lucida Sans Unicode"/>
+                <a:cs typeface="Arial"/>
               </a:rPr>
               <a:t>un </a:t>
             </a:r>
             <a:r>
-              <a:rPr sz="2400">
-                <a:solidFill>
-                  <a:srgbClr val="FFFFFF"/>
-                </a:solidFill>
-                <a:latin typeface="Arial" panose="020B0604020202020204" pitchFamily="34" charset="0"/>
-                <a:cs typeface="Arial" panose="020B0604020202020204" pitchFamily="34" charset="0"/>
+              <a:rPr sz="2400" err="1">
+                <a:solidFill>
+                  <a:srgbClr val="FFFFFF"/>
+                </a:solidFill>
+                <a:latin typeface="Lucida Sans Unicode"/>
+                <a:cs typeface="Arial"/>
               </a:rPr>
               <a:t>processo</a:t>
             </a:r>
             <a:r>
-              <a:rPr sz="2400" spc="-85">
-                <a:solidFill>
-                  <a:srgbClr val="FFFFFF"/>
-                </a:solidFill>
-                <a:latin typeface="Arial" panose="020B0604020202020204" pitchFamily="34" charset="0"/>
-                <a:cs typeface="Arial" panose="020B0604020202020204" pitchFamily="34" charset="0"/>
-              </a:rPr>
-              <a:t> </a:t>
-            </a:r>
-            <a:r>
-              <a:rPr sz="2400">
-                <a:solidFill>
-                  <a:srgbClr val="FFFFFF"/>
-                </a:solidFill>
-                <a:latin typeface="Arial" panose="020B0604020202020204" pitchFamily="34" charset="0"/>
-                <a:cs typeface="Arial" panose="020B0604020202020204" pitchFamily="34" charset="0"/>
+              <a:rPr sz="2400" spc="-85" dirty="0">
+                <a:solidFill>
+                  <a:srgbClr val="FFFFFF"/>
+                </a:solidFill>
+                <a:latin typeface="Lucida Sans Unicode"/>
+                <a:cs typeface="Arial"/>
+              </a:rPr>
+              <a:t> </a:t>
+            </a:r>
+            <a:r>
+              <a:rPr sz="2400" err="1">
+                <a:solidFill>
+                  <a:srgbClr val="FFFFFF"/>
+                </a:solidFill>
+                <a:latin typeface="Lucida Sans Unicode"/>
+                <a:cs typeface="Arial"/>
               </a:rPr>
               <a:t>completo</a:t>
             </a:r>
             <a:r>
-              <a:rPr sz="2400" spc="-85">
-                <a:solidFill>
-                  <a:srgbClr val="FFFFFF"/>
-                </a:solidFill>
-                <a:latin typeface="Arial" panose="020B0604020202020204" pitchFamily="34" charset="0"/>
-                <a:cs typeface="Arial" panose="020B0604020202020204" pitchFamily="34" charset="0"/>
-              </a:rPr>
-              <a:t> </a:t>
-            </a:r>
-            <a:r>
-              <a:rPr sz="2400">
-                <a:solidFill>
-                  <a:srgbClr val="FFFFFF"/>
-                </a:solidFill>
-                <a:latin typeface="Arial" panose="020B0604020202020204" pitchFamily="34" charset="0"/>
-                <a:cs typeface="Arial" panose="020B0604020202020204" pitchFamily="34" charset="0"/>
+              <a:rPr sz="2400" spc="-85" dirty="0">
+                <a:solidFill>
+                  <a:srgbClr val="FFFFFF"/>
+                </a:solidFill>
+                <a:latin typeface="Lucida Sans Unicode"/>
+                <a:cs typeface="Arial"/>
+              </a:rPr>
+              <a:t> </a:t>
+            </a:r>
+            <a:r>
+              <a:rPr sz="2400" dirty="0">
+                <a:solidFill>
+                  <a:srgbClr val="FFFFFF"/>
+                </a:solidFill>
+                <a:latin typeface="Lucida Sans Unicode"/>
+                <a:cs typeface="Arial"/>
               </a:rPr>
               <a:t>e</a:t>
             </a:r>
             <a:r>
-              <a:rPr sz="2400" spc="-60">
-                <a:solidFill>
-                  <a:srgbClr val="FFFFFF"/>
-                </a:solidFill>
-                <a:latin typeface="Arial" panose="020B0604020202020204" pitchFamily="34" charset="0"/>
-                <a:cs typeface="Arial" panose="020B0604020202020204" pitchFamily="34" charset="0"/>
-              </a:rPr>
-              <a:t> </a:t>
-            </a:r>
-            <a:r>
-              <a:rPr sz="2400" spc="-10">
-                <a:solidFill>
-                  <a:srgbClr val="FFFFFF"/>
-                </a:solidFill>
-                <a:latin typeface="Arial" panose="020B0604020202020204" pitchFamily="34" charset="0"/>
-                <a:cs typeface="Arial" panose="020B0604020202020204" pitchFamily="34" charset="0"/>
+              <a:rPr sz="2400" spc="-60" dirty="0">
+                <a:solidFill>
+                  <a:srgbClr val="FFFFFF"/>
+                </a:solidFill>
+                <a:latin typeface="Lucida Sans Unicode"/>
+                <a:cs typeface="Arial"/>
+              </a:rPr>
+              <a:t> </a:t>
+            </a:r>
+            <a:r>
+              <a:rPr sz="2400" spc="-10" err="1">
+                <a:solidFill>
+                  <a:srgbClr val="FFFFFF"/>
+                </a:solidFill>
+                <a:latin typeface="Lucida Sans Unicode"/>
+                <a:cs typeface="Arial"/>
               </a:rPr>
               <a:t>automatizzato</a:t>
             </a:r>
-            <a:endParaRPr sz="2400">
-              <a:latin typeface="Arial" panose="020B0604020202020204" pitchFamily="34" charset="0"/>
-              <a:cs typeface="Arial" panose="020B0604020202020204" pitchFamily="34" charset="0"/>
+            <a:endParaRPr sz="2400" err="1">
+              <a:latin typeface="Lucida Sans Unicode"/>
+              <a:cs typeface="Arial"/>
             </a:endParaRPr>
           </a:p>
           <a:p>
@@ -5420,14 +5260,14 @@
         <p:spPr>
           <a:xfrm>
             <a:off x="9296400" y="3692093"/>
-            <a:ext cx="6042025" cy="4157677"/>
+            <a:ext cx="6042025" cy="4511620"/>
           </a:xfrm>
           <a:prstGeom prst="rect">
             <a:avLst/>
           </a:prstGeom>
         </p:spPr>
         <p:txBody>
-          <a:bodyPr vert="horz" wrap="square" lIns="0" tIns="13335" rIns="0" bIns="0" rtlCol="0">
+          <a:bodyPr vert="horz" wrap="square" lIns="0" tIns="13335" rIns="0" bIns="0" rtlCol="0" anchor="t">
             <a:spAutoFit/>
           </a:bodyPr>
           <a:lstStyle/>
@@ -5448,28 +5288,48 @@
               </a:tabLst>
             </a:pPr>
             <a:r>
-              <a:rPr sz="4000" spc="-165">
-                <a:solidFill>
-                  <a:srgbClr val="FFFFFF"/>
-                </a:solidFill>
-                <a:latin typeface="Arial" panose="020B0604020202020204" pitchFamily="34" charset="0"/>
-                <a:cs typeface="Arial" panose="020B0604020202020204" pitchFamily="34" charset="0"/>
-              </a:rPr>
-              <a:t>Soluzioni </a:t>
-            </a:r>
-            <a:r>
-              <a:rPr sz="4000" spc="-10">
-                <a:solidFill>
-                  <a:srgbClr val="FFFFFF"/>
-                </a:solidFill>
-                <a:latin typeface="Arial" panose="020B0604020202020204" pitchFamily="34" charset="0"/>
-                <a:cs typeface="Arial" panose="020B0604020202020204" pitchFamily="34" charset="0"/>
-              </a:rPr>
-              <a:t>Adottate:</a:t>
-            </a:r>
-            <a:endParaRPr sz="4000">
-              <a:latin typeface="Arial" panose="020B0604020202020204" pitchFamily="34" charset="0"/>
-              <a:cs typeface="Arial" panose="020B0604020202020204" pitchFamily="34" charset="0"/>
+              <a:rPr sz="4000" spc="-165" err="1">
+                <a:solidFill>
+                  <a:srgbClr val="FFFFFF"/>
+                </a:solidFill>
+                <a:latin typeface="Lucida Sans Unicode"/>
+                <a:cs typeface="Arial"/>
+              </a:rPr>
+              <a:t>Soluzioni</a:t>
+            </a:r>
+            <a:r>
+              <a:rPr sz="4000" spc="-165" dirty="0">
+                <a:solidFill>
+                  <a:srgbClr val="FFFFFF"/>
+                </a:solidFill>
+                <a:latin typeface="Lucida Sans Unicode"/>
+                <a:cs typeface="Arial"/>
+              </a:rPr>
+              <a:t> </a:t>
+            </a:r>
+            <a:r>
+              <a:rPr sz="4000" spc="-10" err="1">
+                <a:solidFill>
+                  <a:srgbClr val="FFFFFF"/>
+                </a:solidFill>
+                <a:latin typeface="Lucida Sans Unicode"/>
+                <a:cs typeface="Arial"/>
+              </a:rPr>
+              <a:t>Adottate</a:t>
+            </a:r>
+            <a:r>
+              <a:rPr sz="4000" spc="-10" dirty="0">
+                <a:solidFill>
+                  <a:srgbClr val="FFFFFF"/>
+                </a:solidFill>
+                <a:latin typeface="Lucida Sans Unicode"/>
+                <a:cs typeface="Arial"/>
+              </a:rPr>
+              <a:t>:</a:t>
+            </a:r>
+            <a:endParaRPr sz="4000" dirty="0">
+              <a:latin typeface="Lucida Sans Unicode"/>
+              <a:cs typeface="Arial"/>
             </a:endParaRPr>
           </a:p>
           <a:p>
@@ -5500,198 +5360,238 @@
               </a:tabLst>
             </a:pPr>
             <a:r>
-              <a:rPr sz="2400" spc="-40">
-                <a:solidFill>
-                  <a:srgbClr val="FFFFFF"/>
-                </a:solidFill>
-                <a:latin typeface="Arial" panose="020B0604020202020204" pitchFamily="34" charset="0"/>
-                <a:cs typeface="Arial" panose="020B0604020202020204" pitchFamily="34" charset="0"/>
+              <a:rPr sz="2400" spc="-40" dirty="0">
+                <a:solidFill>
+                  <a:srgbClr val="FFFFFF"/>
+                </a:solidFill>
+                <a:latin typeface="Lucida Sans Unicode"/>
+                <a:cs typeface="Arial"/>
               </a:rPr>
               <a:t>Focus</a:t>
             </a:r>
             <a:r>
-              <a:rPr sz="2400" spc="60">
-                <a:solidFill>
-                  <a:srgbClr val="FFFFFF"/>
-                </a:solidFill>
-                <a:latin typeface="Arial" panose="020B0604020202020204" pitchFamily="34" charset="0"/>
-                <a:cs typeface="Arial" panose="020B0604020202020204" pitchFamily="34" charset="0"/>
-              </a:rPr>
-              <a:t> </a:t>
-            </a:r>
-            <a:r>
-              <a:rPr sz="2400" spc="-60">
-                <a:solidFill>
-                  <a:srgbClr val="FFFFFF"/>
-                </a:solidFill>
-                <a:latin typeface="Arial" panose="020B0604020202020204" pitchFamily="34" charset="0"/>
-                <a:cs typeface="Arial" panose="020B0604020202020204" pitchFamily="34" charset="0"/>
-              </a:rPr>
-              <a:t>sull’</a:t>
-            </a:r>
-            <a:r>
-              <a:rPr sz="2400" spc="-350">
-                <a:solidFill>
-                  <a:srgbClr val="FFFFFF"/>
-                </a:solidFill>
-                <a:latin typeface="Arial" panose="020B0604020202020204" pitchFamily="34" charset="0"/>
-                <a:cs typeface="Arial" panose="020B0604020202020204" pitchFamily="34" charset="0"/>
-              </a:rPr>
-              <a:t> </a:t>
-            </a:r>
-            <a:r>
-              <a:rPr sz="2400" spc="-40">
-                <a:solidFill>
-                  <a:srgbClr val="FFFFFF"/>
-                </a:solidFill>
-                <a:latin typeface="Arial" panose="020B0604020202020204" pitchFamily="34" charset="0"/>
-                <a:cs typeface="Arial" panose="020B0604020202020204" pitchFamily="34" charset="0"/>
+              <a:rPr sz="2400" spc="60" dirty="0">
+                <a:solidFill>
+                  <a:srgbClr val="FFFFFF"/>
+                </a:solidFill>
+                <a:latin typeface="Lucida Sans Unicode"/>
+                <a:cs typeface="Arial"/>
+              </a:rPr>
+              <a:t> </a:t>
+            </a:r>
+            <a:r>
+              <a:rPr sz="2400" spc="-60" err="1">
+                <a:solidFill>
+                  <a:srgbClr val="FFFFFF"/>
+                </a:solidFill>
+                <a:latin typeface="Lucida Sans Unicode"/>
+                <a:cs typeface="Arial"/>
+              </a:rPr>
+              <a:t>sull</a:t>
+            </a:r>
+            <a:r>
+              <a:rPr sz="2400" spc="-60" dirty="0">
+                <a:solidFill>
+                  <a:srgbClr val="FFFFFF"/>
+                </a:solidFill>
+                <a:latin typeface="Lucida Sans Unicode"/>
+                <a:cs typeface="Arial"/>
+              </a:rPr>
+              <a:t>’</a:t>
+            </a:r>
+            <a:r>
+              <a:rPr sz="2400" spc="-350" dirty="0">
+                <a:solidFill>
+                  <a:srgbClr val="FFFFFF"/>
+                </a:solidFill>
+                <a:latin typeface="Lucida Sans Unicode"/>
+                <a:cs typeface="Arial"/>
+              </a:rPr>
+              <a:t> </a:t>
+            </a:r>
+            <a:r>
+              <a:rPr sz="2400" spc="-40" err="1">
+                <a:solidFill>
+                  <a:srgbClr val="FFFFFF"/>
+                </a:solidFill>
+                <a:latin typeface="Lucida Sans Unicode"/>
+                <a:cs typeface="Arial"/>
               </a:rPr>
               <a:t>analisi</a:t>
             </a:r>
             <a:r>
-              <a:rPr sz="2400" spc="-110">
-                <a:solidFill>
-                  <a:srgbClr val="FFFFFF"/>
-                </a:solidFill>
-                <a:latin typeface="Arial" panose="020B0604020202020204" pitchFamily="34" charset="0"/>
-                <a:cs typeface="Arial" panose="020B0604020202020204" pitchFamily="34" charset="0"/>
-              </a:rPr>
-              <a:t> </a:t>
-            </a:r>
-            <a:r>
-              <a:rPr sz="2400" spc="-55">
-                <a:solidFill>
-                  <a:srgbClr val="FFFFFF"/>
-                </a:solidFill>
-                <a:latin typeface="Arial" panose="020B0604020202020204" pitchFamily="34" charset="0"/>
-                <a:cs typeface="Arial" panose="020B0604020202020204" pitchFamily="34" charset="0"/>
+              <a:rPr sz="2400" spc="-110" dirty="0">
+                <a:solidFill>
+                  <a:srgbClr val="FFFFFF"/>
+                </a:solidFill>
+                <a:latin typeface="Lucida Sans Unicode"/>
+                <a:cs typeface="Arial"/>
+              </a:rPr>
+              <a:t> </a:t>
+            </a:r>
+            <a:r>
+              <a:rPr sz="2400" spc="-55" err="1">
+                <a:solidFill>
+                  <a:srgbClr val="FFFFFF"/>
+                </a:solidFill>
+                <a:latin typeface="Lucida Sans Unicode"/>
+                <a:cs typeface="Arial"/>
               </a:rPr>
               <a:t>delle</a:t>
             </a:r>
             <a:r>
-              <a:rPr sz="2400" spc="-90">
-                <a:solidFill>
-                  <a:srgbClr val="FFFFFF"/>
-                </a:solidFill>
-                <a:latin typeface="Arial" panose="020B0604020202020204" pitchFamily="34" charset="0"/>
-                <a:cs typeface="Arial" panose="020B0604020202020204" pitchFamily="34" charset="0"/>
-              </a:rPr>
-              <a:t> dipendenze</a:t>
-            </a:r>
-            <a:r>
-              <a:rPr sz="2400" spc="-75">
-                <a:solidFill>
-                  <a:srgbClr val="FFFFFF"/>
-                </a:solidFill>
-                <a:latin typeface="Arial" panose="020B0604020202020204" pitchFamily="34" charset="0"/>
-                <a:cs typeface="Arial" panose="020B0604020202020204" pitchFamily="34" charset="0"/>
-              </a:rPr>
-              <a:t> </a:t>
-            </a:r>
-            <a:r>
-              <a:rPr sz="2400" spc="-35">
-                <a:solidFill>
-                  <a:srgbClr val="FFFFFF"/>
-                </a:solidFill>
-                <a:latin typeface="Arial" panose="020B0604020202020204" pitchFamily="34" charset="0"/>
-                <a:cs typeface="Arial" panose="020B0604020202020204" pitchFamily="34" charset="0"/>
-              </a:rPr>
-              <a:t>tramite </a:t>
-            </a:r>
-            <a:r>
-              <a:rPr sz="2400">
-                <a:solidFill>
-                  <a:srgbClr val="FFFFFF"/>
-                </a:solidFill>
-                <a:latin typeface="Arial" panose="020B0604020202020204" pitchFamily="34" charset="0"/>
-                <a:cs typeface="Arial" panose="020B0604020202020204" pitchFamily="34" charset="0"/>
+              <a:rPr sz="2400" spc="-90" dirty="0">
+                <a:solidFill>
+                  <a:srgbClr val="FFFFFF"/>
+                </a:solidFill>
+                <a:latin typeface="Lucida Sans Unicode"/>
+                <a:cs typeface="Arial"/>
+              </a:rPr>
+              <a:t> </a:t>
+            </a:r>
+            <a:r>
+              <a:rPr sz="2400" spc="-90" err="1">
+                <a:solidFill>
+                  <a:srgbClr val="FFFFFF"/>
+                </a:solidFill>
+                <a:latin typeface="Lucida Sans Unicode"/>
+                <a:cs typeface="Arial"/>
+              </a:rPr>
+              <a:t>dipendenze</a:t>
+            </a:r>
+            <a:r>
+              <a:rPr sz="2400" spc="-75" dirty="0">
+                <a:solidFill>
+                  <a:srgbClr val="FFFFFF"/>
+                </a:solidFill>
+                <a:latin typeface="Lucida Sans Unicode"/>
+                <a:cs typeface="Arial"/>
+              </a:rPr>
+              <a:t> </a:t>
+            </a:r>
+            <a:r>
+              <a:rPr sz="2400" spc="-35" err="1">
+                <a:solidFill>
+                  <a:srgbClr val="FFFFFF"/>
+                </a:solidFill>
+                <a:latin typeface="Lucida Sans Unicode"/>
+                <a:cs typeface="Arial"/>
+              </a:rPr>
+              <a:t>tramite</a:t>
+            </a:r>
+            <a:r>
+              <a:rPr sz="2400" spc="-35" dirty="0">
+                <a:solidFill>
+                  <a:srgbClr val="FFFFFF"/>
+                </a:solidFill>
+                <a:latin typeface="Lucida Sans Unicode"/>
+                <a:cs typeface="Arial"/>
+              </a:rPr>
+              <a:t> </a:t>
+            </a:r>
+            <a:r>
+              <a:rPr sz="2400" err="1">
+                <a:solidFill>
+                  <a:srgbClr val="FFFFFF"/>
+                </a:solidFill>
+                <a:latin typeface="Lucida Sans Unicode"/>
+                <a:cs typeface="Arial"/>
               </a:rPr>
               <a:t>i</a:t>
             </a:r>
             <a:r>
-              <a:rPr sz="2400" spc="-170">
-                <a:solidFill>
-                  <a:srgbClr val="FFFFFF"/>
-                </a:solidFill>
-                <a:latin typeface="Arial" panose="020B0604020202020204" pitchFamily="34" charset="0"/>
-                <a:cs typeface="Arial" panose="020B0604020202020204" pitchFamily="34" charset="0"/>
-              </a:rPr>
-              <a:t> </a:t>
-            </a:r>
-            <a:r>
-              <a:rPr sz="2400" spc="-35">
-                <a:solidFill>
-                  <a:srgbClr val="FFFFFF"/>
-                </a:solidFill>
-                <a:latin typeface="Arial" panose="020B0604020202020204" pitchFamily="34" charset="0"/>
-                <a:cs typeface="Arial" panose="020B0604020202020204" pitchFamily="34" charset="0"/>
+              <a:rPr sz="2400" spc="-170" dirty="0">
+                <a:solidFill>
+                  <a:srgbClr val="FFFFFF"/>
+                </a:solidFill>
+                <a:latin typeface="Lucida Sans Unicode"/>
+                <a:cs typeface="Arial"/>
+              </a:rPr>
+              <a:t> </a:t>
+            </a:r>
+            <a:r>
+              <a:rPr sz="2400" spc="-35" dirty="0">
+                <a:solidFill>
+                  <a:srgbClr val="FFFFFF"/>
+                </a:solidFill>
+                <a:latin typeface="Lucida Sans Unicode"/>
+                <a:cs typeface="Arial"/>
               </a:rPr>
               <a:t>file</a:t>
             </a:r>
             <a:r>
-              <a:rPr sz="2400" spc="-110">
-                <a:solidFill>
-                  <a:srgbClr val="FFFFFF"/>
-                </a:solidFill>
-                <a:latin typeface="Arial" panose="020B0604020202020204" pitchFamily="34" charset="0"/>
-                <a:cs typeface="Arial" panose="020B0604020202020204" pitchFamily="34" charset="0"/>
-              </a:rPr>
-              <a:t> </a:t>
-            </a:r>
-            <a:r>
-              <a:rPr sz="2400" spc="-135">
-                <a:solidFill>
-                  <a:srgbClr val="FFFFFF"/>
-                </a:solidFill>
-                <a:latin typeface="Arial" panose="020B0604020202020204" pitchFamily="34" charset="0"/>
-                <a:cs typeface="Arial" panose="020B0604020202020204" pitchFamily="34" charset="0"/>
+              <a:rPr sz="2400" spc="-110" dirty="0">
+                <a:solidFill>
+                  <a:srgbClr val="FFFFFF"/>
+                </a:solidFill>
+                <a:latin typeface="Lucida Sans Unicode"/>
+                <a:cs typeface="Arial"/>
+              </a:rPr>
+              <a:t> </a:t>
+            </a:r>
+            <a:r>
+              <a:rPr sz="2400" spc="-135" err="1">
+                <a:solidFill>
+                  <a:srgbClr val="FFFFFF"/>
+                </a:solidFill>
+                <a:latin typeface="Lucida Sans Unicode"/>
+                <a:cs typeface="Arial"/>
               </a:rPr>
               <a:t>package.json</a:t>
             </a:r>
             <a:r>
-              <a:rPr sz="2400" spc="-25">
-                <a:solidFill>
-                  <a:srgbClr val="FFFFFF"/>
-                </a:solidFill>
-                <a:latin typeface="Arial" panose="020B0604020202020204" pitchFamily="34" charset="0"/>
-                <a:cs typeface="Arial" panose="020B0604020202020204" pitchFamily="34" charset="0"/>
-              </a:rPr>
-              <a:t> </a:t>
-            </a:r>
-            <a:r>
-              <a:rPr sz="2400" spc="-235">
-                <a:solidFill>
-                  <a:srgbClr val="FFFFFF"/>
-                </a:solidFill>
-                <a:latin typeface="Arial" panose="020B0604020202020204" pitchFamily="34" charset="0"/>
-                <a:cs typeface="Arial" panose="020B0604020202020204" pitchFamily="34" charset="0"/>
+              <a:rPr sz="2400" spc="-25" dirty="0">
+                <a:solidFill>
+                  <a:srgbClr val="FFFFFF"/>
+                </a:solidFill>
+                <a:latin typeface="Lucida Sans Unicode"/>
+                <a:cs typeface="Arial"/>
+              </a:rPr>
+              <a:t> </a:t>
+            </a:r>
+            <a:r>
+              <a:rPr sz="2400" spc="-235" dirty="0">
+                <a:solidFill>
+                  <a:srgbClr val="FFFFFF"/>
+                </a:solidFill>
+                <a:latin typeface="Lucida Sans Unicode"/>
+                <a:cs typeface="Arial"/>
               </a:rPr>
               <a:t>e</a:t>
             </a:r>
             <a:r>
-              <a:rPr sz="2400" spc="-95">
-                <a:solidFill>
-                  <a:srgbClr val="FFFFFF"/>
-                </a:solidFill>
-                <a:latin typeface="Arial" panose="020B0604020202020204" pitchFamily="34" charset="0"/>
-                <a:cs typeface="Arial" panose="020B0604020202020204" pitchFamily="34" charset="0"/>
-              </a:rPr>
-              <a:t> </a:t>
-            </a:r>
-            <a:r>
-              <a:rPr sz="2400" spc="-25">
-                <a:solidFill>
-                  <a:srgbClr val="FFFFFF"/>
-                </a:solidFill>
-                <a:latin typeface="Arial" panose="020B0604020202020204" pitchFamily="34" charset="0"/>
-                <a:cs typeface="Arial" panose="020B0604020202020204" pitchFamily="34" charset="0"/>
-              </a:rPr>
-              <a:t>yarn.lock.</a:t>
+              <a:rPr sz="2400" spc="-95" dirty="0">
+                <a:solidFill>
+                  <a:srgbClr val="FFFFFF"/>
+                </a:solidFill>
+                <a:latin typeface="Lucida Sans Unicode"/>
+                <a:cs typeface="Arial"/>
+              </a:rPr>
+              <a:t> </a:t>
+            </a:r>
+            <a:r>
+              <a:rPr sz="2400" spc="-25" err="1">
+                <a:solidFill>
+                  <a:srgbClr val="FFFFFF"/>
+                </a:solidFill>
+                <a:latin typeface="Lucida Sans Unicode"/>
+                <a:cs typeface="Arial"/>
+              </a:rPr>
+              <a:t>yarn.lock</a:t>
+            </a:r>
+            <a:r>
+              <a:rPr sz="2400" spc="-25" dirty="0">
+                <a:solidFill>
+                  <a:srgbClr val="FFFFFF"/>
+                </a:solidFill>
+                <a:latin typeface="Lucida Sans Unicode"/>
+                <a:cs typeface="Arial"/>
+              </a:rPr>
+              <a:t>.</a:t>
             </a:r>
             <a:endParaRPr sz="2400">
-              <a:latin typeface="Arial" panose="020B0604020202020204" pitchFamily="34" charset="0"/>
-              <a:cs typeface="Arial" panose="020B0604020202020204" pitchFamily="34" charset="0"/>
+              <a:latin typeface="Lucida Sans Unicode"/>
+              <a:cs typeface="Arial"/>
             </a:endParaRPr>
           </a:p>
           <a:p>
@@ -5705,9 +5605,9 @@
               <a:buFont typeface="Arial MT"/>
               <a:buChar char="•"/>
             </a:pPr>
-            <a:endParaRPr sz="2400">
-              <a:latin typeface="Arial" panose="020B0604020202020204" pitchFamily="34" charset="0"/>
-              <a:cs typeface="Arial" panose="020B0604020202020204" pitchFamily="34" charset="0"/>
+            <a:endParaRPr sz="2400" dirty="0">
+              <a:latin typeface="Lucida Sans Unicode"/>
+              <a:cs typeface="Arial"/>
             </a:endParaRPr>
           </a:p>
           <a:p>
@@ -5725,158 +5625,158 @@
               </a:tabLst>
             </a:pPr>
             <a:r>
-              <a:rPr sz="2400" spc="-25">
-                <a:solidFill>
-                  <a:srgbClr val="FFFFFF"/>
-                </a:solidFill>
-                <a:latin typeface="Arial" panose="020B0604020202020204" pitchFamily="34" charset="0"/>
-                <a:cs typeface="Arial" panose="020B0604020202020204" pitchFamily="34" charset="0"/>
+              <a:rPr sz="2400" spc="-25" err="1">
+                <a:solidFill>
+                  <a:srgbClr val="FFFFFF"/>
+                </a:solidFill>
+                <a:latin typeface="Lucida Sans Unicode"/>
+                <a:cs typeface="Arial"/>
               </a:rPr>
               <a:t>Utilizzo</a:t>
             </a:r>
             <a:r>
-              <a:rPr sz="2400" spc="-90">
-                <a:solidFill>
-                  <a:srgbClr val="FFFFFF"/>
-                </a:solidFill>
-                <a:latin typeface="Arial" panose="020B0604020202020204" pitchFamily="34" charset="0"/>
-                <a:cs typeface="Arial" panose="020B0604020202020204" pitchFamily="34" charset="0"/>
-              </a:rPr>
-              <a:t> </a:t>
-            </a:r>
-            <a:r>
-              <a:rPr sz="2400" spc="-110">
-                <a:solidFill>
-                  <a:srgbClr val="FFFFFF"/>
-                </a:solidFill>
-                <a:latin typeface="Arial" panose="020B0604020202020204" pitchFamily="34" charset="0"/>
-                <a:cs typeface="Arial" panose="020B0604020202020204" pitchFamily="34" charset="0"/>
+              <a:rPr sz="2400" spc="-90" dirty="0">
+                <a:solidFill>
+                  <a:srgbClr val="FFFFFF"/>
+                </a:solidFill>
+                <a:latin typeface="Lucida Sans Unicode"/>
+                <a:cs typeface="Arial"/>
+              </a:rPr>
+              <a:t> </a:t>
+            </a:r>
+            <a:r>
+              <a:rPr sz="2400" spc="-110" dirty="0">
+                <a:solidFill>
+                  <a:srgbClr val="FFFFFF"/>
+                </a:solidFill>
+                <a:latin typeface="Lucida Sans Unicode"/>
+                <a:cs typeface="Arial"/>
               </a:rPr>
               <a:t>di</a:t>
             </a:r>
             <a:r>
-              <a:rPr sz="2400" spc="-145">
-                <a:solidFill>
-                  <a:srgbClr val="FFFFFF"/>
-                </a:solidFill>
-                <a:latin typeface="Arial" panose="020B0604020202020204" pitchFamily="34" charset="0"/>
-                <a:cs typeface="Arial" panose="020B0604020202020204" pitchFamily="34" charset="0"/>
-              </a:rPr>
-              <a:t> </a:t>
-            </a:r>
-            <a:r>
-              <a:rPr sz="2400" spc="-35">
-                <a:solidFill>
-                  <a:srgbClr val="FFFFFF"/>
-                </a:solidFill>
-                <a:latin typeface="Arial" panose="020B0604020202020204" pitchFamily="34" charset="0"/>
-                <a:cs typeface="Arial" panose="020B0604020202020204" pitchFamily="34" charset="0"/>
+              <a:rPr sz="2400" spc="-145" dirty="0">
+                <a:solidFill>
+                  <a:srgbClr val="FFFFFF"/>
+                </a:solidFill>
+                <a:latin typeface="Lucida Sans Unicode"/>
+                <a:cs typeface="Arial"/>
+              </a:rPr>
+              <a:t> </a:t>
+            </a:r>
+            <a:r>
+              <a:rPr sz="2400" spc="-35" err="1">
+                <a:solidFill>
+                  <a:srgbClr val="FFFFFF"/>
+                </a:solidFill>
+                <a:latin typeface="Lucida Sans Unicode"/>
+                <a:cs typeface="Arial"/>
               </a:rPr>
               <a:t>progetti</a:t>
             </a:r>
             <a:r>
-              <a:rPr sz="2400" spc="-60">
-                <a:solidFill>
-                  <a:srgbClr val="FFFFFF"/>
-                </a:solidFill>
-                <a:latin typeface="Arial" panose="020B0604020202020204" pitchFamily="34" charset="0"/>
-                <a:cs typeface="Arial" panose="020B0604020202020204" pitchFamily="34" charset="0"/>
-              </a:rPr>
-              <a:t> </a:t>
-            </a:r>
-            <a:r>
-              <a:rPr sz="2400" spc="-180">
-                <a:solidFill>
-                  <a:srgbClr val="FFFFFF"/>
-                </a:solidFill>
-                <a:latin typeface="Arial" panose="020B0604020202020204" pitchFamily="34" charset="0"/>
-                <a:cs typeface="Arial" panose="020B0604020202020204" pitchFamily="34" charset="0"/>
+              <a:rPr sz="2400" spc="-60" dirty="0">
+                <a:solidFill>
+                  <a:srgbClr val="FFFFFF"/>
+                </a:solidFill>
+                <a:latin typeface="Lucida Sans Unicode"/>
+                <a:cs typeface="Arial"/>
+              </a:rPr>
+              <a:t> </a:t>
+            </a:r>
+            <a:r>
+              <a:rPr sz="2400" spc="-180" dirty="0">
+                <a:solidFill>
+                  <a:srgbClr val="FFFFFF"/>
+                </a:solidFill>
+                <a:latin typeface="Lucida Sans Unicode"/>
+                <a:cs typeface="Arial"/>
               </a:rPr>
               <a:t>pe</a:t>
             </a:r>
             <a:r>
-              <a:rPr sz="2400" spc="-605">
-                <a:solidFill>
-                  <a:srgbClr val="FFFFFF"/>
-                </a:solidFill>
-                <a:latin typeface="Arial" panose="020B0604020202020204" pitchFamily="34" charset="0"/>
-                <a:cs typeface="Arial" panose="020B0604020202020204" pitchFamily="34" charset="0"/>
-              </a:rPr>
-              <a:t> </a:t>
-            </a:r>
-            <a:r>
-              <a:rPr sz="2400" spc="-85">
-                <a:solidFill>
-                  <a:srgbClr val="FFFFFF"/>
-                </a:solidFill>
-                <a:latin typeface="Arial" panose="020B0604020202020204" pitchFamily="34" charset="0"/>
-                <a:cs typeface="Arial" panose="020B0604020202020204" pitchFamily="34" charset="0"/>
+              <a:rPr sz="2400" spc="-605" dirty="0">
+                <a:solidFill>
+                  <a:srgbClr val="FFFFFF"/>
+                </a:solidFill>
+                <a:latin typeface="Lucida Sans Unicode"/>
+                <a:cs typeface="Arial"/>
+              </a:rPr>
+              <a:t> </a:t>
+            </a:r>
+            <a:r>
+              <a:rPr sz="2400" spc="-85" err="1">
+                <a:solidFill>
+                  <a:srgbClr val="FFFFFF"/>
+                </a:solidFill>
+                <a:latin typeface="Lucida Sans Unicode"/>
+                <a:cs typeface="Arial"/>
               </a:rPr>
               <a:t>rsonali</a:t>
             </a:r>
             <a:r>
-              <a:rPr sz="2400" spc="-155">
-                <a:solidFill>
-                  <a:srgbClr val="FFFFFF"/>
-                </a:solidFill>
-                <a:latin typeface="Arial" panose="020B0604020202020204" pitchFamily="34" charset="0"/>
-                <a:cs typeface="Arial" panose="020B0604020202020204" pitchFamily="34" charset="0"/>
-              </a:rPr>
-              <a:t> </a:t>
-            </a:r>
-            <a:r>
-              <a:rPr sz="2400" spc="-140">
-                <a:solidFill>
-                  <a:srgbClr val="FFFFFF"/>
-                </a:solidFill>
-                <a:latin typeface="Arial" panose="020B0604020202020204" pitchFamily="34" charset="0"/>
-                <a:cs typeface="Arial" panose="020B0604020202020204" pitchFamily="34" charset="0"/>
+              <a:rPr sz="2400" spc="-155" dirty="0">
+                <a:solidFill>
+                  <a:srgbClr val="FFFFFF"/>
+                </a:solidFill>
+                <a:latin typeface="Lucida Sans Unicode"/>
+                <a:cs typeface="Arial"/>
+              </a:rPr>
+              <a:t> </a:t>
+            </a:r>
+            <a:r>
+              <a:rPr sz="2400" spc="-140" dirty="0">
+                <a:solidFill>
+                  <a:srgbClr val="FFFFFF"/>
+                </a:solidFill>
+                <a:latin typeface="Lucida Sans Unicode"/>
+                <a:cs typeface="Arial"/>
               </a:rPr>
               <a:t>e</a:t>
             </a:r>
             <a:r>
-              <a:rPr sz="2400" spc="-75">
-                <a:solidFill>
-                  <a:srgbClr val="FFFFFF"/>
-                </a:solidFill>
-                <a:latin typeface="Arial" panose="020B0604020202020204" pitchFamily="34" charset="0"/>
-                <a:cs typeface="Arial" panose="020B0604020202020204" pitchFamily="34" charset="0"/>
-              </a:rPr>
-              <a:t> </a:t>
-            </a:r>
-            <a:r>
-              <a:rPr sz="2400" spc="-114">
-                <a:solidFill>
-                  <a:srgbClr val="FFFFFF"/>
-                </a:solidFill>
-                <a:latin typeface="Arial" panose="020B0604020202020204" pitchFamily="34" charset="0"/>
-                <a:cs typeface="Arial" panose="020B0604020202020204" pitchFamily="34" charset="0"/>
+              <a:rPr sz="2400" spc="-75" dirty="0">
+                <a:solidFill>
+                  <a:srgbClr val="FFFFFF"/>
+                </a:solidFill>
+                <a:latin typeface="Lucida Sans Unicode"/>
+                <a:cs typeface="Arial"/>
+              </a:rPr>
+              <a:t> </a:t>
+            </a:r>
+            <a:r>
+              <a:rPr sz="2400" spc="-114" dirty="0">
+                <a:solidFill>
+                  <a:srgbClr val="FFFFFF"/>
+                </a:solidFill>
+                <a:latin typeface="Lucida Sans Unicode"/>
+                <a:cs typeface="Arial"/>
               </a:rPr>
               <a:t>open</a:t>
             </a:r>
             <a:r>
-              <a:rPr sz="2400" spc="-170">
-                <a:solidFill>
-                  <a:srgbClr val="FFFFFF"/>
-                </a:solidFill>
-                <a:latin typeface="Arial" panose="020B0604020202020204" pitchFamily="34" charset="0"/>
-                <a:cs typeface="Arial" panose="020B0604020202020204" pitchFamily="34" charset="0"/>
-              </a:rPr>
-              <a:t> </a:t>
-            </a:r>
-            <a:r>
-              <a:rPr sz="2400" spc="-10">
-                <a:solidFill>
-                  <a:srgbClr val="FFFFFF"/>
-                </a:solidFill>
-                <a:latin typeface="Arial" panose="020B0604020202020204" pitchFamily="34" charset="0"/>
-                <a:cs typeface="Arial" panose="020B0604020202020204" pitchFamily="34" charset="0"/>
+              <a:rPr sz="2400" spc="-170" dirty="0">
+                <a:solidFill>
+                  <a:srgbClr val="FFFFFF"/>
+                </a:solidFill>
+                <a:latin typeface="Lucida Sans Unicode"/>
+                <a:cs typeface="Arial"/>
+              </a:rPr>
+              <a:t> </a:t>
+            </a:r>
+            <a:r>
+              <a:rPr sz="2400" spc="-10" dirty="0">
+                <a:solidFill>
+                  <a:srgbClr val="FFFFFF"/>
+                </a:solidFill>
+                <a:latin typeface="Lucida Sans Unicode"/>
+                <a:cs typeface="Arial"/>
               </a:rPr>
               <a:t>source</a:t>
             </a:r>
             <a:endParaRPr sz="2400">
-              <a:latin typeface="Arial" panose="020B0604020202020204" pitchFamily="34" charset="0"/>
-              <a:cs typeface="Arial" panose="020B0604020202020204" pitchFamily="34" charset="0"/>
+              <a:latin typeface="Lucida Sans Unicode"/>
+              <a:cs typeface="Arial"/>
             </a:endParaRPr>
           </a:p>
           <a:p>
@@ -5889,52 +5789,52 @@
               </a:spcBef>
             </a:pPr>
             <a:r>
-              <a:rPr sz="2400">
-                <a:solidFill>
-                  <a:srgbClr val="FFFFFF"/>
-                </a:solidFill>
-                <a:latin typeface="Arial" panose="020B0604020202020204" pitchFamily="34" charset="0"/>
-                <a:cs typeface="Arial" panose="020B0604020202020204" pitchFamily="34" charset="0"/>
+              <a:rPr sz="2400" err="1">
+                <a:solidFill>
+                  <a:srgbClr val="FFFFFF"/>
+                </a:solidFill>
+                <a:latin typeface="Lucida Sans Unicode"/>
+                <a:cs typeface="Arial"/>
               </a:rPr>
               <a:t>elencati</a:t>
             </a:r>
             <a:r>
-              <a:rPr sz="2400" spc="-45">
-                <a:solidFill>
-                  <a:srgbClr val="FFFFFF"/>
-                </a:solidFill>
-                <a:latin typeface="Arial" panose="020B0604020202020204" pitchFamily="34" charset="0"/>
-                <a:cs typeface="Arial" panose="020B0604020202020204" pitchFamily="34" charset="0"/>
-              </a:rPr>
-              <a:t> </a:t>
-            </a:r>
-            <a:r>
-              <a:rPr sz="2400">
-                <a:solidFill>
-                  <a:srgbClr val="FFFFFF"/>
-                </a:solidFill>
-                <a:latin typeface="Arial" panose="020B0604020202020204" pitchFamily="34" charset="0"/>
-                <a:cs typeface="Arial" panose="020B0604020202020204" pitchFamily="34" charset="0"/>
+              <a:rPr sz="2400" spc="-45" dirty="0">
+                <a:solidFill>
+                  <a:srgbClr val="FFFFFF"/>
+                </a:solidFill>
+                <a:latin typeface="Lucida Sans Unicode"/>
+                <a:cs typeface="Arial"/>
+              </a:rPr>
+              <a:t> </a:t>
+            </a:r>
+            <a:r>
+              <a:rPr sz="2400" err="1">
+                <a:solidFill>
+                  <a:srgbClr val="FFFFFF"/>
+                </a:solidFill>
+                <a:latin typeface="Lucida Sans Unicode"/>
+                <a:cs typeface="Arial"/>
               </a:rPr>
               <a:t>nel</a:t>
             </a:r>
             <a:r>
-              <a:rPr sz="2400" spc="-10">
-                <a:solidFill>
-                  <a:srgbClr val="FFFFFF"/>
-                </a:solidFill>
-                <a:latin typeface="Arial" panose="020B0604020202020204" pitchFamily="34" charset="0"/>
-                <a:cs typeface="Arial" panose="020B0604020202020204" pitchFamily="34" charset="0"/>
+              <a:rPr sz="2400" spc="-10" dirty="0">
+                <a:solidFill>
+                  <a:srgbClr val="FFFFFF"/>
+                </a:solidFill>
+                <a:latin typeface="Lucida Sans Unicode"/>
+                <a:cs typeface="Arial"/>
               </a:rPr>
               <a:t> dataset.</a:t>
             </a:r>
             <a:endParaRPr sz="2400">
-              <a:latin typeface="Arial" panose="020B0604020202020204" pitchFamily="34" charset="0"/>
-              <a:cs typeface="Arial" panose="020B0604020202020204" pitchFamily="34" charset="0"/>
+              <a:latin typeface="Lucida Sans Unicode"/>
+              <a:cs typeface="Arial"/>
             </a:endParaRPr>
           </a:p>
           <a:p>
-            <a:pPr marL="297180" indent="-246379">
+            <a:pPr marL="297180" indent="-245745">
               <a:lnSpc>
                 <a:spcPct val="100000"/>
               </a:lnSpc>
@@ -5948,118 +5848,118 @@
               </a:tabLst>
             </a:pPr>
             <a:r>
-              <a:rPr sz="2400" spc="-120">
-                <a:solidFill>
-                  <a:srgbClr val="FFFFFF"/>
-                </a:solidFill>
-                <a:latin typeface="Arial" panose="020B0604020202020204" pitchFamily="34" charset="0"/>
-                <a:cs typeface="Arial" panose="020B0604020202020204" pitchFamily="34" charset="0"/>
+              <a:rPr sz="2400" spc="-120" err="1">
+                <a:solidFill>
+                  <a:srgbClr val="FFFFFF"/>
+                </a:solidFill>
+                <a:latin typeface="Lucida Sans Unicode"/>
+                <a:cs typeface="Arial"/>
               </a:rPr>
               <a:t>Processo</a:t>
             </a:r>
             <a:r>
-              <a:rPr sz="2400" spc="-50">
-                <a:solidFill>
-                  <a:srgbClr val="FFFFFF"/>
-                </a:solidFill>
-                <a:latin typeface="Arial" panose="020B0604020202020204" pitchFamily="34" charset="0"/>
-                <a:cs typeface="Arial" panose="020B0604020202020204" pitchFamily="34" charset="0"/>
-              </a:rPr>
-              <a:t> </a:t>
-            </a:r>
-            <a:r>
-              <a:rPr sz="2400" spc="-75">
-                <a:solidFill>
-                  <a:srgbClr val="FFFFFF"/>
-                </a:solidFill>
-                <a:latin typeface="Arial" panose="020B0604020202020204" pitchFamily="34" charset="0"/>
-                <a:cs typeface="Arial" panose="020B0604020202020204" pitchFamily="34" charset="0"/>
+              <a:rPr sz="2400" spc="-50" dirty="0">
+                <a:solidFill>
+                  <a:srgbClr val="FFFFFF"/>
+                </a:solidFill>
+                <a:latin typeface="Lucida Sans Unicode"/>
+                <a:cs typeface="Arial"/>
+              </a:rPr>
+              <a:t> </a:t>
+            </a:r>
+            <a:r>
+              <a:rPr sz="2400" spc="-75" err="1">
+                <a:solidFill>
+                  <a:srgbClr val="FFFFFF"/>
+                </a:solidFill>
+                <a:latin typeface="Lucida Sans Unicode"/>
+                <a:cs typeface="Arial"/>
               </a:rPr>
               <a:t>più</a:t>
             </a:r>
             <a:r>
-              <a:rPr sz="2400" spc="-55">
-                <a:solidFill>
-                  <a:srgbClr val="FFFFFF"/>
-                </a:solidFill>
-                <a:latin typeface="Arial" panose="020B0604020202020204" pitchFamily="34" charset="0"/>
-                <a:cs typeface="Arial" panose="020B0604020202020204" pitchFamily="34" charset="0"/>
-              </a:rPr>
-              <a:t> </a:t>
-            </a:r>
-            <a:r>
-              <a:rPr sz="2400" spc="-150">
-                <a:solidFill>
-                  <a:srgbClr val="FFFFFF"/>
-                </a:solidFill>
-                <a:latin typeface="Arial" panose="020B0604020202020204" pitchFamily="34" charset="0"/>
-                <a:cs typeface="Arial" panose="020B0604020202020204" pitchFamily="34" charset="0"/>
+              <a:rPr sz="2400" spc="-55" dirty="0">
+                <a:solidFill>
+                  <a:srgbClr val="FFFFFF"/>
+                </a:solidFill>
+                <a:latin typeface="Lucida Sans Unicode"/>
+                <a:cs typeface="Arial"/>
+              </a:rPr>
+              <a:t> </a:t>
+            </a:r>
+            <a:r>
+              <a:rPr sz="2400" spc="-150" err="1">
+                <a:solidFill>
+                  <a:srgbClr val="FFFFFF"/>
+                </a:solidFill>
+                <a:latin typeface="Lucida Sans Unicode"/>
+                <a:cs typeface="Arial"/>
               </a:rPr>
               <a:t>rapido</a:t>
             </a:r>
             <a:r>
-              <a:rPr sz="2400" spc="-60">
-                <a:solidFill>
-                  <a:srgbClr val="FFFFFF"/>
-                </a:solidFill>
-                <a:latin typeface="Arial" panose="020B0604020202020204" pitchFamily="34" charset="0"/>
-                <a:cs typeface="Arial" panose="020B0604020202020204" pitchFamily="34" charset="0"/>
-              </a:rPr>
-              <a:t> </a:t>
-            </a:r>
-            <a:r>
-              <a:rPr sz="2400">
-                <a:solidFill>
-                  <a:srgbClr val="FFFFFF"/>
-                </a:solidFill>
-                <a:latin typeface="Arial" panose="020B0604020202020204" pitchFamily="34" charset="0"/>
-                <a:cs typeface="Arial" panose="020B0604020202020204" pitchFamily="34" charset="0"/>
+              <a:rPr sz="2400" spc="-60" dirty="0">
+                <a:solidFill>
+                  <a:srgbClr val="FFFFFF"/>
+                </a:solidFill>
+                <a:latin typeface="Lucida Sans Unicode"/>
+                <a:cs typeface="Arial"/>
+              </a:rPr>
+              <a:t> </a:t>
+            </a:r>
+            <a:r>
+              <a:rPr sz="2400" dirty="0">
+                <a:solidFill>
+                  <a:srgbClr val="FFFFFF"/>
+                </a:solidFill>
+                <a:latin typeface="Lucida Sans Unicode"/>
+                <a:cs typeface="Arial"/>
               </a:rPr>
               <a:t>e</a:t>
             </a:r>
             <a:r>
-              <a:rPr sz="2400" spc="5">
-                <a:solidFill>
-                  <a:srgbClr val="FFFFFF"/>
-                </a:solidFill>
-                <a:latin typeface="Arial" panose="020B0604020202020204" pitchFamily="34" charset="0"/>
-                <a:cs typeface="Arial" panose="020B0604020202020204" pitchFamily="34" charset="0"/>
-              </a:rPr>
-              <a:t> </a:t>
-            </a:r>
-            <a:r>
-              <a:rPr sz="2400" spc="-120">
-                <a:solidFill>
-                  <a:srgbClr val="FFFFFF"/>
-                </a:solidFill>
-                <a:latin typeface="Arial" panose="020B0604020202020204" pitchFamily="34" charset="0"/>
-                <a:cs typeface="Arial" panose="020B0604020202020204" pitchFamily="34" charset="0"/>
+              <a:rPr sz="2400" spc="5" dirty="0">
+                <a:solidFill>
+                  <a:srgbClr val="FFFFFF"/>
+                </a:solidFill>
+                <a:latin typeface="Lucida Sans Unicode"/>
+                <a:cs typeface="Arial"/>
+              </a:rPr>
+              <a:t> </a:t>
+            </a:r>
+            <a:r>
+              <a:rPr sz="2400" spc="-120" err="1">
+                <a:solidFill>
+                  <a:srgbClr val="FFFFFF"/>
+                </a:solidFill>
+                <a:latin typeface="Lucida Sans Unicode"/>
+                <a:cs typeface="Arial"/>
               </a:rPr>
               <a:t>affidabile</a:t>
             </a:r>
             <a:r>
-              <a:rPr sz="2400" spc="-425">
-                <a:solidFill>
-                  <a:srgbClr val="FFFFFF"/>
-                </a:solidFill>
-                <a:latin typeface="Arial" panose="020B0604020202020204" pitchFamily="34" charset="0"/>
-                <a:cs typeface="Arial" panose="020B0604020202020204" pitchFamily="34" charset="0"/>
-              </a:rPr>
-              <a:t> </a:t>
-            </a:r>
-            <a:r>
-              <a:rPr sz="2400" spc="-50">
-                <a:solidFill>
-                  <a:srgbClr val="FFFFFF"/>
-                </a:solidFill>
-                <a:latin typeface="Arial" panose="020B0604020202020204" pitchFamily="34" charset="0"/>
-                <a:cs typeface="Arial" panose="020B0604020202020204" pitchFamily="34" charset="0"/>
+              <a:rPr sz="2400" spc="-425" dirty="0">
+                <a:solidFill>
+                  <a:srgbClr val="FFFFFF"/>
+                </a:solidFill>
+                <a:latin typeface="Lucida Sans Unicode"/>
+                <a:cs typeface="Arial"/>
+              </a:rPr>
+              <a:t> </a:t>
+            </a:r>
+            <a:r>
+              <a:rPr sz="2400" spc="-50" dirty="0">
+                <a:solidFill>
+                  <a:srgbClr val="FFFFFF"/>
+                </a:solidFill>
+                <a:latin typeface="Lucida Sans Unicode"/>
+                <a:cs typeface="Arial"/>
               </a:rPr>
               <a:t>.</a:t>
             </a:r>
-            <a:endParaRPr sz="2400">
-              <a:latin typeface="Arial" panose="020B0604020202020204" pitchFamily="34" charset="0"/>
-              <a:cs typeface="Arial" panose="020B0604020202020204" pitchFamily="34" charset="0"/>
+            <a:endParaRPr sz="2400" dirty="0">
+              <a:latin typeface="Lucida Sans Unicode"/>
+              <a:cs typeface="Arial"/>
             </a:endParaRPr>
           </a:p>
         </p:txBody>
@@ -6418,8 +6318,8 @@
         </p:nvSpPr>
         <p:spPr>
           <a:xfrm>
-            <a:off x="3940754" y="1070794"/>
-            <a:ext cx="10649677" cy="1245213"/>
+            <a:off x="3168457" y="1070794"/>
+            <a:ext cx="13006286" cy="1306768"/>
           </a:xfrm>
           <a:prstGeom prst="rect">
             <a:avLst/>
@@ -6440,24 +6340,28 @@
               </a:tabLst>
             </a:pPr>
             <a:r>
-              <a:rPr lang="en-US" sz="8000">
+              <a:rPr lang="en-US" sz="8400" dirty="0">
+                <a:latin typeface="Lucida Sans Unicode"/>
                 <a:cs typeface="Arial"/>
               </a:rPr>
               <a:t>Architettura </a:t>
             </a:r>
             <a:r>
-              <a:rPr lang="en-US" sz="8000" err="1">
+              <a:rPr lang="en-US" sz="8400" err="1">
+                <a:latin typeface="Lucida Sans Unicode"/>
                 <a:cs typeface="Arial"/>
               </a:rPr>
               <a:t>dello</a:t>
             </a:r>
             <a:r>
-              <a:rPr lang="en-US" sz="8000">
+              <a:rPr lang="en-US" sz="8400" dirty="0">
+                <a:latin typeface="Lucida Sans Unicode"/>
                 <a:cs typeface="Arial"/>
               </a:rPr>
               <a:t> Script</a:t>
             </a:r>
-            <a:endParaRPr lang="en-US" sz="8000">
+            <a:endParaRPr lang="en-US" sz="8400">
+              <a:latin typeface="Lucida Sans Unicode"/>
               <a:cs typeface="Arial" panose="020B0604020202020204" pitchFamily="34" charset="0"/>
             </a:endParaRPr>
           </a:p>
@@ -6472,14 +6376,14 @@
         <p:spPr>
           <a:xfrm>
             <a:off x="2743201" y="4371263"/>
-            <a:ext cx="2407158" cy="1385572"/>
+            <a:ext cx="2407158" cy="951543"/>
           </a:xfrm>
           <a:prstGeom prst="rect">
             <a:avLst/>
           </a:prstGeom>
         </p:spPr>
         <p:txBody>
-          <a:bodyPr vert="horz" wrap="square" lIns="0" tIns="12065" rIns="0" bIns="0" rtlCol="0">
+          <a:bodyPr vert="horz" wrap="square" lIns="0" tIns="12065" rIns="0" bIns="0" rtlCol="0" anchor="t">
             <a:spAutoFit/>
           </a:bodyPr>
           <a:lstStyle/>
@@ -6493,38 +6397,61 @@
               </a:spcBef>
             </a:pPr>
             <a:r>
-              <a:rPr sz="2800" spc="-375">
+              <a:rPr lang="en-US" sz="2800" spc="-340" dirty="0" err="1">
                 <a:solidFill>
                   <a:srgbClr val="09122D"/>
                 </a:solidFill>
-                <a:latin typeface="Arial" panose="020B0604020202020204" pitchFamily="34" charset="0"/>
-                <a:cs typeface="Arial" panose="020B0604020202020204" pitchFamily="34" charset="0"/>
-              </a:rPr>
-              <a:t>IDENTIFICAZINE </a:t>
-            </a:r>
-            <a:r>
-              <a:rPr sz="2800" spc="-50">
+                <a:latin typeface="Lucida Sans Unicode"/>
+                <a:cs typeface="Arial"/>
+              </a:rPr>
+              <a:t>Identificazione</a:t>
+            </a:r>
+            <a:r>
+              <a:rPr lang="en-US" sz="2800" spc="-340" dirty="0">
                 <a:solidFill>
                   <a:srgbClr val="09122D"/>
                 </a:solidFill>
-                <a:latin typeface="Arial" panose="020B0604020202020204" pitchFamily="34" charset="0"/>
-                <a:cs typeface="Arial" panose="020B0604020202020204" pitchFamily="34" charset="0"/>
-              </a:rPr>
-              <a:t>DELLE </a:t>
-            </a:r>
-            <a:r>
-              <a:rPr sz="2800" spc="-340">
+                <a:latin typeface="Lucida Sans Unicode"/>
+                <a:cs typeface="Arial"/>
+              </a:rPr>
+              <a:t> </a:t>
+            </a:r>
+            <a:r>
+              <a:rPr lang="en-US" sz="2800" spc="-340" dirty="0" err="1">
                 <a:solidFill>
                   <a:srgbClr val="09122D"/>
                 </a:solidFill>
-                <a:latin typeface="Arial" panose="020B0604020202020204" pitchFamily="34" charset="0"/>
-                <a:cs typeface="Arial" panose="020B0604020202020204" pitchFamily="34" charset="0"/>
-              </a:rPr>
-              <a:t>DIPENDENZE</a:t>
-            </a:r>
-            <a:endParaRPr sz="2800">
-              <a:latin typeface="Arial" panose="020B0604020202020204" pitchFamily="34" charset="0"/>
-              <a:cs typeface="Arial" panose="020B0604020202020204" pitchFamily="34" charset="0"/>
+                <a:latin typeface="Lucida Sans Unicode"/>
+                <a:cs typeface="Arial"/>
+              </a:rPr>
+              <a:t>delle</a:t>
+            </a:r>
+            <a:r>
+              <a:rPr lang="en-US" sz="2800" spc="-340" dirty="0">
+                <a:solidFill>
+                  <a:srgbClr val="09122D"/>
+                </a:solidFill>
+                <a:latin typeface="Lucida Sans Unicode"/>
+                <a:cs typeface="Arial"/>
+              </a:rPr>
+              <a:t> </a:t>
+            </a:r>
+            <a:r>
+              <a:rPr lang="en-US" sz="2800" spc="-340" dirty="0" err="1">
+                <a:solidFill>
+                  <a:srgbClr val="09122D"/>
+                </a:solidFill>
+                <a:latin typeface="Lucida Sans Unicode"/>
+                <a:cs typeface="Arial"/>
+              </a:rPr>
+              <a:t>Dipendenze</a:t>
+            </a:r>
+            <a:endParaRPr sz="2800" spc="-340" dirty="0" err="1">
+              <a:solidFill>
+                <a:srgbClr val="09122D"/>
+              </a:solidFill>
+              <a:latin typeface="Lucida Sans Unicode"/>
+              <a:cs typeface="Arial"/>
             </a:endParaRPr>
           </a:p>
         </p:txBody>
@@ -6537,15 +6464,15 @@
         </p:nvSpPr>
         <p:spPr>
           <a:xfrm>
-            <a:off x="8063230" y="4371263"/>
-            <a:ext cx="2060575" cy="1621790"/>
+            <a:off x="7664313" y="4599863"/>
+            <a:ext cx="2261372" cy="817275"/>
           </a:xfrm>
           <a:prstGeom prst="rect">
             <a:avLst/>
           </a:prstGeom>
         </p:spPr>
         <p:txBody>
-          <a:bodyPr vert="horz" wrap="square" lIns="0" tIns="12065" rIns="0" bIns="0" rtlCol="0">
+          <a:bodyPr vert="horz" wrap="square" lIns="0" tIns="12065" rIns="0" bIns="0" rtlCol="0" anchor="t">
             <a:spAutoFit/>
           </a:bodyPr>
           <a:lstStyle/>
@@ -6559,123 +6486,55 @@
               </a:spcBef>
             </a:pPr>
             <a:r>
-              <a:rPr sz="2400" spc="-270">
+              <a:rPr lang="en-US" sz="2400" spc="-375" dirty="0" err="1">
                 <a:solidFill>
                   <a:srgbClr val="09122D"/>
                 </a:solidFill>
-                <a:latin typeface="Arial MT"/>
+                <a:latin typeface="Lucida Sans Unicode"/>
                 <a:cs typeface="Arial MT"/>
               </a:rPr>
-              <a:t>ANALISI</a:t>
-            </a:r>
-            <a:r>
-              <a:rPr sz="2400" spc="-114">
+              <a:t>Analisi</a:t>
+            </a:r>
+            <a:r>
+              <a:rPr lang="en-US" sz="2400" spc="-375" dirty="0">
                 <a:solidFill>
                   <a:srgbClr val="09122D"/>
                 </a:solidFill>
-                <a:latin typeface="Arial MT"/>
+                <a:latin typeface="Lucida Sans Unicode"/>
                 <a:cs typeface="Arial MT"/>
               </a:rPr>
               <a:t> </a:t>
             </a:r>
             <a:r>
-              <a:rPr sz="2400" spc="-325">
+              <a:rPr lang="en-US" sz="2400" spc="-375" dirty="0" err="1">
                 <a:solidFill>
                   <a:srgbClr val="09122D"/>
                 </a:solidFill>
-                <a:latin typeface="Arial MT"/>
+                <a:latin typeface="Lucida Sans Unicode"/>
                 <a:cs typeface="Arial MT"/>
               </a:rPr>
-              <a:t>DELLE </a:t>
-            </a:r>
-            <a:r>
-              <a:rPr sz="2400" spc="-375">
+              <a:t>delle</a:t>
+            </a:r>
+            <a:r>
+              <a:rPr lang="en-US" sz="2400" spc="-375" dirty="0">
                 <a:solidFill>
                   <a:srgbClr val="09122D"/>
                 </a:solidFill>
-                <a:latin typeface="Arial MT"/>
+                <a:latin typeface="Lucida Sans Unicode"/>
                 <a:cs typeface="Arial MT"/>
               </a:rPr>
-              <a:t>VULNERABILITA'</a:t>
-            </a:r>
-            <a:endParaRPr sz="2400">
-              <a:latin typeface="Arial MT"/>
-              <a:cs typeface="Arial MT"/>
-            </a:endParaRPr>
-          </a:p>
-          <a:p>
-            <a:pPr marL="12700" marR="5080" indent="129539" algn="ctr">
-              <a:lnSpc>
-                <a:spcPts val="3170"/>
-              </a:lnSpc>
-              <a:spcBef>
-                <a:spcPts val="65"/>
-              </a:spcBef>
-            </a:pPr>
-            <a:r>
-              <a:rPr sz="2400" spc="-150">
+              <a:t> </a:t>
+            </a:r>
+            <a:r>
+              <a:rPr lang="en-US" sz="2400" spc="-375" dirty="0" err="1">
                 <a:solidFill>
                   <a:srgbClr val="09122D"/>
                 </a:solidFill>
-                <a:latin typeface="Arial MT"/>
+                <a:latin typeface="Lucida Sans Unicode"/>
                 <a:cs typeface="Arial MT"/>
               </a:rPr>
-              <a:t>OSV.dev</a:t>
-            </a:r>
-            <a:r>
-              <a:rPr sz="2400" spc="-195">
-                <a:solidFill>
-                  <a:srgbClr val="09122D"/>
-                </a:solidFill>
-                <a:latin typeface="Arial MT"/>
-                <a:cs typeface="Arial MT"/>
-              </a:rPr>
-              <a:t> </a:t>
-            </a:r>
-            <a:r>
-              <a:rPr sz="2400" spc="-315">
-                <a:solidFill>
-                  <a:srgbClr val="09122D"/>
-                </a:solidFill>
-                <a:latin typeface="Arial MT"/>
-                <a:cs typeface="Arial MT"/>
-              </a:rPr>
-              <a:t>, </a:t>
-            </a:r>
-            <a:r>
-              <a:rPr sz="2400" spc="-145">
-                <a:solidFill>
-                  <a:srgbClr val="09122D"/>
-                </a:solidFill>
-                <a:latin typeface="Arial MT"/>
-                <a:cs typeface="Arial MT"/>
-              </a:rPr>
-              <a:t>GitHub</a:t>
-            </a:r>
-            <a:r>
-              <a:rPr sz="2400" spc="-254">
-                <a:solidFill>
-                  <a:srgbClr val="09122D"/>
-                </a:solidFill>
-                <a:latin typeface="Arial MT"/>
-                <a:cs typeface="Arial MT"/>
-              </a:rPr>
-              <a:t> </a:t>
-            </a:r>
-            <a:r>
-              <a:rPr sz="2400" spc="-125">
-                <a:solidFill>
-                  <a:srgbClr val="09122D"/>
-                </a:solidFill>
-                <a:latin typeface="Arial MT"/>
-                <a:cs typeface="Arial MT"/>
-              </a:rPr>
-              <a:t>Advisory)</a:t>
-            </a:r>
-            <a:endParaRPr sz="2400">
-              <a:latin typeface="Arial MT"/>
-              <a:cs typeface="Arial MT"/>
-            </a:endParaRPr>
+              <a:t>Vulnerabilità</a:t>
+            </a:r>
           </a:p>
         </p:txBody>
       </p:sp>
@@ -6687,15 +6546,15 @@
         </p:nvSpPr>
         <p:spPr>
           <a:xfrm>
-            <a:off x="12650216" y="4777918"/>
-            <a:ext cx="2700020" cy="821690"/>
+            <a:off x="12650216" y="4441196"/>
+            <a:ext cx="2700020" cy="1560684"/>
           </a:xfrm>
           <a:prstGeom prst="rect">
             <a:avLst/>
           </a:prstGeom>
         </p:spPr>
         <p:txBody>
-          <a:bodyPr vert="horz" wrap="square" lIns="0" tIns="44450" rIns="0" bIns="0" rtlCol="0">
+          <a:bodyPr vert="horz" wrap="square" lIns="0" tIns="44450" rIns="0" bIns="0" rtlCol="0" anchor="t">
             <a:spAutoFit/>
           </a:bodyPr>
           <a:lstStyle/>
@@ -6709,61 +6568,51 @@
               </a:spcBef>
             </a:pPr>
             <a:r>
-              <a:rPr sz="2400" spc="-405">
+              <a:rPr lang="en-US" sz="2400" spc="-405" dirty="0" err="1">
                 <a:solidFill>
                   <a:srgbClr val="09122D"/>
                 </a:solidFill>
-                <a:latin typeface="Arial MT"/>
+                <a:latin typeface="Lucida Sans Unicode"/>
                 <a:cs typeface="Arial MT"/>
               </a:rPr>
-              <a:t>GENERAZIONE</a:t>
-            </a:r>
-            <a:r>
-              <a:rPr sz="2400" spc="180">
+              <a:t>Generazione</a:t>
+            </a:r>
+            <a:r>
+              <a:rPr sz="2400" spc="180" dirty="0">
                 <a:solidFill>
                   <a:srgbClr val="09122D"/>
                 </a:solidFill>
-                <a:latin typeface="Arial MT"/>
+                <a:latin typeface="Lucida Sans Unicode"/>
                 <a:cs typeface="Arial MT"/>
               </a:rPr>
               <a:t> </a:t>
             </a:r>
-            <a:r>
-              <a:rPr sz="2400" spc="-110">
-                <a:solidFill>
-                  <a:srgbClr val="09122D"/>
-                </a:solidFill>
-                <a:latin typeface="Arial MT"/>
-                <a:cs typeface="Arial MT"/>
-              </a:rPr>
-              <a:t>DELLO</a:t>
-            </a:r>
-            <a:endParaRPr sz="2400">
-              <a:latin typeface="Arial MT"/>
+            <a:endParaRPr sz="2400" spc="-110" dirty="0">
+              <a:solidFill>
+                <a:srgbClr val="09122D"/>
+              </a:solidFill>
+              <a:latin typeface="Lucida Sans Unicode"/>
               <a:cs typeface="Arial MT"/>
             </a:endParaRPr>
           </a:p>
           <a:p>
             <a:pPr algn="ctr">
-              <a:lnSpc>
-                <a:spcPct val="100000"/>
-              </a:lnSpc>
               <a:spcBef>
                 <a:spcPts val="254"/>
               </a:spcBef>
             </a:pPr>
             <a:r>
-              <a:rPr sz="2400" spc="-20">
+              <a:rPr lang="en-US" sz="2400" spc="-20" dirty="0">
                 <a:solidFill>
                   <a:srgbClr val="09122D"/>
                 </a:solidFill>
-                <a:latin typeface="Arial MT"/>
+                <a:latin typeface="Lucida Sans Unicode"/>
                 <a:cs typeface="Arial MT"/>
               </a:rPr>
-              <a:t>SboM</a:t>
-            </a:r>
-            <a:endParaRPr sz="2400">
-              <a:latin typeface="Arial MT"/>
+              <a:t>SBOM e Vulnerability Report</a:t>
+            </a:r>
+            <a:endParaRPr sz="2400" dirty="0" err="1">
+              <a:latin typeface="Lucida Sans Unicode"/>
               <a:cs typeface="Arial MT"/>
             </a:endParaRPr>
           </a:p>
@@ -6777,15 +6626,15 @@
         </p:nvSpPr>
         <p:spPr>
           <a:xfrm>
-            <a:off x="8164194" y="7796453"/>
-            <a:ext cx="1951989" cy="1224280"/>
+            <a:off x="8118474" y="8025053"/>
+            <a:ext cx="1951989" cy="822789"/>
           </a:xfrm>
           <a:prstGeom prst="rect">
             <a:avLst/>
           </a:prstGeom>
         </p:spPr>
         <p:txBody>
-          <a:bodyPr vert="horz" wrap="square" lIns="0" tIns="10160" rIns="0" bIns="0" rtlCol="0">
+          <a:bodyPr vert="horz" wrap="square" lIns="0" tIns="10160" rIns="0" bIns="0" rtlCol="0" anchor="t">
             <a:spAutoFit/>
           </a:bodyPr>
           <a:lstStyle/>
@@ -6799,37 +6648,50 @@
               </a:spcBef>
             </a:pPr>
             <a:r>
-              <a:rPr sz="2400" spc="-275">
+              <a:rPr lang="en-US" sz="2400" spc="-425" dirty="0" err="1">
                 <a:solidFill>
                   <a:srgbClr val="09122D"/>
                 </a:solidFill>
-                <a:latin typeface="Arial MT"/>
+                <a:latin typeface="Lucida Sans Unicode"/>
                 <a:cs typeface="Arial MT"/>
               </a:rPr>
-              <a:t>AUTOMAZIONE </a:t>
-            </a:r>
-            <a:r>
-              <a:rPr sz="2400" spc="-10">
+              <a:t>Automazione</a:t>
+            </a:r>
+            <a:r>
+              <a:rPr lang="en-US" sz="2400" spc="-425" dirty="0">
                 <a:solidFill>
                   <a:srgbClr val="09122D"/>
                 </a:solidFill>
-                <a:latin typeface="Arial MT"/>
+                <a:latin typeface="Lucida Sans Unicode"/>
                 <a:cs typeface="Arial MT"/>
               </a:rPr>
-              <a:t>DEGLI </a:t>
-            </a:r>
-            <a:r>
-              <a:rPr sz="2400" spc="-425">
+              <a:t> </a:t>
+            </a:r>
+            <a:r>
+              <a:rPr lang="en-US" sz="2400" spc="-425" dirty="0" err="1">
                 <a:solidFill>
                   <a:srgbClr val="09122D"/>
                 </a:solidFill>
-                <a:latin typeface="Arial MT"/>
+                <a:latin typeface="Lucida Sans Unicode"/>
                 <a:cs typeface="Arial MT"/>
               </a:rPr>
-              <a:t>AGGIORNAMENTI</a:t>
-            </a:r>
-            <a:endParaRPr sz="2400">
-              <a:latin typeface="Arial MT"/>
+              <a:t>degli</a:t>
+            </a:r>
+            <a:r>
+              <a:rPr lang="en-US" sz="2400" spc="-425" dirty="0">
+                <a:solidFill>
+                  <a:srgbClr val="09122D"/>
+                </a:solidFill>
+                <a:latin typeface="Lucida Sans Unicode"/>
+                <a:cs typeface="Arial MT"/>
+              </a:rPr>
+              <a:t> aggiornamenti</a:t>
+            </a:r>
+            <a:endParaRPr sz="2400" spc="-425" dirty="0">
+              <a:solidFill>
+                <a:srgbClr val="09122D"/>
+              </a:solidFill>
+              <a:latin typeface="Lucida Sans Unicode"/>
               <a:cs typeface="Arial MT"/>
             </a:endParaRPr>
           </a:p>
@@ -6872,8 +6734,8 @@
         </p:nvSpPr>
         <p:spPr>
           <a:xfrm>
-            <a:off x="3651014" y="-184527"/>
-            <a:ext cx="9212435" cy="1486175"/>
+            <a:off x="3651014" y="170730"/>
+            <a:ext cx="9212435" cy="809067"/>
           </a:xfrm>
           <a:prstGeom prst="rect">
             <a:avLst/>
@@ -6894,26 +6756,38 @@
               </a:spcBef>
             </a:pPr>
             <a:r>
-              <a:rPr spc="-220"/>
+              <a:rPr sz="4000" spc="-220" err="1">
+                <a:latin typeface="Lucida Sans Unicode"/>
+              </a:rPr>
               <a:t>Simulazione</a:t>
             </a:r>
             <a:r>
-              <a:rPr sz="8400" spc="-459"/>
-              <a:t> </a:t>
-            </a:r>
-            <a:r>
-              <a:rPr spc="-165"/>
+              <a:rPr sz="4000" spc="-459" dirty="0">
+                <a:latin typeface="Lucida Sans Unicode"/>
+              </a:rPr>
+              <a:t> </a:t>
+            </a:r>
+            <a:r>
+              <a:rPr sz="4000" spc="-165" err="1">
+                <a:latin typeface="Lucida Sans Unicode"/>
+              </a:rPr>
               <a:t>Esecuzione</a:t>
             </a:r>
             <a:r>
-              <a:rPr spc="80"/>
-              <a:t> </a:t>
-            </a:r>
-            <a:r>
-              <a:rPr spc="-50"/>
+              <a:rPr sz="4000" spc="80" dirty="0">
+                <a:latin typeface="Lucida Sans Unicode"/>
+              </a:rPr>
+              <a:t> </a:t>
+            </a:r>
+            <a:r>
+              <a:rPr sz="4000" spc="-50" dirty="0">
+                <a:latin typeface="Lucida Sans Unicode"/>
+              </a:rPr>
               <a:t>1</a:t>
             </a:r>
-            <a:endParaRPr lang="en-US" spc="-50"/>
+            <a:endParaRPr lang="en-US" sz="4000" spc="-50">
+              <a:latin typeface="Lucida Sans Unicode"/>
+            </a:endParaRPr>
           </a:p>
         </p:txBody>
       </p:sp>
@@ -6975,12 +6849,16 @@
           </p:nvPr>
         </p:nvSpPr>
         <p:spPr>
+          <a:xfrm>
+            <a:off x="3732657" y="-53898"/>
+            <a:ext cx="11759691" cy="866005"/>
+          </a:xfrm>
           <a:prstGeom prst="rect">
             <a:avLst/>
           </a:prstGeom>
         </p:spPr>
         <p:txBody>
-          <a:bodyPr vert="horz" wrap="square" lIns="0" tIns="232790" rIns="0" bIns="0" rtlCol="0">
+          <a:bodyPr vert="horz" wrap="square" lIns="0" tIns="232790" rIns="0" bIns="0" rtlCol="0" anchor="t">
             <a:spAutoFit/>
           </a:bodyPr>
           <a:lstStyle/>
@@ -6994,25 +6872,38 @@
               </a:spcBef>
             </a:pPr>
             <a:r>
-              <a:rPr spc="-220"/>
+              <a:rPr sz="4000" spc="-220" err="1">
+                <a:latin typeface="Lucida Sans Unicode"/>
+              </a:rPr>
               <a:t>Simulazione</a:t>
             </a:r>
             <a:r>
-              <a:rPr spc="-459"/>
-              <a:t> </a:t>
-            </a:r>
-            <a:r>
-              <a:rPr spc="-165"/>
+              <a:rPr sz="4000" spc="-459" dirty="0">
+                <a:latin typeface="Lucida Sans Unicode"/>
+              </a:rPr>
+              <a:t> </a:t>
+            </a:r>
+            <a:r>
+              <a:rPr sz="4000" spc="-165" err="1">
+                <a:latin typeface="Lucida Sans Unicode"/>
+              </a:rPr>
               <a:t>Esecuzione</a:t>
             </a:r>
             <a:r>
-              <a:rPr spc="80"/>
-              <a:t> </a:t>
-            </a:r>
-            <a:r>
-              <a:rPr spc="-50"/>
+              <a:rPr sz="4000" spc="80" dirty="0">
+                <a:latin typeface="Lucida Sans Unicode"/>
+              </a:rPr>
+              <a:t> </a:t>
+            </a:r>
+            <a:r>
+              <a:rPr sz="4000" spc="-50" dirty="0">
+                <a:latin typeface="Lucida Sans Unicode"/>
+              </a:rPr>
               <a:t>2</a:t>
             </a:r>
+            <a:endParaRPr lang="en-US" sz="4000" spc="-50">
+              <a:latin typeface="Lucida Sans Unicode"/>
+            </a:endParaRPr>
           </a:p>
         </p:txBody>
       </p:sp>
@@ -7074,12 +6965,16 @@
           </p:nvPr>
         </p:nvSpPr>
         <p:spPr>
+          <a:xfrm>
+            <a:off x="3732657" y="-53898"/>
+            <a:ext cx="11759691" cy="759823"/>
+          </a:xfrm>
           <a:prstGeom prst="rect">
             <a:avLst/>
           </a:prstGeom>
         </p:spPr>
         <p:txBody>
-          <a:bodyPr vert="horz" wrap="square" lIns="0" tIns="127635" rIns="0" bIns="0" rtlCol="0">
+          <a:bodyPr vert="horz" wrap="square" lIns="0" tIns="127635" rIns="0" bIns="0" rtlCol="0" anchor="t">
             <a:spAutoFit/>
           </a:bodyPr>
           <a:lstStyle/>
@@ -7093,25 +6988,38 @@
               </a:spcBef>
             </a:pPr>
             <a:r>
-              <a:rPr spc="-220"/>
+              <a:rPr spc="-220" err="1">
+                <a:latin typeface="Lucida Sans Unicode"/>
+              </a:rPr>
               <a:t>Simulazione</a:t>
             </a:r>
             <a:r>
-              <a:rPr spc="-459"/>
-              <a:t> </a:t>
-            </a:r>
-            <a:r>
-              <a:rPr spc="-165"/>
+              <a:rPr spc="-459" dirty="0">
+                <a:latin typeface="Lucida Sans Unicode"/>
+              </a:rPr>
+              <a:t> </a:t>
+            </a:r>
+            <a:r>
+              <a:rPr spc="-165" err="1">
+                <a:latin typeface="Lucida Sans Unicode"/>
+              </a:rPr>
               <a:t>Esecuzione</a:t>
             </a:r>
             <a:r>
-              <a:rPr spc="80"/>
-              <a:t> </a:t>
-            </a:r>
-            <a:r>
-              <a:rPr spc="-50"/>
+              <a:rPr spc="80" dirty="0">
+                <a:latin typeface="Lucida Sans Unicode"/>
+              </a:rPr>
+              <a:t> </a:t>
+            </a:r>
+            <a:r>
+              <a:rPr spc="-50" dirty="0">
+                <a:latin typeface="Lucida Sans Unicode"/>
+              </a:rPr>
               <a:t>3</a:t>
             </a:r>
+            <a:endParaRPr lang="en-US" spc="-50" dirty="0">
+              <a:latin typeface="Lucida Sans Unicode"/>
+            </a:endParaRPr>
           </a:p>
         </p:txBody>
       </p:sp>
@@ -7192,23 +7100,23 @@
               </a:spcBef>
             </a:pPr>
             <a:r>
-              <a:rPr spc="-220"/>
+              <a:rPr spc="-220" dirty="0" err="1"/>
               <a:t>Simulazione</a:t>
             </a:r>
             <a:r>
-              <a:rPr spc="-459"/>
-              <a:t> </a:t>
-            </a:r>
-            <a:r>
-              <a:rPr spc="-165"/>
+              <a:rPr spc="-459" dirty="0"/>
+              <a:t> </a:t>
+            </a:r>
+            <a:r>
+              <a:rPr spc="-165" dirty="0" err="1"/>
               <a:t>Esecuzione</a:t>
             </a:r>
             <a:r>
-              <a:rPr spc="80"/>
-              <a:t> </a:t>
-            </a:r>
-            <a:r>
-              <a:rPr spc="-50"/>
+              <a:rPr spc="80" dirty="0"/>
+              <a:t> </a:t>
+            </a:r>
+            <a:r>
+              <a:rPr spc="-50" dirty="0"/>
               <a:t>4</a:t>
             </a:r>
           </a:p>
@@ -7269,7 +7177,7 @@
         </p:nvSpPr>
         <p:spPr>
           <a:xfrm>
-            <a:off x="944981" y="944244"/>
+            <a:off x="944981" y="519701"/>
             <a:ext cx="5638800" cy="2733675"/>
           </a:xfrm>
           <a:custGeom>
@@ -7829,7 +7737,7 @@
         </p:nvSpPr>
         <p:spPr>
           <a:xfrm>
-            <a:off x="10386186" y="948689"/>
+            <a:off x="10386186" y="524146"/>
             <a:ext cx="5638800" cy="2733675"/>
           </a:xfrm>
           <a:custGeom>
@@ -8393,15 +8301,15 @@
         </p:nvSpPr>
         <p:spPr>
           <a:xfrm>
-            <a:off x="2013330" y="1949653"/>
-            <a:ext cx="3770629" cy="1024890"/>
+            <a:off x="1472722" y="1525110"/>
+            <a:ext cx="5021751" cy="1244571"/>
           </a:xfrm>
           <a:prstGeom prst="rect">
             <a:avLst/>
           </a:prstGeom>
         </p:spPr>
         <p:txBody>
-          <a:bodyPr vert="horz" wrap="square" lIns="0" tIns="13335" rIns="0" bIns="0" rtlCol="0">
+          <a:bodyPr vert="horz" wrap="square" lIns="0" tIns="13335" rIns="0" bIns="0" rtlCol="0" anchor="t">
             <a:spAutoFit/>
           </a:bodyPr>
           <a:lstStyle/>
@@ -8415,7 +8323,7 @@
               </a:spcBef>
             </a:pPr>
             <a:r>
-              <a:rPr sz="6550" spc="-210">
+              <a:rPr sz="8000" spc="-210" dirty="0">
                 <a:solidFill>
                   <a:srgbClr val="09122D"/>
                 </a:solidFill>
@@ -8424,7 +8332,7 @@
               </a:rPr>
               <a:t>PROBLEMI</a:t>
             </a:r>
-            <a:endParaRPr sz="6550">
+            <a:endParaRPr lang="en-US" sz="8000" dirty="0">
               <a:latin typeface="Lucida Sans Unicode"/>
               <a:cs typeface="Lucida Sans Unicode"/>
             </a:endParaRPr>
@@ -8439,15 +8347,15 @@
         </p:nvSpPr>
         <p:spPr>
           <a:xfrm>
-            <a:off x="11351514" y="1954224"/>
-            <a:ext cx="3710304" cy="1024890"/>
+            <a:off x="11027149" y="1406114"/>
+            <a:ext cx="4667952" cy="1244571"/>
           </a:xfrm>
           <a:prstGeom prst="rect">
             <a:avLst/>
           </a:prstGeom>
         </p:spPr>
         <p:txBody>
-          <a:bodyPr vert="horz" wrap="square" lIns="0" tIns="13335" rIns="0" bIns="0" rtlCol="0">
+          <a:bodyPr vert="horz" wrap="square" lIns="0" tIns="13335" rIns="0" bIns="0" rtlCol="0" anchor="t">
             <a:spAutoFit/>
           </a:bodyPr>
           <a:lstStyle/>
@@ -8461,7 +8369,7 @@
               </a:spcBef>
             </a:pPr>
             <a:r>
-              <a:rPr sz="6550" spc="-615">
+              <a:rPr sz="8000" spc="-615" dirty="0">
                 <a:solidFill>
                   <a:srgbClr val="09122D"/>
                 </a:solidFill>
@@ -8470,7 +8378,7 @@
               </a:rPr>
               <a:t>SOLUZIONI</a:t>
             </a:r>
-            <a:endParaRPr sz="6550">
+            <a:endParaRPr sz="8000" dirty="0">
               <a:latin typeface="Lucida Sans Unicode"/>
               <a:cs typeface="Lucida Sans Unicode"/>
             </a:endParaRPr>
@@ -8485,7 +8393,7 @@
         </p:nvSpPr>
         <p:spPr>
           <a:xfrm>
-            <a:off x="938580" y="5119497"/>
+            <a:off x="938580" y="3698911"/>
             <a:ext cx="5396865" cy="393065"/>
           </a:xfrm>
           <a:prstGeom prst="rect">
@@ -8513,7 +8421,7 @@
               </a:tabLst>
             </a:pPr>
             <a:r>
-              <a:rPr sz="2400" spc="-355">
+              <a:rPr sz="2400" spc="-355" dirty="0">
                 <a:solidFill>
                   <a:srgbClr val="FFFFFF"/>
                 </a:solidFill>
@@ -8523,7 +8431,7 @@
               <a:t>DIPENDENZE</a:t>
             </a:r>
             <a:r>
-              <a:rPr sz="2400">
+              <a:rPr sz="2400" dirty="0">
                 <a:solidFill>
                   <a:srgbClr val="FFFFFF"/>
                 </a:solidFill>
@@ -8533,7 +8441,7 @@
               <a:t>	</a:t>
             </a:r>
             <a:r>
-              <a:rPr sz="2400" spc="-434">
+              <a:rPr sz="2400" spc="-434" dirty="0">
                 <a:solidFill>
                   <a:srgbClr val="FFFFFF"/>
                 </a:solidFill>
@@ -8543,7 +8451,7 @@
               <a:t>CON</a:t>
             </a:r>
             <a:r>
-              <a:rPr sz="2400" spc="335">
+              <a:rPr sz="2400" spc="335" dirty="0">
                 <a:solidFill>
                   <a:srgbClr val="FFFFFF"/>
                 </a:solidFill>
@@ -8553,7 +8461,7 @@
               <a:t> </a:t>
             </a:r>
             <a:r>
-              <a:rPr sz="2400" spc="-325">
+              <a:rPr sz="2400" spc="-325" dirty="0">
                 <a:solidFill>
                   <a:srgbClr val="FFFFFF"/>
                 </a:solidFill>
@@ -8563,7 +8471,7 @@
               <a:t>VERSIONI</a:t>
             </a:r>
             <a:r>
-              <a:rPr sz="2400">
+              <a:rPr sz="2400" dirty="0">
                 <a:solidFill>
                   <a:srgbClr val="FFFFFF"/>
                 </a:solidFill>
@@ -8573,7 +8481,7 @@
               <a:t>	</a:t>
             </a:r>
             <a:r>
-              <a:rPr sz="2400" spc="-434">
+              <a:rPr sz="2400" spc="-434" dirty="0">
                 <a:solidFill>
                   <a:srgbClr val="FFFFFF"/>
                 </a:solidFill>
@@ -8583,7 +8491,7 @@
               <a:t>NON</a:t>
             </a:r>
             <a:r>
-              <a:rPr sz="2400" spc="330">
+              <a:rPr sz="2400" spc="330" dirty="0">
                 <a:solidFill>
                   <a:srgbClr val="FFFFFF"/>
                 </a:solidFill>
@@ -8593,7 +8501,7 @@
               <a:t> </a:t>
             </a:r>
             <a:r>
-              <a:rPr sz="2400" spc="-385">
+              <a:rPr sz="2400" spc="-385" dirty="0">
                 <a:solidFill>
                   <a:srgbClr val="FFFFFF"/>
                 </a:solidFill>
@@ -8602,7 +8510,7 @@
               </a:rPr>
               <a:t>VALIDE</a:t>
             </a:r>
-            <a:endParaRPr sz="2400">
+            <a:endParaRPr sz="2400" dirty="0">
               <a:latin typeface="Arial MT"/>
               <a:cs typeface="Arial MT"/>
             </a:endParaRPr>
@@ -8617,7 +8525,7 @@
         </p:nvSpPr>
         <p:spPr>
           <a:xfrm>
-            <a:off x="938580" y="6690156"/>
+            <a:off x="938580" y="6575856"/>
             <a:ext cx="5543550" cy="821055"/>
           </a:xfrm>
           <a:prstGeom prst="rect">
@@ -8788,7 +8696,7 @@
         </p:nvSpPr>
         <p:spPr>
           <a:xfrm>
-            <a:off x="10587608" y="5119497"/>
+            <a:off x="10587608" y="3698911"/>
             <a:ext cx="3561715" cy="393065"/>
           </a:xfrm>
           <a:prstGeom prst="rect">
@@ -8814,7 +8722,7 @@
               </a:tabLst>
             </a:pPr>
             <a:r>
-              <a:rPr sz="2400" spc="-325">
+              <a:rPr sz="2400" spc="-325" dirty="0">
                 <a:solidFill>
                   <a:srgbClr val="FFFFFF"/>
                 </a:solidFill>
@@ -8824,7 +8732,7 @@
               <a:t>FILTRI</a:t>
             </a:r>
             <a:r>
-              <a:rPr sz="2400" spc="270">
+              <a:rPr sz="2400" spc="270" dirty="0">
                 <a:solidFill>
                   <a:srgbClr val="FFFFFF"/>
                 </a:solidFill>
@@ -8834,7 +8742,7 @@
               <a:t> </a:t>
             </a:r>
             <a:r>
-              <a:rPr sz="2400" spc="-345">
+              <a:rPr sz="2400" spc="-345" dirty="0">
                 <a:solidFill>
                   <a:srgbClr val="FFFFFF"/>
                 </a:solidFill>
@@ -8844,7 +8752,7 @@
               <a:t>SULLE</a:t>
             </a:r>
             <a:r>
-              <a:rPr sz="2400" spc="305">
+              <a:rPr sz="2400" spc="305" dirty="0">
                 <a:solidFill>
                   <a:srgbClr val="FFFFFF"/>
                 </a:solidFill>
@@ -8854,7 +8762,7 @@
               <a:t> </a:t>
             </a:r>
             <a:r>
-              <a:rPr sz="2400" spc="-365">
+              <a:rPr sz="2400" spc="-365" dirty="0">
                 <a:solidFill>
                   <a:srgbClr val="FFFFFF"/>
                 </a:solidFill>
@@ -8863,7 +8771,7 @@
               </a:rPr>
               <a:t>DIPENDENZE</a:t>
             </a:r>
-            <a:endParaRPr sz="2400">
+            <a:endParaRPr sz="2400" dirty="0">
               <a:latin typeface="Arial MT"/>
               <a:cs typeface="Arial MT"/>
             </a:endParaRPr>
@@ -8878,7 +8786,7 @@
         </p:nvSpPr>
         <p:spPr>
           <a:xfrm>
-            <a:off x="10587608" y="6690156"/>
+            <a:off x="10587608" y="6575856"/>
             <a:ext cx="4691380" cy="821055"/>
           </a:xfrm>
           <a:prstGeom prst="rect">
@@ -8978,7 +8886,7 @@
         </p:nvSpPr>
         <p:spPr>
           <a:xfrm>
-            <a:off x="6847840" y="5252973"/>
+            <a:off x="6847840" y="3786049"/>
             <a:ext cx="3752215" cy="228600"/>
           </a:xfrm>
           <a:custGeom>
@@ -9037,7 +8945,7 @@
         </p:nvSpPr>
         <p:spPr>
           <a:xfrm>
-            <a:off x="6847840" y="6830314"/>
+            <a:off x="6847840" y="6669676"/>
             <a:ext cx="3752215" cy="228600"/>
           </a:xfrm>
           <a:custGeom>
@@ -9088,6 +8996,66 @@
           </a:p>
         </p:txBody>
       </p:sp>
+      <p:pic>
+        <p:nvPicPr>
+          <p:cNvPr id="14" name="Picture 13" descr="A black background with red text&#10;&#10;Description automatically generated">
+            <a:extLst>
+              <a:ext uri="{FF2B5EF4-FFF2-40B4-BE49-F238E27FC236}">
+                <a16:creationId xmlns:a16="http://schemas.microsoft.com/office/drawing/2014/main" id="{1DAC8B1D-FFBF-BEB6-E384-93244EE1F720}"/>
+              </a:ext>
+            </a:extLst>
+          </p:cNvPr>
+          <p:cNvPicPr>
+            <a:picLocks noChangeAspect="1"/>
+          </p:cNvPicPr>
+          <p:nvPr/>
+        </p:nvPicPr>
+        <p:blipFill>
+          <a:blip r:embed="rId2"/>
+          <a:stretch>
+            <a:fillRect/>
+          </a:stretch>
+        </p:blipFill>
+        <p:spPr>
+          <a:xfrm>
+            <a:off x="10092640" y="4429769"/>
+            <a:ext cx="7385735" cy="1442908"/>
+          </a:xfrm>
+          <a:prstGeom prst="rect">
+            <a:avLst/>
+          </a:prstGeom>
+        </p:spPr>
+      </p:pic>
+      <p:pic>
+        <p:nvPicPr>
+          <p:cNvPr id="15" name="Picture 14" descr="A black background with white text&#10;&#10;Description automatically generated">
+            <a:extLst>
+              <a:ext uri="{FF2B5EF4-FFF2-40B4-BE49-F238E27FC236}">
+                <a16:creationId xmlns:a16="http://schemas.microsoft.com/office/drawing/2014/main" id="{B116F406-F54E-6EF6-07E2-0DCF083C04BB}"/>
+              </a:ext>
+            </a:extLst>
+          </p:cNvPr>
+          <p:cNvPicPr>
+            <a:picLocks noChangeAspect="1"/>
+          </p:cNvPicPr>
+          <p:nvPr/>
+        </p:nvPicPr>
+        <p:blipFill>
+          <a:blip r:embed="rId3"/>
+          <a:stretch>
+            <a:fillRect/>
+          </a:stretch>
+        </p:blipFill>
+        <p:spPr>
+          <a:xfrm>
+            <a:off x="10096243" y="7636476"/>
+            <a:ext cx="7409420" cy="1686697"/>
+          </a:xfrm>
+          <a:prstGeom prst="rect">
+            <a:avLst/>
+          </a:prstGeom>
+        </p:spPr>
+      </p:pic>
     </p:spTree>
   </p:cSld>
   <p:clrMapOvr>
